--- a/docx/02_linux-cfg.pptx
+++ b/docx/02_linux-cfg.pptx
@@ -5,22 +5,23 @@
     <p:sldMasterId id="2147483648" r:id="rId1"/>
   </p:sldMasterIdLst>
   <p:notesMasterIdLst>
-    <p:notesMasterId r:id="rId15"/>
+    <p:notesMasterId r:id="rId16"/>
   </p:notesMasterIdLst>
   <p:sldIdLst>
-    <p:sldId id="257" r:id="rId2"/>
-    <p:sldId id="268" r:id="rId3"/>
-    <p:sldId id="267" r:id="rId4"/>
-    <p:sldId id="265" r:id="rId5"/>
-    <p:sldId id="269" r:id="rId6"/>
-    <p:sldId id="266" r:id="rId7"/>
-    <p:sldId id="271" r:id="rId8"/>
-    <p:sldId id="272" r:id="rId9"/>
-    <p:sldId id="273" r:id="rId10"/>
-    <p:sldId id="274" r:id="rId11"/>
-    <p:sldId id="275" r:id="rId12"/>
-    <p:sldId id="276" r:id="rId13"/>
-    <p:sldId id="277" r:id="rId14"/>
+    <p:sldId id="278" r:id="rId2"/>
+    <p:sldId id="257" r:id="rId3"/>
+    <p:sldId id="268" r:id="rId4"/>
+    <p:sldId id="267" r:id="rId5"/>
+    <p:sldId id="265" r:id="rId6"/>
+    <p:sldId id="269" r:id="rId7"/>
+    <p:sldId id="266" r:id="rId8"/>
+    <p:sldId id="271" r:id="rId9"/>
+    <p:sldId id="272" r:id="rId10"/>
+    <p:sldId id="273" r:id="rId11"/>
+    <p:sldId id="274" r:id="rId12"/>
+    <p:sldId id="275" r:id="rId13"/>
+    <p:sldId id="276" r:id="rId14"/>
+    <p:sldId id="277" r:id="rId15"/>
   </p:sldIdLst>
   <p:sldSz cx="12192000" cy="6858000"/>
   <p:notesSz cx="6858000" cy="9144000"/>
@@ -220,7 +221,7 @@
           <a:p>
             <a:fld id="{5504B4CE-9C8D-4E38-A2B1-08A6C8EE4319}" type="datetimeFigureOut">
               <a:rPr lang="zh-CN" altLang="en-US" smtClean="0"/>
-              <a:t>2024/11/1</a:t>
+              <a:t>2024/11/5</a:t>
             </a:fld>
             <a:endParaRPr lang="zh-CN" altLang="en-US"/>
           </a:p>
@@ -552,7 +553,7 @@
           <a:p>
             <a:fld id="{E369B3AC-B030-45DB-AD65-E88E70649488}" type="slidenum">
               <a:rPr lang="zh-CN" altLang="en-US" smtClean="0"/>
-              <a:t>3</a:t>
+              <a:t>4</a:t>
             </a:fld>
             <a:endParaRPr lang="zh-CN" altLang="en-US"/>
           </a:p>
@@ -718,7 +719,7 @@
           <a:p>
             <a:fld id="{F0004D86-49B4-4F90-AAD6-F988CFA57D00}" type="datetimeFigureOut">
               <a:rPr lang="zh-CN" altLang="en-US" smtClean="0"/>
-              <a:t>2024/11/1</a:t>
+              <a:t>2024/11/5</a:t>
             </a:fld>
             <a:endParaRPr lang="zh-CN" altLang="en-US"/>
           </a:p>
@@ -916,7 +917,7 @@
           <a:p>
             <a:fld id="{F0004D86-49B4-4F90-AAD6-F988CFA57D00}" type="datetimeFigureOut">
               <a:rPr lang="zh-CN" altLang="en-US" smtClean="0"/>
-              <a:t>2024/11/1</a:t>
+              <a:t>2024/11/5</a:t>
             </a:fld>
             <a:endParaRPr lang="zh-CN" altLang="en-US"/>
           </a:p>
@@ -1124,7 +1125,7 @@
           <a:p>
             <a:fld id="{F0004D86-49B4-4F90-AAD6-F988CFA57D00}" type="datetimeFigureOut">
               <a:rPr lang="zh-CN" altLang="en-US" smtClean="0"/>
-              <a:t>2024/11/1</a:t>
+              <a:t>2024/11/5</a:t>
             </a:fld>
             <a:endParaRPr lang="zh-CN" altLang="en-US"/>
           </a:p>
@@ -1322,7 +1323,7 @@
           <a:p>
             <a:fld id="{F0004D86-49B4-4F90-AAD6-F988CFA57D00}" type="datetimeFigureOut">
               <a:rPr lang="zh-CN" altLang="en-US" smtClean="0"/>
-              <a:t>2024/11/1</a:t>
+              <a:t>2024/11/5</a:t>
             </a:fld>
             <a:endParaRPr lang="zh-CN" altLang="en-US"/>
           </a:p>
@@ -1597,7 +1598,7 @@
           <a:p>
             <a:fld id="{F0004D86-49B4-4F90-AAD6-F988CFA57D00}" type="datetimeFigureOut">
               <a:rPr lang="zh-CN" altLang="en-US" smtClean="0"/>
-              <a:t>2024/11/1</a:t>
+              <a:t>2024/11/5</a:t>
             </a:fld>
             <a:endParaRPr lang="zh-CN" altLang="en-US"/>
           </a:p>
@@ -1862,7 +1863,7 @@
           <a:p>
             <a:fld id="{F0004D86-49B4-4F90-AAD6-F988CFA57D00}" type="datetimeFigureOut">
               <a:rPr lang="zh-CN" altLang="en-US" smtClean="0"/>
-              <a:t>2024/11/1</a:t>
+              <a:t>2024/11/5</a:t>
             </a:fld>
             <a:endParaRPr lang="zh-CN" altLang="en-US"/>
           </a:p>
@@ -2274,7 +2275,7 @@
           <a:p>
             <a:fld id="{F0004D86-49B4-4F90-AAD6-F988CFA57D00}" type="datetimeFigureOut">
               <a:rPr lang="zh-CN" altLang="en-US" smtClean="0"/>
-              <a:t>2024/11/1</a:t>
+              <a:t>2024/11/5</a:t>
             </a:fld>
             <a:endParaRPr lang="zh-CN" altLang="en-US"/>
           </a:p>
@@ -2415,7 +2416,7 @@
           <a:p>
             <a:fld id="{F0004D86-49B4-4F90-AAD6-F988CFA57D00}" type="datetimeFigureOut">
               <a:rPr lang="zh-CN" altLang="en-US" smtClean="0"/>
-              <a:t>2024/11/1</a:t>
+              <a:t>2024/11/5</a:t>
             </a:fld>
             <a:endParaRPr lang="zh-CN" altLang="en-US"/>
           </a:p>
@@ -2528,7 +2529,7 @@
           <a:p>
             <a:fld id="{F0004D86-49B4-4F90-AAD6-F988CFA57D00}" type="datetimeFigureOut">
               <a:rPr lang="zh-CN" altLang="en-US" smtClean="0"/>
-              <a:t>2024/11/1</a:t>
+              <a:t>2024/11/5</a:t>
             </a:fld>
             <a:endParaRPr lang="zh-CN" altLang="en-US"/>
           </a:p>
@@ -2839,7 +2840,7 @@
           <a:p>
             <a:fld id="{F0004D86-49B4-4F90-AAD6-F988CFA57D00}" type="datetimeFigureOut">
               <a:rPr lang="zh-CN" altLang="en-US" smtClean="0"/>
-              <a:t>2024/11/1</a:t>
+              <a:t>2024/11/5</a:t>
             </a:fld>
             <a:endParaRPr lang="zh-CN" altLang="en-US"/>
           </a:p>
@@ -3127,7 +3128,7 @@
           <a:p>
             <a:fld id="{F0004D86-49B4-4F90-AAD6-F988CFA57D00}" type="datetimeFigureOut">
               <a:rPr lang="zh-CN" altLang="en-US" smtClean="0"/>
-              <a:t>2024/11/1</a:t>
+              <a:t>2024/11/5</a:t>
             </a:fld>
             <a:endParaRPr lang="zh-CN" altLang="en-US"/>
           </a:p>
@@ -3368,7 +3369,7 @@
           <a:p>
             <a:fld id="{F0004D86-49B4-4F90-AAD6-F988CFA57D00}" type="datetimeFigureOut">
               <a:rPr lang="zh-CN" altLang="en-US" smtClean="0"/>
-              <a:t>2024/11/1</a:t>
+              <a:t>2024/11/5</a:t>
             </a:fld>
             <a:endParaRPr lang="zh-CN" altLang="en-US"/>
           </a:p>
@@ -3776,7 +3777,7 @@
         <p:cNvPr id="1" name="">
           <a:extLst>
             <a:ext uri="{FF2B5EF4-FFF2-40B4-BE49-F238E27FC236}">
-              <a16:creationId xmlns:a16="http://schemas.microsoft.com/office/drawing/2014/main" id="{A5BE92A6-1D07-1AED-EDF3-833BF736CDF9}"/>
+              <a16:creationId xmlns:a16="http://schemas.microsoft.com/office/drawing/2014/main" id="{337E20BE-88F4-7D5D-5953-5D31581AC52E}"/>
             </a:ext>
           </a:extLst>
         </p:cNvPr>
@@ -3796,7 +3797,7 @@
           <p:cNvPr id="4" name="文本框 3">
             <a:extLst>
               <a:ext uri="{FF2B5EF4-FFF2-40B4-BE49-F238E27FC236}">
-                <a16:creationId xmlns:a16="http://schemas.microsoft.com/office/drawing/2014/main" id="{96FCE155-0B84-1346-F7C8-81CDE17B4C2C}"/>
+                <a16:creationId xmlns:a16="http://schemas.microsoft.com/office/drawing/2014/main" id="{822E1074-CBCA-6870-204D-DAE900DABE07}"/>
               </a:ext>
             </a:extLst>
           </p:cNvPr>
@@ -3806,7 +3807,7 @@
         <p:spPr>
           <a:xfrm>
             <a:off x="1192242" y="2721114"/>
-            <a:ext cx="9974205" cy="707886"/>
+            <a:ext cx="10479151" cy="707886"/>
           </a:xfrm>
           <a:prstGeom prst="rect">
             <a:avLst/>
@@ -3820,51 +3821,62 @@
           <a:lstStyle/>
           <a:p>
             <a:r>
-              <a:rPr lang="en-US" altLang="zh-CN" sz="4000" b="1" dirty="0">
+              <a:rPr lang="zh-CN" altLang="en-US" sz="4000" b="1" dirty="0">
+                <a:solidFill>
+                  <a:srgbClr val="C00000"/>
+                </a:solidFill>
                 <a:latin typeface="黑体" panose="02010609060101010101" pitchFamily="49" charset="-122"/>
                 <a:ea typeface="黑体" panose="02010609060101010101" pitchFamily="49" charset="-122"/>
               </a:rPr>
-              <a:t>LLVM</a:t>
-            </a:r>
-            <a:r>
-              <a:rPr lang="zh-CN" altLang="en-US" sz="4000" b="1" dirty="0">
+              <a:t>是不是所有的</a:t>
+            </a:r>
+            <a:r>
+              <a:rPr lang="en-US" altLang="zh-CN" sz="4000" b="1" dirty="0">
+                <a:solidFill>
+                  <a:srgbClr val="C00000"/>
+                </a:solidFill>
                 <a:latin typeface="黑体" panose="02010609060101010101" pitchFamily="49" charset="-122"/>
                 <a:ea typeface="黑体" panose="02010609060101010101" pitchFamily="49" charset="-122"/>
               </a:rPr>
-              <a:t>编译</a:t>
-            </a:r>
-            <a:r>
-              <a:rPr lang="en-US" altLang="zh-CN" sz="4000" b="1" dirty="0">
+              <a:t>C</a:t>
+            </a:r>
+            <a:r>
+              <a:rPr lang="zh-CN" altLang="en-US" sz="4000" b="1" dirty="0">
+                <a:solidFill>
+                  <a:srgbClr val="C00000"/>
+                </a:solidFill>
                 <a:latin typeface="黑体" panose="02010609060101010101" pitchFamily="49" charset="-122"/>
                 <a:ea typeface="黑体" panose="02010609060101010101" pitchFamily="49" charset="-122"/>
               </a:rPr>
-              <a:t>linux-5.4</a:t>
-            </a:r>
-            <a:r>
-              <a:rPr lang="zh-CN" altLang="en-US" sz="4000" b="1" dirty="0">
+              <a:t>语言语句都能在</a:t>
+            </a:r>
+            <a:r>
+              <a:rPr lang="en-US" altLang="zh-CN" sz="4000" b="1" dirty="0">
+                <a:solidFill>
+                  <a:srgbClr val="C00000"/>
+                </a:solidFill>
                 <a:latin typeface="黑体" panose="02010609060101010101" pitchFamily="49" charset="-122"/>
                 <a:ea typeface="黑体" panose="02010609060101010101" pitchFamily="49" charset="-122"/>
               </a:rPr>
-              <a:t>内核，并获取、分析</a:t>
-            </a:r>
-            <a:r>
-              <a:rPr lang="en-US" altLang="zh-CN" sz="4000" b="1" dirty="0">
+              <a:t>CFG</a:t>
+            </a:r>
+            <a:r>
+              <a:rPr lang="zh-CN" altLang="en-US" sz="4000" b="1" dirty="0">
+                <a:solidFill>
+                  <a:srgbClr val="C00000"/>
+                </a:solidFill>
                 <a:latin typeface="黑体" panose="02010609060101010101" pitchFamily="49" charset="-122"/>
                 <a:ea typeface="黑体" panose="02010609060101010101" pitchFamily="49" charset="-122"/>
               </a:rPr>
-              <a:t>CFG</a:t>
-            </a:r>
-            <a:endParaRPr lang="zh-CN" altLang="en-US" sz="4000" b="1" dirty="0">
-              <a:latin typeface="黑体" panose="02010609060101010101" pitchFamily="49" charset="-122"/>
-              <a:ea typeface="黑体" panose="02010609060101010101" pitchFamily="49" charset="-122"/>
-            </a:endParaRPr>
+              <a:t>里面找到？</a:t>
+            </a:r>
           </a:p>
         </p:txBody>
       </p:sp>
     </p:spTree>
     <p:extLst>
       <p:ext uri="{BB962C8B-B14F-4D97-AF65-F5344CB8AC3E}">
-        <p14:creationId xmlns:p14="http://schemas.microsoft.com/office/powerpoint/2010/main" val="3857422898"/>
+        <p14:creationId xmlns:p14="http://schemas.microsoft.com/office/powerpoint/2010/main" val="3133216112"/>
       </p:ext>
     </p:extLst>
   </p:cSld>
@@ -3875,6 +3887,1629 @@
 </file>
 
 <file path=ppt/slides/slide10.xml><?xml version="1.0" encoding="utf-8"?>
+<p:sld xmlns:a="http://schemas.openxmlformats.org/drawingml/2006/main" xmlns:r="http://schemas.openxmlformats.org/officeDocument/2006/relationships" xmlns:p="http://schemas.openxmlformats.org/presentationml/2006/main">
+  <p:cSld>
+    <p:spTree>
+      <p:nvGrpSpPr>
+        <p:cNvPr id="1" name="">
+          <a:extLst>
+            <a:ext uri="{FF2B5EF4-FFF2-40B4-BE49-F238E27FC236}">
+              <a16:creationId xmlns:a16="http://schemas.microsoft.com/office/drawing/2014/main" id="{2DAD449C-3793-DF79-E39A-D2E98624D385}"/>
+            </a:ext>
+          </a:extLst>
+        </p:cNvPr>
+        <p:cNvGrpSpPr/>
+        <p:nvPr/>
+      </p:nvGrpSpPr>
+      <p:grpSpPr>
+        <a:xfrm>
+          <a:off x="0" y="0"/>
+          <a:ext cx="0" cy="0"/>
+          <a:chOff x="0" y="0"/>
+          <a:chExt cx="0" cy="0"/>
+        </a:xfrm>
+      </p:grpSpPr>
+      <p:sp>
+        <p:nvSpPr>
+          <p:cNvPr id="2" name="文本框 1">
+            <a:extLst>
+              <a:ext uri="{FF2B5EF4-FFF2-40B4-BE49-F238E27FC236}">
+                <a16:creationId xmlns:a16="http://schemas.microsoft.com/office/drawing/2014/main" id="{9EC3D06F-59AB-A686-A9D4-BE7082989D94}"/>
+              </a:ext>
+            </a:extLst>
+          </p:cNvPr>
+          <p:cNvSpPr txBox="1"/>
+          <p:nvPr/>
+        </p:nvSpPr>
+        <p:spPr>
+          <a:xfrm>
+            <a:off x="744125" y="310974"/>
+            <a:ext cx="1008609" cy="584775"/>
+          </a:xfrm>
+          <a:prstGeom prst="rect">
+            <a:avLst/>
+          </a:prstGeom>
+          <a:noFill/>
+        </p:spPr>
+        <p:txBody>
+          <a:bodyPr wrap="none" rtlCol="0">
+            <a:spAutoFit/>
+          </a:bodyPr>
+          <a:lstStyle/>
+          <a:p>
+            <a:r>
+              <a:rPr lang="zh-CN" altLang="en-US" sz="3200" b="1" dirty="0">
+                <a:solidFill>
+                  <a:srgbClr val="C00000"/>
+                </a:solidFill>
+                <a:latin typeface="黑体" panose="02010609060101010101" pitchFamily="49" charset="-122"/>
+                <a:ea typeface="黑体" panose="02010609060101010101" pitchFamily="49" charset="-122"/>
+              </a:rPr>
+              <a:t>总结</a:t>
+            </a:r>
+          </a:p>
+        </p:txBody>
+      </p:sp>
+      <p:sp>
+        <p:nvSpPr>
+          <p:cNvPr id="3" name="矩形 2">
+            <a:extLst>
+              <a:ext uri="{FF2B5EF4-FFF2-40B4-BE49-F238E27FC236}">
+                <a16:creationId xmlns:a16="http://schemas.microsoft.com/office/drawing/2014/main" id="{ECE9352A-153B-68F7-FFA3-71704E1B2C3F}"/>
+              </a:ext>
+            </a:extLst>
+          </p:cNvPr>
+          <p:cNvSpPr/>
+          <p:nvPr/>
+        </p:nvSpPr>
+        <p:spPr>
+          <a:xfrm>
+            <a:off x="3192689" y="5261759"/>
+            <a:ext cx="1350405" cy="533401"/>
+          </a:xfrm>
+          <a:prstGeom prst="rect">
+            <a:avLst/>
+          </a:prstGeom>
+          <a:solidFill>
+            <a:schemeClr val="accent1"/>
+          </a:solidFill>
+          <a:ln>
+            <a:noFill/>
+          </a:ln>
+        </p:spPr>
+        <p:style>
+          <a:lnRef idx="2">
+            <a:schemeClr val="accent1">
+              <a:shade val="15000"/>
+            </a:schemeClr>
+          </a:lnRef>
+          <a:fillRef idx="1">
+            <a:schemeClr val="accent1"/>
+          </a:fillRef>
+          <a:effectRef idx="0">
+            <a:schemeClr val="accent1"/>
+          </a:effectRef>
+          <a:fontRef idx="minor">
+            <a:schemeClr val="lt1"/>
+          </a:fontRef>
+        </p:style>
+        <p:txBody>
+          <a:bodyPr rtlCol="0" anchor="ctr"/>
+          <a:lstStyle/>
+          <a:p>
+            <a:pPr algn="ctr"/>
+            <a:r>
+              <a:rPr lang="zh-CN" altLang="en-US" dirty="0">
+                <a:latin typeface="Times New Roman" panose="02020603050405020304" pitchFamily="18" charset="0"/>
+                <a:ea typeface="宋体" panose="02010600030101010101" pitchFamily="2" charset="-122"/>
+                <a:cs typeface="Times New Roman" panose="02020603050405020304" pitchFamily="18" charset="0"/>
+              </a:rPr>
+              <a:t>预处理</a:t>
+            </a:r>
+          </a:p>
+        </p:txBody>
+      </p:sp>
+      <p:sp>
+        <p:nvSpPr>
+          <p:cNvPr id="4" name="矩形 3">
+            <a:extLst>
+              <a:ext uri="{FF2B5EF4-FFF2-40B4-BE49-F238E27FC236}">
+                <a16:creationId xmlns:a16="http://schemas.microsoft.com/office/drawing/2014/main" id="{89528B78-E830-23A7-A3C9-BE46402BF774}"/>
+              </a:ext>
+            </a:extLst>
+          </p:cNvPr>
+          <p:cNvSpPr/>
+          <p:nvPr/>
+        </p:nvSpPr>
+        <p:spPr>
+          <a:xfrm>
+            <a:off x="4795941" y="5259611"/>
+            <a:ext cx="1350405" cy="533401"/>
+          </a:xfrm>
+          <a:prstGeom prst="rect">
+            <a:avLst/>
+          </a:prstGeom>
+          <a:solidFill>
+            <a:schemeClr val="accent1"/>
+          </a:solidFill>
+          <a:ln>
+            <a:noFill/>
+          </a:ln>
+        </p:spPr>
+        <p:style>
+          <a:lnRef idx="2">
+            <a:schemeClr val="accent1">
+              <a:shade val="15000"/>
+            </a:schemeClr>
+          </a:lnRef>
+          <a:fillRef idx="1">
+            <a:schemeClr val="accent1"/>
+          </a:fillRef>
+          <a:effectRef idx="0">
+            <a:schemeClr val="accent1"/>
+          </a:effectRef>
+          <a:fontRef idx="minor">
+            <a:schemeClr val="lt1"/>
+          </a:fontRef>
+        </p:style>
+        <p:txBody>
+          <a:bodyPr rtlCol="0" anchor="ctr"/>
+          <a:lstStyle/>
+          <a:p>
+            <a:pPr algn="ctr"/>
+            <a:r>
+              <a:rPr lang="zh-CN" altLang="en-US" dirty="0">
+                <a:latin typeface="Times New Roman" panose="02020603050405020304" pitchFamily="18" charset="0"/>
+                <a:ea typeface="宋体" panose="02010600030101010101" pitchFamily="2" charset="-122"/>
+                <a:cs typeface="Times New Roman" panose="02020603050405020304" pitchFamily="18" charset="0"/>
+              </a:rPr>
+              <a:t>词法分析</a:t>
+            </a:r>
+          </a:p>
+        </p:txBody>
+      </p:sp>
+      <p:sp>
+        <p:nvSpPr>
+          <p:cNvPr id="6" name="矩形 5">
+            <a:extLst>
+              <a:ext uri="{FF2B5EF4-FFF2-40B4-BE49-F238E27FC236}">
+                <a16:creationId xmlns:a16="http://schemas.microsoft.com/office/drawing/2014/main" id="{07C2FCC2-95B6-7FEC-ACC3-8618310F3C59}"/>
+              </a:ext>
+            </a:extLst>
+          </p:cNvPr>
+          <p:cNvSpPr/>
+          <p:nvPr/>
+        </p:nvSpPr>
+        <p:spPr>
+          <a:xfrm>
+            <a:off x="6399193" y="5259611"/>
+            <a:ext cx="1350405" cy="533401"/>
+          </a:xfrm>
+          <a:prstGeom prst="rect">
+            <a:avLst/>
+          </a:prstGeom>
+          <a:solidFill>
+            <a:schemeClr val="accent1"/>
+          </a:solidFill>
+          <a:ln>
+            <a:noFill/>
+          </a:ln>
+        </p:spPr>
+        <p:style>
+          <a:lnRef idx="2">
+            <a:schemeClr val="accent1">
+              <a:shade val="15000"/>
+            </a:schemeClr>
+          </a:lnRef>
+          <a:fillRef idx="1">
+            <a:schemeClr val="accent1"/>
+          </a:fillRef>
+          <a:effectRef idx="0">
+            <a:schemeClr val="accent1"/>
+          </a:effectRef>
+          <a:fontRef idx="minor">
+            <a:schemeClr val="lt1"/>
+          </a:fontRef>
+        </p:style>
+        <p:txBody>
+          <a:bodyPr rtlCol="0" anchor="ctr"/>
+          <a:lstStyle/>
+          <a:p>
+            <a:pPr algn="ctr"/>
+            <a:r>
+              <a:rPr lang="zh-CN" altLang="en-US" dirty="0">
+                <a:latin typeface="Times New Roman" panose="02020603050405020304" pitchFamily="18" charset="0"/>
+                <a:ea typeface="宋体" panose="02010600030101010101" pitchFamily="2" charset="-122"/>
+                <a:cs typeface="Times New Roman" panose="02020603050405020304" pitchFamily="18" charset="0"/>
+              </a:rPr>
+              <a:t>语法分析</a:t>
+            </a:r>
+          </a:p>
+        </p:txBody>
+      </p:sp>
+      <p:sp>
+        <p:nvSpPr>
+          <p:cNvPr id="7" name="矩形 6">
+            <a:extLst>
+              <a:ext uri="{FF2B5EF4-FFF2-40B4-BE49-F238E27FC236}">
+                <a16:creationId xmlns:a16="http://schemas.microsoft.com/office/drawing/2014/main" id="{DB49D7CA-458B-CEEF-E7E2-86E0F5803CEF}"/>
+              </a:ext>
+            </a:extLst>
+          </p:cNvPr>
+          <p:cNvSpPr/>
+          <p:nvPr/>
+        </p:nvSpPr>
+        <p:spPr>
+          <a:xfrm>
+            <a:off x="8002445" y="5259610"/>
+            <a:ext cx="1350405" cy="533401"/>
+          </a:xfrm>
+          <a:prstGeom prst="rect">
+            <a:avLst/>
+          </a:prstGeom>
+          <a:solidFill>
+            <a:schemeClr val="accent1"/>
+          </a:solidFill>
+          <a:ln>
+            <a:noFill/>
+          </a:ln>
+        </p:spPr>
+        <p:style>
+          <a:lnRef idx="2">
+            <a:schemeClr val="accent1">
+              <a:shade val="15000"/>
+            </a:schemeClr>
+          </a:lnRef>
+          <a:fillRef idx="1">
+            <a:schemeClr val="accent1"/>
+          </a:fillRef>
+          <a:effectRef idx="0">
+            <a:schemeClr val="accent1"/>
+          </a:effectRef>
+          <a:fontRef idx="minor">
+            <a:schemeClr val="lt1"/>
+          </a:fontRef>
+        </p:style>
+        <p:txBody>
+          <a:bodyPr rtlCol="0" anchor="ctr"/>
+          <a:lstStyle/>
+          <a:p>
+            <a:pPr algn="ctr"/>
+            <a:r>
+              <a:rPr lang="zh-CN" altLang="en-US" dirty="0">
+                <a:latin typeface="Times New Roman" panose="02020603050405020304" pitchFamily="18" charset="0"/>
+                <a:ea typeface="宋体" panose="02010600030101010101" pitchFamily="2" charset="-122"/>
+                <a:cs typeface="Times New Roman" panose="02020603050405020304" pitchFamily="18" charset="0"/>
+              </a:rPr>
+              <a:t>语义分析</a:t>
+            </a:r>
+          </a:p>
+        </p:txBody>
+      </p:sp>
+      <p:sp>
+        <p:nvSpPr>
+          <p:cNvPr id="9" name="文本框 8">
+            <a:extLst>
+              <a:ext uri="{FF2B5EF4-FFF2-40B4-BE49-F238E27FC236}">
+                <a16:creationId xmlns:a16="http://schemas.microsoft.com/office/drawing/2014/main" id="{4954CCAB-5B68-679B-AD1C-8031D039F45B}"/>
+              </a:ext>
+            </a:extLst>
+          </p:cNvPr>
+          <p:cNvSpPr txBox="1"/>
+          <p:nvPr/>
+        </p:nvSpPr>
+        <p:spPr>
+          <a:xfrm>
+            <a:off x="1011337" y="1383237"/>
+            <a:ext cx="10732958" cy="2543132"/>
+          </a:xfrm>
+          <a:prstGeom prst="rect">
+            <a:avLst/>
+          </a:prstGeom>
+          <a:noFill/>
+        </p:spPr>
+        <p:txBody>
+          <a:bodyPr wrap="square">
+            <a:spAutoFit/>
+          </a:bodyPr>
+          <a:lstStyle/>
+          <a:p>
+            <a:pPr marL="285750" indent="-285750">
+              <a:lnSpc>
+                <a:spcPct val="150000"/>
+              </a:lnSpc>
+              <a:buFont typeface="Arial" panose="020B0604020202020204" pitchFamily="34" charset="0"/>
+              <a:buChar char="•"/>
+            </a:pPr>
+            <a:r>
+              <a:rPr lang="zh-CN" altLang="en-US" dirty="0">
+                <a:solidFill>
+                  <a:schemeClr val="accent6"/>
+                </a:solidFill>
+                <a:latin typeface="Times New Roman" panose="02020603050405020304" pitchFamily="18" charset="0"/>
+                <a:ea typeface="微软雅黑" panose="020B0503020204020204" pitchFamily="34" charset="-122"/>
+                <a:cs typeface="Times New Roman" panose="02020603050405020304" pitchFamily="18" charset="0"/>
+              </a:rPr>
+              <a:t>表达式语句</a:t>
+            </a:r>
+            <a:r>
+              <a:rPr lang="en-US" altLang="zh-CN" dirty="0">
+                <a:solidFill>
+                  <a:schemeClr val="accent6"/>
+                </a:solidFill>
+                <a:latin typeface="Times New Roman" panose="02020603050405020304" pitchFamily="18" charset="0"/>
+                <a:ea typeface="微软雅黑" panose="020B0503020204020204" pitchFamily="34" charset="-122"/>
+                <a:cs typeface="Times New Roman" panose="02020603050405020304" pitchFamily="18" charset="0"/>
+              </a:rPr>
+              <a:t>(a=</a:t>
+            </a:r>
+            <a:r>
+              <a:rPr lang="en-US" altLang="zh-CN" dirty="0" err="1">
+                <a:solidFill>
+                  <a:schemeClr val="accent6"/>
+                </a:solidFill>
+                <a:latin typeface="Times New Roman" panose="02020603050405020304" pitchFamily="18" charset="0"/>
+                <a:ea typeface="微软雅黑" panose="020B0503020204020204" pitchFamily="34" charset="-122"/>
+                <a:cs typeface="Times New Roman" panose="02020603050405020304" pitchFamily="18" charset="0"/>
+              </a:rPr>
+              <a:t>b+c</a:t>
+            </a:r>
+            <a:r>
+              <a:rPr lang="en-US" altLang="zh-CN" dirty="0">
+                <a:solidFill>
+                  <a:schemeClr val="accent6"/>
+                </a:solidFill>
+                <a:latin typeface="Times New Roman" panose="02020603050405020304" pitchFamily="18" charset="0"/>
+                <a:ea typeface="微软雅黑" panose="020B0503020204020204" pitchFamily="34" charset="-122"/>
+                <a:cs typeface="Times New Roman" panose="02020603050405020304" pitchFamily="18" charset="0"/>
+              </a:rPr>
+              <a:t>)</a:t>
+            </a:r>
+            <a:endParaRPr lang="en-US" altLang="zh-CN" b="0" i="0" dirty="0">
+              <a:solidFill>
+                <a:schemeClr val="accent6"/>
+              </a:solidFill>
+              <a:effectLst/>
+              <a:latin typeface="Times New Roman" panose="02020603050405020304" pitchFamily="18" charset="0"/>
+              <a:ea typeface="微软雅黑" panose="020B0503020204020204" pitchFamily="34" charset="-122"/>
+              <a:cs typeface="Times New Roman" panose="02020603050405020304" pitchFamily="18" charset="0"/>
+            </a:endParaRPr>
+          </a:p>
+          <a:p>
+            <a:pPr marL="285750" indent="-285750">
+              <a:lnSpc>
+                <a:spcPct val="150000"/>
+              </a:lnSpc>
+              <a:buFont typeface="Arial" panose="020B0604020202020204" pitchFamily="34" charset="0"/>
+              <a:buChar char="•"/>
+            </a:pPr>
+            <a:r>
+              <a:rPr lang="zh-CN" altLang="en-US" dirty="0">
+                <a:solidFill>
+                  <a:schemeClr val="accent6"/>
+                </a:solidFill>
+                <a:latin typeface="Times New Roman" panose="02020603050405020304" pitchFamily="18" charset="0"/>
+                <a:ea typeface="微软雅黑" panose="020B0503020204020204" pitchFamily="34" charset="-122"/>
+                <a:cs typeface="Times New Roman" panose="02020603050405020304" pitchFamily="18" charset="0"/>
+              </a:rPr>
+              <a:t>选择语句</a:t>
+            </a:r>
+            <a:r>
+              <a:rPr lang="en-US" altLang="zh-CN" dirty="0">
+                <a:solidFill>
+                  <a:schemeClr val="accent6"/>
+                </a:solidFill>
+                <a:latin typeface="Times New Roman" panose="02020603050405020304" pitchFamily="18" charset="0"/>
+                <a:ea typeface="微软雅黑" panose="020B0503020204020204" pitchFamily="34" charset="-122"/>
+                <a:cs typeface="Times New Roman" panose="02020603050405020304" pitchFamily="18" charset="0"/>
+              </a:rPr>
+              <a:t>(if, if-else, switch-case)</a:t>
+            </a:r>
+          </a:p>
+          <a:p>
+            <a:pPr marL="285750" indent="-285750">
+              <a:lnSpc>
+                <a:spcPct val="150000"/>
+              </a:lnSpc>
+              <a:buFont typeface="Arial" panose="020B0604020202020204" pitchFamily="34" charset="0"/>
+              <a:buChar char="•"/>
+            </a:pPr>
+            <a:r>
+              <a:rPr lang="zh-CN" altLang="en-US" dirty="0">
+                <a:solidFill>
+                  <a:schemeClr val="accent6"/>
+                </a:solidFill>
+                <a:latin typeface="Times New Roman" panose="02020603050405020304" pitchFamily="18" charset="0"/>
+                <a:ea typeface="微软雅黑" panose="020B0503020204020204" pitchFamily="34" charset="-122"/>
+                <a:cs typeface="Times New Roman" panose="02020603050405020304" pitchFamily="18" charset="0"/>
+              </a:rPr>
+              <a:t>循环语句</a:t>
+            </a:r>
+            <a:r>
+              <a:rPr lang="en-US" altLang="zh-CN" dirty="0">
+                <a:solidFill>
+                  <a:schemeClr val="accent6"/>
+                </a:solidFill>
+                <a:latin typeface="Times New Roman" panose="02020603050405020304" pitchFamily="18" charset="0"/>
+                <a:ea typeface="微软雅黑" panose="020B0503020204020204" pitchFamily="34" charset="-122"/>
+                <a:cs typeface="Times New Roman" panose="02020603050405020304" pitchFamily="18" charset="0"/>
+              </a:rPr>
+              <a:t>(for, while, do-while)</a:t>
+            </a:r>
+          </a:p>
+          <a:p>
+            <a:pPr marL="285750" indent="-285750">
+              <a:lnSpc>
+                <a:spcPct val="150000"/>
+              </a:lnSpc>
+              <a:buFont typeface="Arial" panose="020B0604020202020204" pitchFamily="34" charset="0"/>
+              <a:buChar char="•"/>
+            </a:pPr>
+            <a:r>
+              <a:rPr lang="zh-CN" altLang="en-US" b="0" i="0" dirty="0">
+                <a:solidFill>
+                  <a:schemeClr val="accent6"/>
+                </a:solidFill>
+                <a:effectLst/>
+                <a:latin typeface="Times New Roman" panose="02020603050405020304" pitchFamily="18" charset="0"/>
+                <a:ea typeface="微软雅黑" panose="020B0503020204020204" pitchFamily="34" charset="-122"/>
+                <a:cs typeface="Times New Roman" panose="02020603050405020304" pitchFamily="18" charset="0"/>
+              </a:rPr>
+              <a:t>跳转语句</a:t>
+            </a:r>
+            <a:r>
+              <a:rPr lang="en-US" altLang="zh-CN" b="0" i="0" dirty="0">
+                <a:solidFill>
+                  <a:schemeClr val="accent6"/>
+                </a:solidFill>
+                <a:effectLst/>
+                <a:latin typeface="Times New Roman" panose="02020603050405020304" pitchFamily="18" charset="0"/>
+                <a:ea typeface="微软雅黑" panose="020B0503020204020204" pitchFamily="34" charset="-122"/>
+                <a:cs typeface="Times New Roman" panose="02020603050405020304" pitchFamily="18" charset="0"/>
+              </a:rPr>
+              <a:t>(break, continue, return, </a:t>
+            </a:r>
+            <a:r>
+              <a:rPr lang="en-US" altLang="zh-CN" b="0" i="0" dirty="0" err="1">
+                <a:solidFill>
+                  <a:schemeClr val="accent6"/>
+                </a:solidFill>
+                <a:effectLst/>
+                <a:latin typeface="Times New Roman" panose="02020603050405020304" pitchFamily="18" charset="0"/>
+                <a:ea typeface="微软雅黑" panose="020B0503020204020204" pitchFamily="34" charset="-122"/>
+                <a:cs typeface="Times New Roman" panose="02020603050405020304" pitchFamily="18" charset="0"/>
+              </a:rPr>
+              <a:t>goto</a:t>
+            </a:r>
+            <a:r>
+              <a:rPr lang="en-US" altLang="zh-CN" b="0" i="0" dirty="0">
+                <a:solidFill>
+                  <a:schemeClr val="accent6"/>
+                </a:solidFill>
+                <a:effectLst/>
+                <a:latin typeface="Times New Roman" panose="02020603050405020304" pitchFamily="18" charset="0"/>
+                <a:ea typeface="微软雅黑" panose="020B0503020204020204" pitchFamily="34" charset="-122"/>
+                <a:cs typeface="Times New Roman" panose="02020603050405020304" pitchFamily="18" charset="0"/>
+              </a:rPr>
+              <a:t>)</a:t>
+            </a:r>
+          </a:p>
+          <a:p>
+            <a:pPr marL="285750" indent="-285750">
+              <a:lnSpc>
+                <a:spcPct val="150000"/>
+              </a:lnSpc>
+              <a:buFont typeface="Arial" panose="020B0604020202020204" pitchFamily="34" charset="0"/>
+              <a:buChar char="•"/>
+            </a:pPr>
+            <a:r>
+              <a:rPr lang="zh-CN" altLang="en-US" dirty="0">
+                <a:solidFill>
+                  <a:srgbClr val="1F2328"/>
+                </a:solidFill>
+                <a:latin typeface="Times New Roman" panose="02020603050405020304" pitchFamily="18" charset="0"/>
+                <a:ea typeface="微软雅黑" panose="020B0503020204020204" pitchFamily="34" charset="-122"/>
+                <a:cs typeface="Times New Roman" panose="02020603050405020304" pitchFamily="18" charset="0"/>
+              </a:rPr>
+              <a:t>声明语句</a:t>
+            </a:r>
+            <a:r>
+              <a:rPr lang="en-US" altLang="zh-CN" dirty="0">
+                <a:solidFill>
+                  <a:srgbClr val="1F2328"/>
+                </a:solidFill>
+                <a:latin typeface="Times New Roman" panose="02020603050405020304" pitchFamily="18" charset="0"/>
+                <a:ea typeface="微软雅黑" panose="020B0503020204020204" pitchFamily="34" charset="-122"/>
+                <a:cs typeface="Times New Roman" panose="02020603050405020304" pitchFamily="18" charset="0"/>
+              </a:rPr>
+              <a:t>(int a, void function)</a:t>
+            </a:r>
+          </a:p>
+          <a:p>
+            <a:pPr marL="285750" indent="-285750">
+              <a:lnSpc>
+                <a:spcPct val="150000"/>
+              </a:lnSpc>
+              <a:buFont typeface="Arial" panose="020B0604020202020204" pitchFamily="34" charset="0"/>
+              <a:buChar char="•"/>
+            </a:pPr>
+            <a:r>
+              <a:rPr lang="zh-CN" altLang="en-US" b="0" i="0" dirty="0">
+                <a:solidFill>
+                  <a:schemeClr val="accent2"/>
+                </a:solidFill>
+                <a:effectLst/>
+                <a:latin typeface="Times New Roman" panose="02020603050405020304" pitchFamily="18" charset="0"/>
+                <a:ea typeface="微软雅黑" panose="020B0503020204020204" pitchFamily="34" charset="-122"/>
+                <a:cs typeface="Times New Roman" panose="02020603050405020304" pitchFamily="18" charset="0"/>
+              </a:rPr>
+              <a:t>预处理指令</a:t>
+            </a:r>
+            <a:r>
+              <a:rPr lang="en-US" altLang="zh-CN" b="0" i="0" dirty="0">
+                <a:solidFill>
+                  <a:schemeClr val="accent2"/>
+                </a:solidFill>
+                <a:effectLst/>
+                <a:latin typeface="Times New Roman" panose="02020603050405020304" pitchFamily="18" charset="0"/>
+                <a:ea typeface="微软雅黑" panose="020B0503020204020204" pitchFamily="34" charset="-122"/>
+                <a:cs typeface="Times New Roman" panose="02020603050405020304" pitchFamily="18" charset="0"/>
+              </a:rPr>
+              <a:t>(#define, #include)</a:t>
+            </a:r>
+            <a:endParaRPr lang="zh-CN" altLang="en-US" dirty="0">
+              <a:solidFill>
+                <a:schemeClr val="accent2"/>
+              </a:solidFill>
+              <a:latin typeface="Times New Roman" panose="02020603050405020304" pitchFamily="18" charset="0"/>
+              <a:ea typeface="微软雅黑" panose="020B0503020204020204" pitchFamily="34" charset="-122"/>
+              <a:cs typeface="Times New Roman" panose="02020603050405020304" pitchFamily="18" charset="0"/>
+            </a:endParaRPr>
+          </a:p>
+        </p:txBody>
+      </p:sp>
+      <p:sp>
+        <p:nvSpPr>
+          <p:cNvPr id="13" name="椭圆 12">
+            <a:extLst>
+              <a:ext uri="{FF2B5EF4-FFF2-40B4-BE49-F238E27FC236}">
+                <a16:creationId xmlns:a16="http://schemas.microsoft.com/office/drawing/2014/main" id="{E39B5FCC-C7D9-0149-31C1-9F3D8486769B}"/>
+              </a:ext>
+            </a:extLst>
+          </p:cNvPr>
+          <p:cNvSpPr/>
+          <p:nvPr/>
+        </p:nvSpPr>
+        <p:spPr>
+          <a:xfrm>
+            <a:off x="10028052" y="5259609"/>
+            <a:ext cx="1476189" cy="533401"/>
+          </a:xfrm>
+          <a:prstGeom prst="ellipse">
+            <a:avLst/>
+          </a:prstGeom>
+          <a:solidFill>
+            <a:schemeClr val="accent1"/>
+          </a:solidFill>
+          <a:ln>
+            <a:noFill/>
+          </a:ln>
+        </p:spPr>
+        <p:style>
+          <a:lnRef idx="2">
+            <a:schemeClr val="accent1">
+              <a:shade val="15000"/>
+            </a:schemeClr>
+          </a:lnRef>
+          <a:fillRef idx="1">
+            <a:schemeClr val="accent1"/>
+          </a:fillRef>
+          <a:effectRef idx="0">
+            <a:schemeClr val="accent1"/>
+          </a:effectRef>
+          <a:fontRef idx="minor">
+            <a:schemeClr val="lt1"/>
+          </a:fontRef>
+        </p:style>
+        <p:txBody>
+          <a:bodyPr rtlCol="0" anchor="ctr"/>
+          <a:lstStyle/>
+          <a:p>
+            <a:pPr algn="ctr"/>
+            <a:r>
+              <a:rPr lang="en-US" altLang="zh-CN" dirty="0"/>
+              <a:t>LLVM IR</a:t>
+            </a:r>
+            <a:endParaRPr lang="zh-CN" altLang="en-US" dirty="0"/>
+          </a:p>
+        </p:txBody>
+      </p:sp>
+      <p:sp>
+        <p:nvSpPr>
+          <p:cNvPr id="14" name="椭圆 13">
+            <a:extLst>
+              <a:ext uri="{FF2B5EF4-FFF2-40B4-BE49-F238E27FC236}">
+                <a16:creationId xmlns:a16="http://schemas.microsoft.com/office/drawing/2014/main" id="{ECFF1242-C7CF-C888-56A0-6D31859DC592}"/>
+              </a:ext>
+            </a:extLst>
+          </p:cNvPr>
+          <p:cNvSpPr/>
+          <p:nvPr/>
+        </p:nvSpPr>
+        <p:spPr>
+          <a:xfrm>
+            <a:off x="758729" y="5259610"/>
+            <a:ext cx="1758758" cy="533401"/>
+          </a:xfrm>
+          <a:prstGeom prst="ellipse">
+            <a:avLst/>
+          </a:prstGeom>
+          <a:solidFill>
+            <a:schemeClr val="accent1"/>
+          </a:solidFill>
+          <a:ln>
+            <a:noFill/>
+          </a:ln>
+        </p:spPr>
+        <p:style>
+          <a:lnRef idx="2">
+            <a:schemeClr val="accent1">
+              <a:shade val="15000"/>
+            </a:schemeClr>
+          </a:lnRef>
+          <a:fillRef idx="1">
+            <a:schemeClr val="accent1"/>
+          </a:fillRef>
+          <a:effectRef idx="0">
+            <a:schemeClr val="accent1"/>
+          </a:effectRef>
+          <a:fontRef idx="minor">
+            <a:schemeClr val="lt1"/>
+          </a:fontRef>
+        </p:style>
+        <p:txBody>
+          <a:bodyPr rtlCol="0" anchor="ctr"/>
+          <a:lstStyle/>
+          <a:p>
+            <a:pPr algn="ctr"/>
+            <a:r>
+              <a:rPr lang="en-US" altLang="zh-CN" dirty="0"/>
+              <a:t>C</a:t>
+            </a:r>
+            <a:r>
+              <a:rPr lang="zh-CN" altLang="en-US" dirty="0"/>
+              <a:t>语言程序</a:t>
+            </a:r>
+          </a:p>
+        </p:txBody>
+      </p:sp>
+      <p:cxnSp>
+        <p:nvCxnSpPr>
+          <p:cNvPr id="16" name="直接箭头连接符 15">
+            <a:extLst>
+              <a:ext uri="{FF2B5EF4-FFF2-40B4-BE49-F238E27FC236}">
+                <a16:creationId xmlns:a16="http://schemas.microsoft.com/office/drawing/2014/main" id="{180A437F-7EC6-B494-8599-E4DDF3906166}"/>
+              </a:ext>
+            </a:extLst>
+          </p:cNvPr>
+          <p:cNvCxnSpPr>
+            <a:stCxn id="3" idx="3"/>
+            <a:endCxn id="4" idx="1"/>
+          </p:cNvCxnSpPr>
+          <p:nvPr/>
+        </p:nvCxnSpPr>
+        <p:spPr>
+          <a:xfrm flipV="1">
+            <a:off x="4543094" y="5526312"/>
+            <a:ext cx="252847" cy="2148"/>
+          </a:xfrm>
+          <a:prstGeom prst="straightConnector1">
+            <a:avLst/>
+          </a:prstGeom>
+          <a:ln w="12700">
+            <a:tailEnd type="triangle"/>
+          </a:ln>
+        </p:spPr>
+        <p:style>
+          <a:lnRef idx="1">
+            <a:schemeClr val="accent1"/>
+          </a:lnRef>
+          <a:fillRef idx="0">
+            <a:schemeClr val="accent1"/>
+          </a:fillRef>
+          <a:effectRef idx="0">
+            <a:schemeClr val="accent1"/>
+          </a:effectRef>
+          <a:fontRef idx="minor">
+            <a:schemeClr val="tx1"/>
+          </a:fontRef>
+        </p:style>
+      </p:cxnSp>
+      <p:cxnSp>
+        <p:nvCxnSpPr>
+          <p:cNvPr id="17" name="直接箭头连接符 16">
+            <a:extLst>
+              <a:ext uri="{FF2B5EF4-FFF2-40B4-BE49-F238E27FC236}">
+                <a16:creationId xmlns:a16="http://schemas.microsoft.com/office/drawing/2014/main" id="{A5F4FB2E-9DE2-B73E-FDA3-4F836A3BEE69}"/>
+              </a:ext>
+            </a:extLst>
+          </p:cNvPr>
+          <p:cNvCxnSpPr>
+            <a:cxnSpLocks/>
+            <a:stCxn id="4" idx="3"/>
+            <a:endCxn id="6" idx="1"/>
+          </p:cNvCxnSpPr>
+          <p:nvPr/>
+        </p:nvCxnSpPr>
+        <p:spPr>
+          <a:xfrm>
+            <a:off x="6146346" y="5526312"/>
+            <a:ext cx="252847" cy="0"/>
+          </a:xfrm>
+          <a:prstGeom prst="straightConnector1">
+            <a:avLst/>
+          </a:prstGeom>
+          <a:ln w="12700">
+            <a:tailEnd type="triangle"/>
+          </a:ln>
+        </p:spPr>
+        <p:style>
+          <a:lnRef idx="1">
+            <a:schemeClr val="accent1"/>
+          </a:lnRef>
+          <a:fillRef idx="0">
+            <a:schemeClr val="accent1"/>
+          </a:fillRef>
+          <a:effectRef idx="0">
+            <a:schemeClr val="accent1"/>
+          </a:effectRef>
+          <a:fontRef idx="minor">
+            <a:schemeClr val="tx1"/>
+          </a:fontRef>
+        </p:style>
+      </p:cxnSp>
+      <p:cxnSp>
+        <p:nvCxnSpPr>
+          <p:cNvPr id="20" name="直接箭头连接符 19">
+            <a:extLst>
+              <a:ext uri="{FF2B5EF4-FFF2-40B4-BE49-F238E27FC236}">
+                <a16:creationId xmlns:a16="http://schemas.microsoft.com/office/drawing/2014/main" id="{A52F7BAD-E1C3-037F-16E8-FD57F482C323}"/>
+              </a:ext>
+            </a:extLst>
+          </p:cNvPr>
+          <p:cNvCxnSpPr>
+            <a:cxnSpLocks/>
+          </p:cNvCxnSpPr>
+          <p:nvPr/>
+        </p:nvCxnSpPr>
+        <p:spPr>
+          <a:xfrm>
+            <a:off x="7749598" y="5526312"/>
+            <a:ext cx="252847" cy="0"/>
+          </a:xfrm>
+          <a:prstGeom prst="straightConnector1">
+            <a:avLst/>
+          </a:prstGeom>
+          <a:ln w="12700">
+            <a:tailEnd type="triangle"/>
+          </a:ln>
+        </p:spPr>
+        <p:style>
+          <a:lnRef idx="1">
+            <a:schemeClr val="accent1"/>
+          </a:lnRef>
+          <a:fillRef idx="0">
+            <a:schemeClr val="accent1"/>
+          </a:fillRef>
+          <a:effectRef idx="0">
+            <a:schemeClr val="accent1"/>
+          </a:effectRef>
+          <a:fontRef idx="minor">
+            <a:schemeClr val="tx1"/>
+          </a:fontRef>
+        </p:style>
+      </p:cxnSp>
+      <p:cxnSp>
+        <p:nvCxnSpPr>
+          <p:cNvPr id="21" name="直接箭头连接符 20">
+            <a:extLst>
+              <a:ext uri="{FF2B5EF4-FFF2-40B4-BE49-F238E27FC236}">
+                <a16:creationId xmlns:a16="http://schemas.microsoft.com/office/drawing/2014/main" id="{6E90A267-464A-2FD0-972C-57861B871DB4}"/>
+              </a:ext>
+            </a:extLst>
+          </p:cNvPr>
+          <p:cNvCxnSpPr>
+            <a:cxnSpLocks/>
+            <a:stCxn id="7" idx="3"/>
+            <a:endCxn id="13" idx="2"/>
+          </p:cNvCxnSpPr>
+          <p:nvPr/>
+        </p:nvCxnSpPr>
+        <p:spPr>
+          <a:xfrm flipV="1">
+            <a:off x="9352850" y="5526310"/>
+            <a:ext cx="675202" cy="1"/>
+          </a:xfrm>
+          <a:prstGeom prst="straightConnector1">
+            <a:avLst/>
+          </a:prstGeom>
+          <a:ln w="12700">
+            <a:tailEnd type="triangle"/>
+          </a:ln>
+        </p:spPr>
+        <p:style>
+          <a:lnRef idx="1">
+            <a:schemeClr val="accent1"/>
+          </a:lnRef>
+          <a:fillRef idx="0">
+            <a:schemeClr val="accent1"/>
+          </a:fillRef>
+          <a:effectRef idx="0">
+            <a:schemeClr val="accent1"/>
+          </a:effectRef>
+          <a:fontRef idx="minor">
+            <a:schemeClr val="tx1"/>
+          </a:fontRef>
+        </p:style>
+      </p:cxnSp>
+      <p:cxnSp>
+        <p:nvCxnSpPr>
+          <p:cNvPr id="24" name="直接箭头连接符 23">
+            <a:extLst>
+              <a:ext uri="{FF2B5EF4-FFF2-40B4-BE49-F238E27FC236}">
+                <a16:creationId xmlns:a16="http://schemas.microsoft.com/office/drawing/2014/main" id="{E7EF60A8-10C8-068A-0728-8EF2172B5635}"/>
+              </a:ext>
+            </a:extLst>
+          </p:cNvPr>
+          <p:cNvCxnSpPr>
+            <a:cxnSpLocks/>
+            <a:stCxn id="14" idx="6"/>
+            <a:endCxn id="3" idx="1"/>
+          </p:cNvCxnSpPr>
+          <p:nvPr/>
+        </p:nvCxnSpPr>
+        <p:spPr>
+          <a:xfrm>
+            <a:off x="2517487" y="5526311"/>
+            <a:ext cx="675202" cy="2149"/>
+          </a:xfrm>
+          <a:prstGeom prst="straightConnector1">
+            <a:avLst/>
+          </a:prstGeom>
+          <a:ln w="12700">
+            <a:tailEnd type="triangle"/>
+          </a:ln>
+        </p:spPr>
+        <p:style>
+          <a:lnRef idx="1">
+            <a:schemeClr val="accent1"/>
+          </a:lnRef>
+          <a:fillRef idx="0">
+            <a:schemeClr val="accent1"/>
+          </a:fillRef>
+          <a:effectRef idx="0">
+            <a:schemeClr val="accent1"/>
+          </a:effectRef>
+          <a:fontRef idx="minor">
+            <a:schemeClr val="tx1"/>
+          </a:fontRef>
+        </p:style>
+      </p:cxnSp>
+      <p:sp>
+        <p:nvSpPr>
+          <p:cNvPr id="27" name="文本框 26">
+            <a:extLst>
+              <a:ext uri="{FF2B5EF4-FFF2-40B4-BE49-F238E27FC236}">
+                <a16:creationId xmlns:a16="http://schemas.microsoft.com/office/drawing/2014/main" id="{29CD040C-9DD7-9EC6-7C09-1818425F25A5}"/>
+              </a:ext>
+            </a:extLst>
+          </p:cNvPr>
+          <p:cNvSpPr txBox="1"/>
+          <p:nvPr/>
+        </p:nvSpPr>
+        <p:spPr>
+          <a:xfrm>
+            <a:off x="744125" y="4251614"/>
+            <a:ext cx="10732958" cy="465448"/>
+          </a:xfrm>
+          <a:prstGeom prst="rect">
+            <a:avLst/>
+          </a:prstGeom>
+          <a:noFill/>
+        </p:spPr>
+        <p:txBody>
+          <a:bodyPr wrap="square">
+            <a:spAutoFit/>
+          </a:bodyPr>
+          <a:lstStyle/>
+          <a:p>
+            <a:pPr marL="285750" indent="-285750">
+              <a:lnSpc>
+                <a:spcPct val="150000"/>
+              </a:lnSpc>
+              <a:buFontTx/>
+              <a:buChar char="−"/>
+            </a:pPr>
+            <a:r>
+              <a:rPr lang="en-US" altLang="zh-CN" dirty="0">
+                <a:solidFill>
+                  <a:srgbClr val="1F2328"/>
+                </a:solidFill>
+                <a:latin typeface="微软雅黑" panose="020B0503020204020204" pitchFamily="34" charset="-122"/>
+                <a:ea typeface="微软雅黑" panose="020B0503020204020204" pitchFamily="34" charset="-122"/>
+              </a:rPr>
+              <a:t>LLVM</a:t>
+            </a:r>
+            <a:r>
+              <a:rPr lang="zh-CN" altLang="en-US" dirty="0">
+                <a:solidFill>
+                  <a:srgbClr val="1F2328"/>
+                </a:solidFill>
+                <a:latin typeface="微软雅黑" panose="020B0503020204020204" pitchFamily="34" charset="-122"/>
+                <a:ea typeface="微软雅黑" panose="020B0503020204020204" pitchFamily="34" charset="-122"/>
+              </a:rPr>
+              <a:t>前端</a:t>
+            </a:r>
+            <a:endParaRPr lang="zh-CN" altLang="en-US" dirty="0">
+              <a:latin typeface="微软雅黑" panose="020B0503020204020204" pitchFamily="34" charset="-122"/>
+              <a:ea typeface="微软雅黑" panose="020B0503020204020204" pitchFamily="34" charset="-122"/>
+            </a:endParaRPr>
+          </a:p>
+        </p:txBody>
+      </p:sp>
+      <p:sp>
+        <p:nvSpPr>
+          <p:cNvPr id="28" name="右大括号 27">
+            <a:extLst>
+              <a:ext uri="{FF2B5EF4-FFF2-40B4-BE49-F238E27FC236}">
+                <a16:creationId xmlns:a16="http://schemas.microsoft.com/office/drawing/2014/main" id="{4187D7D0-4417-FAE9-E447-E883F3FD6B14}"/>
+              </a:ext>
+            </a:extLst>
+          </p:cNvPr>
+          <p:cNvSpPr/>
+          <p:nvPr/>
+        </p:nvSpPr>
+        <p:spPr>
+          <a:xfrm rot="16200000">
+            <a:off x="6064943" y="1833778"/>
+            <a:ext cx="463299" cy="6112514"/>
+          </a:xfrm>
+          <a:prstGeom prst="rightBrace">
+            <a:avLst/>
+          </a:prstGeom>
+          <a:ln w="19050"/>
+        </p:spPr>
+        <p:style>
+          <a:lnRef idx="1">
+            <a:schemeClr val="accent1"/>
+          </a:lnRef>
+          <a:fillRef idx="0">
+            <a:schemeClr val="accent1"/>
+          </a:fillRef>
+          <a:effectRef idx="0">
+            <a:schemeClr val="accent1"/>
+          </a:effectRef>
+          <a:fontRef idx="minor">
+            <a:schemeClr val="tx1"/>
+          </a:fontRef>
+        </p:style>
+        <p:txBody>
+          <a:bodyPr rtlCol="0" anchor="ctr"/>
+          <a:lstStyle/>
+          <a:p>
+            <a:pPr algn="ctr"/>
+            <a:endParaRPr lang="zh-CN" altLang="en-US"/>
+          </a:p>
+        </p:txBody>
+      </p:sp>
+      <p:sp>
+        <p:nvSpPr>
+          <p:cNvPr id="30" name="文本框 29">
+            <a:extLst>
+              <a:ext uri="{FF2B5EF4-FFF2-40B4-BE49-F238E27FC236}">
+                <a16:creationId xmlns:a16="http://schemas.microsoft.com/office/drawing/2014/main" id="{78B5561A-36F7-E9C6-7843-E911C1B41A75}"/>
+              </a:ext>
+            </a:extLst>
+          </p:cNvPr>
+          <p:cNvSpPr txBox="1"/>
+          <p:nvPr/>
+        </p:nvSpPr>
+        <p:spPr>
+          <a:xfrm>
+            <a:off x="3256850" y="4251614"/>
+            <a:ext cx="6096000" cy="369332"/>
+          </a:xfrm>
+          <a:prstGeom prst="rect">
+            <a:avLst/>
+          </a:prstGeom>
+          <a:noFill/>
+        </p:spPr>
+        <p:txBody>
+          <a:bodyPr wrap="square">
+            <a:spAutoFit/>
+          </a:bodyPr>
+          <a:lstStyle/>
+          <a:p>
+            <a:pPr algn="ctr"/>
+            <a:r>
+              <a:rPr lang="en-US" altLang="zh-CN" dirty="0">
+                <a:latin typeface="Times New Roman" panose="02020603050405020304" pitchFamily="18" charset="0"/>
+                <a:ea typeface="宋体" panose="02010600030101010101" pitchFamily="2" charset="-122"/>
+                <a:cs typeface="Times New Roman" panose="02020603050405020304" pitchFamily="18" charset="0"/>
+              </a:rPr>
+              <a:t>clang</a:t>
+            </a:r>
+            <a:endParaRPr lang="zh-CN" altLang="en-US" dirty="0">
+              <a:latin typeface="Times New Roman" panose="02020603050405020304" pitchFamily="18" charset="0"/>
+              <a:ea typeface="宋体" panose="02010600030101010101" pitchFamily="2" charset="-122"/>
+              <a:cs typeface="Times New Roman" panose="02020603050405020304" pitchFamily="18" charset="0"/>
+            </a:endParaRPr>
+          </a:p>
+        </p:txBody>
+      </p:sp>
+    </p:spTree>
+    <p:extLst>
+      <p:ext uri="{BB962C8B-B14F-4D97-AF65-F5344CB8AC3E}">
+        <p14:creationId xmlns:p14="http://schemas.microsoft.com/office/powerpoint/2010/main" val="2474167899"/>
+      </p:ext>
+    </p:extLst>
+  </p:cSld>
+  <p:clrMapOvr>
+    <a:masterClrMapping/>
+  </p:clrMapOvr>
+  <p:timing>
+    <p:tnLst>
+      <p:par>
+        <p:cTn id="1" dur="indefinite" restart="never" nodeType="tmRoot">
+          <p:childTnLst>
+            <p:seq concurrent="1" nextAc="seek">
+              <p:cTn id="2" dur="indefinite" nodeType="mainSeq">
+                <p:childTnLst>
+                  <p:par>
+                    <p:cTn id="3" fill="hold">
+                      <p:stCondLst>
+                        <p:cond delay="indefinite"/>
+                      </p:stCondLst>
+                      <p:childTnLst>
+                        <p:par>
+                          <p:cTn id="4" fill="hold">
+                            <p:stCondLst>
+                              <p:cond delay="0"/>
+                            </p:stCondLst>
+                            <p:childTnLst>
+                              <p:par>
+                                <p:cTn id="5" presetID="10" presetClass="entr" presetSubtype="0" fill="hold" grpId="0" nodeType="clickEffect">
+                                  <p:stCondLst>
+                                    <p:cond delay="0"/>
+                                  </p:stCondLst>
+                                  <p:childTnLst>
+                                    <p:set>
+                                      <p:cBhvr>
+                                        <p:cTn id="6" dur="1" fill="hold">
+                                          <p:stCondLst>
+                                            <p:cond delay="0"/>
+                                          </p:stCondLst>
+                                        </p:cTn>
+                                        <p:tgtEl>
+                                          <p:spTgt spid="3"/>
+                                        </p:tgtEl>
+                                        <p:attrNameLst>
+                                          <p:attrName>style.visibility</p:attrName>
+                                        </p:attrNameLst>
+                                      </p:cBhvr>
+                                      <p:to>
+                                        <p:strVal val="visible"/>
+                                      </p:to>
+                                    </p:set>
+                                    <p:animEffect transition="in" filter="fade">
+                                      <p:cBhvr>
+                                        <p:cTn id="7" dur="500"/>
+                                        <p:tgtEl>
+                                          <p:spTgt spid="3"/>
+                                        </p:tgtEl>
+                                      </p:cBhvr>
+                                    </p:animEffect>
+                                  </p:childTnLst>
+                                </p:cTn>
+                              </p:par>
+                              <p:par>
+                                <p:cTn id="8" presetID="10" presetClass="entr" presetSubtype="0" fill="hold" grpId="0" nodeType="withEffect">
+                                  <p:stCondLst>
+                                    <p:cond delay="0"/>
+                                  </p:stCondLst>
+                                  <p:childTnLst>
+                                    <p:set>
+                                      <p:cBhvr>
+                                        <p:cTn id="9" dur="1" fill="hold">
+                                          <p:stCondLst>
+                                            <p:cond delay="0"/>
+                                          </p:stCondLst>
+                                        </p:cTn>
+                                        <p:tgtEl>
+                                          <p:spTgt spid="4"/>
+                                        </p:tgtEl>
+                                        <p:attrNameLst>
+                                          <p:attrName>style.visibility</p:attrName>
+                                        </p:attrNameLst>
+                                      </p:cBhvr>
+                                      <p:to>
+                                        <p:strVal val="visible"/>
+                                      </p:to>
+                                    </p:set>
+                                    <p:animEffect transition="in" filter="fade">
+                                      <p:cBhvr>
+                                        <p:cTn id="10" dur="500"/>
+                                        <p:tgtEl>
+                                          <p:spTgt spid="4"/>
+                                        </p:tgtEl>
+                                      </p:cBhvr>
+                                    </p:animEffect>
+                                  </p:childTnLst>
+                                </p:cTn>
+                              </p:par>
+                              <p:par>
+                                <p:cTn id="11" presetID="10" presetClass="entr" presetSubtype="0" fill="hold" grpId="0" nodeType="withEffect">
+                                  <p:stCondLst>
+                                    <p:cond delay="0"/>
+                                  </p:stCondLst>
+                                  <p:childTnLst>
+                                    <p:set>
+                                      <p:cBhvr>
+                                        <p:cTn id="12" dur="1" fill="hold">
+                                          <p:stCondLst>
+                                            <p:cond delay="0"/>
+                                          </p:stCondLst>
+                                        </p:cTn>
+                                        <p:tgtEl>
+                                          <p:spTgt spid="6"/>
+                                        </p:tgtEl>
+                                        <p:attrNameLst>
+                                          <p:attrName>style.visibility</p:attrName>
+                                        </p:attrNameLst>
+                                      </p:cBhvr>
+                                      <p:to>
+                                        <p:strVal val="visible"/>
+                                      </p:to>
+                                    </p:set>
+                                    <p:animEffect transition="in" filter="fade">
+                                      <p:cBhvr>
+                                        <p:cTn id="13" dur="500"/>
+                                        <p:tgtEl>
+                                          <p:spTgt spid="6"/>
+                                        </p:tgtEl>
+                                      </p:cBhvr>
+                                    </p:animEffect>
+                                  </p:childTnLst>
+                                </p:cTn>
+                              </p:par>
+                              <p:par>
+                                <p:cTn id="14" presetID="10" presetClass="entr" presetSubtype="0" fill="hold" grpId="0" nodeType="withEffect">
+                                  <p:stCondLst>
+                                    <p:cond delay="0"/>
+                                  </p:stCondLst>
+                                  <p:childTnLst>
+                                    <p:set>
+                                      <p:cBhvr>
+                                        <p:cTn id="15" dur="1" fill="hold">
+                                          <p:stCondLst>
+                                            <p:cond delay="0"/>
+                                          </p:stCondLst>
+                                        </p:cTn>
+                                        <p:tgtEl>
+                                          <p:spTgt spid="7"/>
+                                        </p:tgtEl>
+                                        <p:attrNameLst>
+                                          <p:attrName>style.visibility</p:attrName>
+                                        </p:attrNameLst>
+                                      </p:cBhvr>
+                                      <p:to>
+                                        <p:strVal val="visible"/>
+                                      </p:to>
+                                    </p:set>
+                                    <p:animEffect transition="in" filter="fade">
+                                      <p:cBhvr>
+                                        <p:cTn id="16" dur="500"/>
+                                        <p:tgtEl>
+                                          <p:spTgt spid="7"/>
+                                        </p:tgtEl>
+                                      </p:cBhvr>
+                                    </p:animEffect>
+                                  </p:childTnLst>
+                                </p:cTn>
+                              </p:par>
+                              <p:par>
+                                <p:cTn id="17" presetID="10" presetClass="entr" presetSubtype="0" fill="hold" grpId="0" nodeType="withEffect">
+                                  <p:stCondLst>
+                                    <p:cond delay="0"/>
+                                  </p:stCondLst>
+                                  <p:childTnLst>
+                                    <p:set>
+                                      <p:cBhvr>
+                                        <p:cTn id="18" dur="1" fill="hold">
+                                          <p:stCondLst>
+                                            <p:cond delay="0"/>
+                                          </p:stCondLst>
+                                        </p:cTn>
+                                        <p:tgtEl>
+                                          <p:spTgt spid="13"/>
+                                        </p:tgtEl>
+                                        <p:attrNameLst>
+                                          <p:attrName>style.visibility</p:attrName>
+                                        </p:attrNameLst>
+                                      </p:cBhvr>
+                                      <p:to>
+                                        <p:strVal val="visible"/>
+                                      </p:to>
+                                    </p:set>
+                                    <p:animEffect transition="in" filter="fade">
+                                      <p:cBhvr>
+                                        <p:cTn id="19" dur="500"/>
+                                        <p:tgtEl>
+                                          <p:spTgt spid="13"/>
+                                        </p:tgtEl>
+                                      </p:cBhvr>
+                                    </p:animEffect>
+                                  </p:childTnLst>
+                                </p:cTn>
+                              </p:par>
+                              <p:par>
+                                <p:cTn id="20" presetID="10" presetClass="entr" presetSubtype="0" fill="hold" grpId="0" nodeType="withEffect">
+                                  <p:stCondLst>
+                                    <p:cond delay="0"/>
+                                  </p:stCondLst>
+                                  <p:childTnLst>
+                                    <p:set>
+                                      <p:cBhvr>
+                                        <p:cTn id="21" dur="1" fill="hold">
+                                          <p:stCondLst>
+                                            <p:cond delay="0"/>
+                                          </p:stCondLst>
+                                        </p:cTn>
+                                        <p:tgtEl>
+                                          <p:spTgt spid="14"/>
+                                        </p:tgtEl>
+                                        <p:attrNameLst>
+                                          <p:attrName>style.visibility</p:attrName>
+                                        </p:attrNameLst>
+                                      </p:cBhvr>
+                                      <p:to>
+                                        <p:strVal val="visible"/>
+                                      </p:to>
+                                    </p:set>
+                                    <p:animEffect transition="in" filter="fade">
+                                      <p:cBhvr>
+                                        <p:cTn id="22" dur="500"/>
+                                        <p:tgtEl>
+                                          <p:spTgt spid="14"/>
+                                        </p:tgtEl>
+                                      </p:cBhvr>
+                                    </p:animEffect>
+                                  </p:childTnLst>
+                                </p:cTn>
+                              </p:par>
+                              <p:par>
+                                <p:cTn id="23" presetID="10" presetClass="entr" presetSubtype="0" fill="hold" nodeType="withEffect">
+                                  <p:stCondLst>
+                                    <p:cond delay="0"/>
+                                  </p:stCondLst>
+                                  <p:childTnLst>
+                                    <p:set>
+                                      <p:cBhvr>
+                                        <p:cTn id="24" dur="1" fill="hold">
+                                          <p:stCondLst>
+                                            <p:cond delay="0"/>
+                                          </p:stCondLst>
+                                        </p:cTn>
+                                        <p:tgtEl>
+                                          <p:spTgt spid="16"/>
+                                        </p:tgtEl>
+                                        <p:attrNameLst>
+                                          <p:attrName>style.visibility</p:attrName>
+                                        </p:attrNameLst>
+                                      </p:cBhvr>
+                                      <p:to>
+                                        <p:strVal val="visible"/>
+                                      </p:to>
+                                    </p:set>
+                                    <p:animEffect transition="in" filter="fade">
+                                      <p:cBhvr>
+                                        <p:cTn id="25" dur="500"/>
+                                        <p:tgtEl>
+                                          <p:spTgt spid="16"/>
+                                        </p:tgtEl>
+                                      </p:cBhvr>
+                                    </p:animEffect>
+                                  </p:childTnLst>
+                                </p:cTn>
+                              </p:par>
+                              <p:par>
+                                <p:cTn id="26" presetID="10" presetClass="entr" presetSubtype="0" fill="hold" nodeType="withEffect">
+                                  <p:stCondLst>
+                                    <p:cond delay="0"/>
+                                  </p:stCondLst>
+                                  <p:childTnLst>
+                                    <p:set>
+                                      <p:cBhvr>
+                                        <p:cTn id="27" dur="1" fill="hold">
+                                          <p:stCondLst>
+                                            <p:cond delay="0"/>
+                                          </p:stCondLst>
+                                        </p:cTn>
+                                        <p:tgtEl>
+                                          <p:spTgt spid="17"/>
+                                        </p:tgtEl>
+                                        <p:attrNameLst>
+                                          <p:attrName>style.visibility</p:attrName>
+                                        </p:attrNameLst>
+                                      </p:cBhvr>
+                                      <p:to>
+                                        <p:strVal val="visible"/>
+                                      </p:to>
+                                    </p:set>
+                                    <p:animEffect transition="in" filter="fade">
+                                      <p:cBhvr>
+                                        <p:cTn id="28" dur="500"/>
+                                        <p:tgtEl>
+                                          <p:spTgt spid="17"/>
+                                        </p:tgtEl>
+                                      </p:cBhvr>
+                                    </p:animEffect>
+                                  </p:childTnLst>
+                                </p:cTn>
+                              </p:par>
+                              <p:par>
+                                <p:cTn id="29" presetID="10" presetClass="entr" presetSubtype="0" fill="hold" nodeType="withEffect">
+                                  <p:stCondLst>
+                                    <p:cond delay="0"/>
+                                  </p:stCondLst>
+                                  <p:childTnLst>
+                                    <p:set>
+                                      <p:cBhvr>
+                                        <p:cTn id="30" dur="1" fill="hold">
+                                          <p:stCondLst>
+                                            <p:cond delay="0"/>
+                                          </p:stCondLst>
+                                        </p:cTn>
+                                        <p:tgtEl>
+                                          <p:spTgt spid="20"/>
+                                        </p:tgtEl>
+                                        <p:attrNameLst>
+                                          <p:attrName>style.visibility</p:attrName>
+                                        </p:attrNameLst>
+                                      </p:cBhvr>
+                                      <p:to>
+                                        <p:strVal val="visible"/>
+                                      </p:to>
+                                    </p:set>
+                                    <p:animEffect transition="in" filter="fade">
+                                      <p:cBhvr>
+                                        <p:cTn id="31" dur="500"/>
+                                        <p:tgtEl>
+                                          <p:spTgt spid="20"/>
+                                        </p:tgtEl>
+                                      </p:cBhvr>
+                                    </p:animEffect>
+                                  </p:childTnLst>
+                                </p:cTn>
+                              </p:par>
+                              <p:par>
+                                <p:cTn id="32" presetID="10" presetClass="entr" presetSubtype="0" fill="hold" nodeType="withEffect">
+                                  <p:stCondLst>
+                                    <p:cond delay="0"/>
+                                  </p:stCondLst>
+                                  <p:childTnLst>
+                                    <p:set>
+                                      <p:cBhvr>
+                                        <p:cTn id="33" dur="1" fill="hold">
+                                          <p:stCondLst>
+                                            <p:cond delay="0"/>
+                                          </p:stCondLst>
+                                        </p:cTn>
+                                        <p:tgtEl>
+                                          <p:spTgt spid="21"/>
+                                        </p:tgtEl>
+                                        <p:attrNameLst>
+                                          <p:attrName>style.visibility</p:attrName>
+                                        </p:attrNameLst>
+                                      </p:cBhvr>
+                                      <p:to>
+                                        <p:strVal val="visible"/>
+                                      </p:to>
+                                    </p:set>
+                                    <p:animEffect transition="in" filter="fade">
+                                      <p:cBhvr>
+                                        <p:cTn id="34" dur="500"/>
+                                        <p:tgtEl>
+                                          <p:spTgt spid="21"/>
+                                        </p:tgtEl>
+                                      </p:cBhvr>
+                                    </p:animEffect>
+                                  </p:childTnLst>
+                                </p:cTn>
+                              </p:par>
+                              <p:par>
+                                <p:cTn id="35" presetID="10" presetClass="entr" presetSubtype="0" fill="hold" nodeType="withEffect">
+                                  <p:stCondLst>
+                                    <p:cond delay="0"/>
+                                  </p:stCondLst>
+                                  <p:childTnLst>
+                                    <p:set>
+                                      <p:cBhvr>
+                                        <p:cTn id="36" dur="1" fill="hold">
+                                          <p:stCondLst>
+                                            <p:cond delay="0"/>
+                                          </p:stCondLst>
+                                        </p:cTn>
+                                        <p:tgtEl>
+                                          <p:spTgt spid="24"/>
+                                        </p:tgtEl>
+                                        <p:attrNameLst>
+                                          <p:attrName>style.visibility</p:attrName>
+                                        </p:attrNameLst>
+                                      </p:cBhvr>
+                                      <p:to>
+                                        <p:strVal val="visible"/>
+                                      </p:to>
+                                    </p:set>
+                                    <p:animEffect transition="in" filter="fade">
+                                      <p:cBhvr>
+                                        <p:cTn id="37" dur="500"/>
+                                        <p:tgtEl>
+                                          <p:spTgt spid="24"/>
+                                        </p:tgtEl>
+                                      </p:cBhvr>
+                                    </p:animEffect>
+                                  </p:childTnLst>
+                                </p:cTn>
+                              </p:par>
+                              <p:par>
+                                <p:cTn id="38" presetID="10" presetClass="entr" presetSubtype="0" fill="hold" grpId="0" nodeType="withEffect">
+                                  <p:stCondLst>
+                                    <p:cond delay="0"/>
+                                  </p:stCondLst>
+                                  <p:childTnLst>
+                                    <p:set>
+                                      <p:cBhvr>
+                                        <p:cTn id="39" dur="1" fill="hold">
+                                          <p:stCondLst>
+                                            <p:cond delay="0"/>
+                                          </p:stCondLst>
+                                        </p:cTn>
+                                        <p:tgtEl>
+                                          <p:spTgt spid="27"/>
+                                        </p:tgtEl>
+                                        <p:attrNameLst>
+                                          <p:attrName>style.visibility</p:attrName>
+                                        </p:attrNameLst>
+                                      </p:cBhvr>
+                                      <p:to>
+                                        <p:strVal val="visible"/>
+                                      </p:to>
+                                    </p:set>
+                                    <p:animEffect transition="in" filter="fade">
+                                      <p:cBhvr>
+                                        <p:cTn id="40" dur="500"/>
+                                        <p:tgtEl>
+                                          <p:spTgt spid="27"/>
+                                        </p:tgtEl>
+                                      </p:cBhvr>
+                                    </p:animEffect>
+                                  </p:childTnLst>
+                                </p:cTn>
+                              </p:par>
+                              <p:par>
+                                <p:cTn id="41" presetID="10" presetClass="entr" presetSubtype="0" fill="hold" grpId="0" nodeType="withEffect">
+                                  <p:stCondLst>
+                                    <p:cond delay="0"/>
+                                  </p:stCondLst>
+                                  <p:childTnLst>
+                                    <p:set>
+                                      <p:cBhvr>
+                                        <p:cTn id="42" dur="1" fill="hold">
+                                          <p:stCondLst>
+                                            <p:cond delay="0"/>
+                                          </p:stCondLst>
+                                        </p:cTn>
+                                        <p:tgtEl>
+                                          <p:spTgt spid="28"/>
+                                        </p:tgtEl>
+                                        <p:attrNameLst>
+                                          <p:attrName>style.visibility</p:attrName>
+                                        </p:attrNameLst>
+                                      </p:cBhvr>
+                                      <p:to>
+                                        <p:strVal val="visible"/>
+                                      </p:to>
+                                    </p:set>
+                                    <p:animEffect transition="in" filter="fade">
+                                      <p:cBhvr>
+                                        <p:cTn id="43" dur="500"/>
+                                        <p:tgtEl>
+                                          <p:spTgt spid="28"/>
+                                        </p:tgtEl>
+                                      </p:cBhvr>
+                                    </p:animEffect>
+                                  </p:childTnLst>
+                                </p:cTn>
+                              </p:par>
+                              <p:par>
+                                <p:cTn id="44" presetID="10" presetClass="entr" presetSubtype="0" fill="hold" grpId="0" nodeType="withEffect">
+                                  <p:stCondLst>
+                                    <p:cond delay="0"/>
+                                  </p:stCondLst>
+                                  <p:childTnLst>
+                                    <p:set>
+                                      <p:cBhvr>
+                                        <p:cTn id="45" dur="1" fill="hold">
+                                          <p:stCondLst>
+                                            <p:cond delay="0"/>
+                                          </p:stCondLst>
+                                        </p:cTn>
+                                        <p:tgtEl>
+                                          <p:spTgt spid="30"/>
+                                        </p:tgtEl>
+                                        <p:attrNameLst>
+                                          <p:attrName>style.visibility</p:attrName>
+                                        </p:attrNameLst>
+                                      </p:cBhvr>
+                                      <p:to>
+                                        <p:strVal val="visible"/>
+                                      </p:to>
+                                    </p:set>
+                                    <p:animEffect transition="in" filter="fade">
+                                      <p:cBhvr>
+                                        <p:cTn id="46" dur="500"/>
+                                        <p:tgtEl>
+                                          <p:spTgt spid="30"/>
+                                        </p:tgtEl>
+                                      </p:cBhvr>
+                                    </p:animEffect>
+                                  </p:childTnLst>
+                                </p:cTn>
+                              </p:par>
+                            </p:childTnLst>
+                          </p:cTn>
+                        </p:par>
+                      </p:childTnLst>
+                    </p:cTn>
+                  </p:par>
+                </p:childTnLst>
+              </p:cTn>
+              <p:prevCondLst>
+                <p:cond evt="onPrev" delay="0">
+                  <p:tgtEl>
+                    <p:sldTgt/>
+                  </p:tgtEl>
+                </p:cond>
+              </p:prevCondLst>
+              <p:nextCondLst>
+                <p:cond evt="onNext" delay="0">
+                  <p:tgtEl>
+                    <p:sldTgt/>
+                  </p:tgtEl>
+                </p:cond>
+              </p:nextCondLst>
+            </p:seq>
+          </p:childTnLst>
+        </p:cTn>
+      </p:par>
+    </p:tnLst>
+    <p:bldLst>
+      <p:bldP spid="3" grpId="0" animBg="1"/>
+      <p:bldP spid="4" grpId="0" animBg="1"/>
+      <p:bldP spid="6" grpId="0" animBg="1"/>
+      <p:bldP spid="7" grpId="0" animBg="1"/>
+      <p:bldP spid="13" grpId="0" animBg="1"/>
+      <p:bldP spid="14" grpId="0" animBg="1"/>
+      <p:bldP spid="27" grpId="0"/>
+      <p:bldP spid="28" grpId="0" animBg="1"/>
+      <p:bldP spid="30" grpId="0"/>
+    </p:bldLst>
+  </p:timing>
+</p:sld>
+</file>
+
+<file path=ppt/slides/slide11.xml><?xml version="1.0" encoding="utf-8"?>
 <p:sld xmlns:a="http://schemas.openxmlformats.org/drawingml/2006/main" xmlns:r="http://schemas.openxmlformats.org/officeDocument/2006/relationships" xmlns:p="http://schemas.openxmlformats.org/presentationml/2006/main">
   <p:cSld>
     <p:spTree>
@@ -3927,6 +5562,9 @@
           <a:p>
             <a:r>
               <a:rPr lang="zh-CN" altLang="en-US" sz="3200" b="1" dirty="0">
+                <a:solidFill>
+                  <a:srgbClr val="C00000"/>
+                </a:solidFill>
                 <a:latin typeface="黑体" panose="02010609060101010101" pitchFamily="49" charset="-122"/>
                 <a:ea typeface="黑体" panose="02010609060101010101" pitchFamily="49" charset="-122"/>
               </a:rPr>
@@ -3972,11 +5610,11 @@
             </a:pPr>
             <a:r>
               <a:rPr lang="zh-CN" altLang="en-US" sz="2400" b="1" dirty="0">
-                <a:latin typeface="-apple-system"/>
+                <a:latin typeface="微软雅黑" panose="020B0503020204020204" pitchFamily="34" charset="-122"/>
+                <a:ea typeface="微软雅黑" panose="020B0503020204020204" pitchFamily="34" charset="-122"/>
               </a:rPr>
               <a:t>分析内核配置项</a:t>
             </a:r>
-            <a:endParaRPr lang="zh-CN" altLang="en-US" sz="2400" b="1" dirty="0"/>
           </a:p>
         </p:txBody>
       </p:sp>
@@ -4021,7 +5659,8 @@
                   <a:srgbClr val="1F2328"/>
                 </a:solidFill>
                 <a:effectLst/>
-                <a:latin typeface="-apple-system"/>
+                <a:latin typeface="微软雅黑" panose="020B0503020204020204" pitchFamily="34" charset="-122"/>
+                <a:ea typeface="微软雅黑" panose="020B0503020204020204" pitchFamily="34" charset="-122"/>
               </a:rPr>
               <a:t>步骤</a:t>
             </a:r>
@@ -4031,7 +5670,8 @@
                   <a:srgbClr val="1F2328"/>
                 </a:solidFill>
                 <a:effectLst/>
-                <a:latin typeface="-apple-system"/>
+                <a:latin typeface="微软雅黑" panose="020B0503020204020204" pitchFamily="34" charset="-122"/>
+                <a:ea typeface="微软雅黑" panose="020B0503020204020204" pitchFamily="34" charset="-122"/>
               </a:rPr>
               <a:t>1</a:t>
             </a:r>
@@ -4041,7 +5681,8 @@
                   <a:srgbClr val="1F2328"/>
                 </a:solidFill>
                 <a:effectLst/>
-                <a:latin typeface="-apple-system"/>
+                <a:latin typeface="微软雅黑" panose="020B0503020204020204" pitchFamily="34" charset="-122"/>
+                <a:ea typeface="微软雅黑" panose="020B0503020204020204" pitchFamily="34" charset="-122"/>
               </a:rPr>
               <a:t>：找一些定义了新全局变量的配置项，把它们管理的代码编译到内核中，并获取</a:t>
             </a:r>
@@ -4051,7 +5692,8 @@
                   <a:srgbClr val="1F2328"/>
                 </a:solidFill>
                 <a:effectLst/>
-                <a:latin typeface="-apple-system"/>
+                <a:latin typeface="微软雅黑" panose="020B0503020204020204" pitchFamily="34" charset="-122"/>
+                <a:ea typeface="微软雅黑" panose="020B0503020204020204" pitchFamily="34" charset="-122"/>
               </a:rPr>
               <a:t>CFG</a:t>
             </a:r>
@@ -4070,7 +5712,8 @@
                   <a:srgbClr val="1F2328"/>
                 </a:solidFill>
                 <a:effectLst/>
-                <a:latin typeface="-apple-system"/>
+                <a:latin typeface="微软雅黑" panose="020B0503020204020204" pitchFamily="34" charset="-122"/>
+                <a:ea typeface="微软雅黑" panose="020B0503020204020204" pitchFamily="34" charset="-122"/>
               </a:rPr>
               <a:t>步骤</a:t>
             </a:r>
@@ -4080,7 +5723,8 @@
                   <a:srgbClr val="1F2328"/>
                 </a:solidFill>
                 <a:effectLst/>
-                <a:latin typeface="-apple-system"/>
+                <a:latin typeface="微软雅黑" panose="020B0503020204020204" pitchFamily="34" charset="-122"/>
+                <a:ea typeface="微软雅黑" panose="020B0503020204020204" pitchFamily="34" charset="-122"/>
               </a:rPr>
               <a:t>2</a:t>
             </a:r>
@@ -4090,7 +5734,8 @@
                   <a:srgbClr val="1F2328"/>
                 </a:solidFill>
                 <a:effectLst/>
-                <a:latin typeface="-apple-system"/>
+                <a:latin typeface="微软雅黑" panose="020B0503020204020204" pitchFamily="34" charset="-122"/>
+                <a:ea typeface="微软雅黑" panose="020B0503020204020204" pitchFamily="34" charset="-122"/>
               </a:rPr>
               <a:t>：阅读新增配置项的代码，看有哪些变化</a:t>
             </a:r>
@@ -4099,7 +5744,8 @@
                 <a:srgbClr val="1F2328"/>
               </a:solidFill>
               <a:effectLst/>
-              <a:latin typeface="-apple-system"/>
+              <a:latin typeface="微软雅黑" panose="020B0503020204020204" pitchFamily="34" charset="-122"/>
+              <a:ea typeface="微软雅黑" panose="020B0503020204020204" pitchFamily="34" charset="-122"/>
             </a:endParaRPr>
           </a:p>
           <a:p>
@@ -4115,7 +5761,8 @@
                 <a:solidFill>
                   <a:srgbClr val="1F2328"/>
                 </a:solidFill>
-                <a:latin typeface="-apple-system"/>
+                <a:latin typeface="微软雅黑" panose="020B0503020204020204" pitchFamily="34" charset="-122"/>
+                <a:ea typeface="微软雅黑" panose="020B0503020204020204" pitchFamily="34" charset="-122"/>
               </a:rPr>
               <a:t>步骤</a:t>
             </a:r>
@@ -4124,7 +5771,8 @@
                 <a:solidFill>
                   <a:srgbClr val="1F2328"/>
                 </a:solidFill>
-                <a:latin typeface="-apple-system"/>
+                <a:latin typeface="微软雅黑" panose="020B0503020204020204" pitchFamily="34" charset="-122"/>
+                <a:ea typeface="微软雅黑" panose="020B0503020204020204" pitchFamily="34" charset="-122"/>
               </a:rPr>
               <a:t>3</a:t>
             </a:r>
@@ -4133,7 +5781,8 @@
                 <a:solidFill>
                   <a:srgbClr val="1F2328"/>
                 </a:solidFill>
-                <a:latin typeface="-apple-system"/>
+                <a:latin typeface="微软雅黑" panose="020B0503020204020204" pitchFamily="34" charset="-122"/>
+                <a:ea typeface="微软雅黑" panose="020B0503020204020204" pitchFamily="34" charset="-122"/>
               </a:rPr>
               <a:t>：添加前后，在</a:t>
             </a:r>
@@ -4142,7 +5791,8 @@
                 <a:solidFill>
                   <a:srgbClr val="1F2328"/>
                 </a:solidFill>
-                <a:latin typeface="-apple-system"/>
+                <a:latin typeface="微软雅黑" panose="020B0503020204020204" pitchFamily="34" charset="-122"/>
+                <a:ea typeface="微软雅黑" panose="020B0503020204020204" pitchFamily="34" charset="-122"/>
               </a:rPr>
               <a:t>CFG</a:t>
             </a:r>
@@ -4151,7 +5801,8 @@
                 <a:solidFill>
                   <a:srgbClr val="1F2328"/>
                 </a:solidFill>
-                <a:latin typeface="-apple-system"/>
+                <a:latin typeface="微软雅黑" panose="020B0503020204020204" pitchFamily="34" charset="-122"/>
+                <a:ea typeface="微软雅黑" panose="020B0503020204020204" pitchFamily="34" charset="-122"/>
               </a:rPr>
               <a:t>中新增了多少代码块，占比多少</a:t>
             </a:r>
@@ -4159,7 +5810,8 @@
               <a:solidFill>
                 <a:srgbClr val="1F2328"/>
               </a:solidFill>
-              <a:latin typeface="-apple-system"/>
+              <a:latin typeface="微软雅黑" panose="020B0503020204020204" pitchFamily="34" charset="-122"/>
+              <a:ea typeface="微软雅黑" panose="020B0503020204020204" pitchFamily="34" charset="-122"/>
             </a:endParaRPr>
           </a:p>
           <a:p>
@@ -4175,7 +5827,8 @@
                 <a:solidFill>
                   <a:srgbClr val="1F2328"/>
                 </a:solidFill>
-                <a:latin typeface="-apple-system"/>
+                <a:latin typeface="微软雅黑" panose="020B0503020204020204" pitchFamily="34" charset="-122"/>
+                <a:ea typeface="微软雅黑" panose="020B0503020204020204" pitchFamily="34" charset="-122"/>
               </a:rPr>
               <a:t>步骤</a:t>
             </a:r>
@@ -4184,7 +5837,8 @@
                 <a:solidFill>
                   <a:srgbClr val="1F2328"/>
                 </a:solidFill>
-                <a:latin typeface="-apple-system"/>
+                <a:latin typeface="微软雅黑" panose="020B0503020204020204" pitchFamily="34" charset="-122"/>
+                <a:ea typeface="微软雅黑" panose="020B0503020204020204" pitchFamily="34" charset="-122"/>
               </a:rPr>
               <a:t>4</a:t>
             </a:r>
@@ -4193,11 +5847,15 @@
                 <a:solidFill>
                   <a:srgbClr val="1F2328"/>
                 </a:solidFill>
-                <a:latin typeface="-apple-system"/>
+                <a:latin typeface="微软雅黑" panose="020B0503020204020204" pitchFamily="34" charset="-122"/>
+                <a:ea typeface="微软雅黑" panose="020B0503020204020204" pitchFamily="34" charset="-122"/>
               </a:rPr>
               <a:t>：新增配置项的代码中，如果有对新全局变量的读写操作，那这些语句占新增语句的比例多少，代码块占多少</a:t>
             </a:r>
-            <a:endParaRPr lang="zh-CN" altLang="en-US" dirty="0"/>
+            <a:endParaRPr lang="zh-CN" altLang="en-US" dirty="0">
+              <a:latin typeface="微软雅黑" panose="020B0503020204020204" pitchFamily="34" charset="-122"/>
+              <a:ea typeface="微软雅黑" panose="020B0503020204020204" pitchFamily="34" charset="-122"/>
+            </a:endParaRPr>
           </a:p>
         </p:txBody>
       </p:sp>
@@ -4214,7 +5872,7 @@
 </p:sld>
 </file>
 
-<file path=ppt/slides/slide11.xml><?xml version="1.0" encoding="utf-8"?>
+<file path=ppt/slides/slide12.xml><?xml version="1.0" encoding="utf-8"?>
 <p:sld xmlns:a="http://schemas.openxmlformats.org/drawingml/2006/main" xmlns:r="http://schemas.openxmlformats.org/officeDocument/2006/relationships" xmlns:p="http://schemas.openxmlformats.org/presentationml/2006/main">
   <p:cSld>
     <p:spTree>
@@ -4267,6 +5925,9 @@
           <a:p>
             <a:r>
               <a:rPr lang="zh-CN" altLang="en-US" sz="3200" b="1" dirty="0">
+                <a:solidFill>
+                  <a:srgbClr val="C00000"/>
+                </a:solidFill>
                 <a:latin typeface="黑体" panose="02010609060101010101" pitchFamily="49" charset="-122"/>
                 <a:ea typeface="黑体" panose="02010609060101010101" pitchFamily="49" charset="-122"/>
               </a:rPr>
@@ -4607,7 +6268,7 @@
 </p:sld>
 </file>
 
-<file path=ppt/slides/slide12.xml><?xml version="1.0" encoding="utf-8"?>
+<file path=ppt/slides/slide13.xml><?xml version="1.0" encoding="utf-8"?>
 <p:sld xmlns:a="http://schemas.openxmlformats.org/drawingml/2006/main" xmlns:r="http://schemas.openxmlformats.org/officeDocument/2006/relationships" xmlns:p="http://schemas.openxmlformats.org/presentationml/2006/main">
   <p:cSld>
     <p:spTree>
@@ -4660,6 +6321,9 @@
           <a:p>
             <a:r>
               <a:rPr lang="zh-CN" altLang="en-US" sz="3200" b="1" dirty="0">
+                <a:solidFill>
+                  <a:srgbClr val="C00000"/>
+                </a:solidFill>
                 <a:latin typeface="黑体" panose="02010609060101010101" pitchFamily="49" charset="-122"/>
                 <a:ea typeface="黑体" panose="02010609060101010101" pitchFamily="49" charset="-122"/>
               </a:rPr>
@@ -4799,7 +6463,8 @@
                   <a:srgbClr val="1F2328"/>
                 </a:solidFill>
                 <a:effectLst/>
-                <a:latin typeface="-apple-system"/>
+                <a:latin typeface="微软雅黑" panose="020B0503020204020204" pitchFamily="34" charset="-122"/>
+                <a:ea typeface="微软雅黑" panose="020B0503020204020204" pitchFamily="34" charset="-122"/>
               </a:rPr>
               <a:t>步骤</a:t>
             </a:r>
@@ -4809,7 +6474,8 @@
                   <a:srgbClr val="1F2328"/>
                 </a:solidFill>
                 <a:effectLst/>
-                <a:latin typeface="-apple-system"/>
+                <a:latin typeface="微软雅黑" panose="020B0503020204020204" pitchFamily="34" charset="-122"/>
+                <a:ea typeface="微软雅黑" panose="020B0503020204020204" pitchFamily="34" charset="-122"/>
               </a:rPr>
               <a:t>1</a:t>
             </a:r>
@@ -4819,7 +6485,8 @@
                   <a:srgbClr val="1F2328"/>
                 </a:solidFill>
                 <a:effectLst/>
-                <a:latin typeface="-apple-system"/>
+                <a:latin typeface="微软雅黑" panose="020B0503020204020204" pitchFamily="34" charset="-122"/>
+                <a:ea typeface="微软雅黑" panose="020B0503020204020204" pitchFamily="34" charset="-122"/>
               </a:rPr>
               <a:t>：</a:t>
             </a:r>
@@ -4828,7 +6495,8 @@
                 <a:solidFill>
                   <a:srgbClr val="1F2328"/>
                 </a:solidFill>
-                <a:latin typeface="-apple-system"/>
+                <a:latin typeface="微软雅黑" panose="020B0503020204020204" pitchFamily="34" charset="-122"/>
+                <a:ea typeface="微软雅黑" panose="020B0503020204020204" pitchFamily="34" charset="-122"/>
               </a:rPr>
               <a:t>检索配置项名称</a:t>
             </a:r>
@@ -4837,7 +6505,8 @@
                 <a:srgbClr val="1F2328"/>
               </a:solidFill>
               <a:effectLst/>
-              <a:latin typeface="-apple-system"/>
+              <a:latin typeface="微软雅黑" panose="020B0503020204020204" pitchFamily="34" charset="-122"/>
+              <a:ea typeface="微软雅黑" panose="020B0503020204020204" pitchFamily="34" charset="-122"/>
             </a:endParaRPr>
           </a:p>
           <a:p>
@@ -4854,7 +6523,8 @@
                   <a:srgbClr val="1F2328"/>
                 </a:solidFill>
                 <a:effectLst/>
-                <a:latin typeface="-apple-system"/>
+                <a:latin typeface="微软雅黑" panose="020B0503020204020204" pitchFamily="34" charset="-122"/>
+                <a:ea typeface="微软雅黑" panose="020B0503020204020204" pitchFamily="34" charset="-122"/>
               </a:rPr>
               <a:t>步骤</a:t>
             </a:r>
@@ -4864,7 +6534,8 @@
                   <a:srgbClr val="1F2328"/>
                 </a:solidFill>
                 <a:effectLst/>
-                <a:latin typeface="-apple-system"/>
+                <a:latin typeface="微软雅黑" panose="020B0503020204020204" pitchFamily="34" charset="-122"/>
+                <a:ea typeface="微软雅黑" panose="020B0503020204020204" pitchFamily="34" charset="-122"/>
               </a:rPr>
               <a:t>2</a:t>
             </a:r>
@@ -4874,7 +6545,8 @@
                   <a:srgbClr val="1F2328"/>
                 </a:solidFill>
                 <a:effectLst/>
-                <a:latin typeface="-apple-system"/>
+                <a:latin typeface="微软雅黑" panose="020B0503020204020204" pitchFamily="34" charset="-122"/>
+                <a:ea typeface="微软雅黑" panose="020B0503020204020204" pitchFamily="34" charset="-122"/>
               </a:rPr>
               <a:t>：确认配置项的</a:t>
             </a:r>
@@ -4884,7 +6556,8 @@
                   <a:srgbClr val="1F2328"/>
                 </a:solidFill>
                 <a:effectLst/>
-                <a:latin typeface="-apple-system"/>
+                <a:latin typeface="微软雅黑" panose="020B0503020204020204" pitchFamily="34" charset="-122"/>
+                <a:ea typeface="微软雅黑" panose="020B0503020204020204" pitchFamily="34" charset="-122"/>
               </a:rPr>
               <a:t>CONFIG</a:t>
             </a:r>
@@ -4894,7 +6567,8 @@
                   <a:srgbClr val="1F2328"/>
                 </a:solidFill>
                 <a:effectLst/>
-                <a:latin typeface="-apple-system"/>
+                <a:latin typeface="微软雅黑" panose="020B0503020204020204" pitchFamily="34" charset="-122"/>
+                <a:ea typeface="微软雅黑" panose="020B0503020204020204" pitchFamily="34" charset="-122"/>
               </a:rPr>
               <a:t>定义</a:t>
             </a:r>
@@ -4903,7 +6577,8 @@
                 <a:srgbClr val="1F2328"/>
               </a:solidFill>
               <a:effectLst/>
-              <a:latin typeface="-apple-system"/>
+              <a:latin typeface="微软雅黑" panose="020B0503020204020204" pitchFamily="34" charset="-122"/>
+              <a:ea typeface="微软雅黑" panose="020B0503020204020204" pitchFamily="34" charset="-122"/>
             </a:endParaRPr>
           </a:p>
           <a:p>
@@ -4919,7 +6594,8 @@
                 <a:solidFill>
                   <a:srgbClr val="1F2328"/>
                 </a:solidFill>
-                <a:latin typeface="-apple-system"/>
+                <a:latin typeface="微软雅黑" panose="020B0503020204020204" pitchFamily="34" charset="-122"/>
+                <a:ea typeface="微软雅黑" panose="020B0503020204020204" pitchFamily="34" charset="-122"/>
               </a:rPr>
               <a:t>步骤</a:t>
             </a:r>
@@ -4928,7 +6604,8 @@
                 <a:solidFill>
                   <a:srgbClr val="1F2328"/>
                 </a:solidFill>
-                <a:latin typeface="-apple-system"/>
+                <a:latin typeface="微软雅黑" panose="020B0503020204020204" pitchFamily="34" charset="-122"/>
+                <a:ea typeface="微软雅黑" panose="020B0503020204020204" pitchFamily="34" charset="-122"/>
               </a:rPr>
               <a:t>3</a:t>
             </a:r>
@@ -4937,7 +6614,8 @@
                 <a:solidFill>
                   <a:srgbClr val="1F2328"/>
                 </a:solidFill>
-                <a:latin typeface="-apple-system"/>
+                <a:latin typeface="微软雅黑" panose="020B0503020204020204" pitchFamily="34" charset="-122"/>
+                <a:ea typeface="微软雅黑" panose="020B0503020204020204" pitchFamily="34" charset="-122"/>
               </a:rPr>
               <a:t>：找到源代码</a:t>
             </a:r>
@@ -4945,7 +6623,8 @@
               <a:solidFill>
                 <a:srgbClr val="1F2328"/>
               </a:solidFill>
-              <a:latin typeface="-apple-system"/>
+              <a:latin typeface="微软雅黑" panose="020B0503020204020204" pitchFamily="34" charset="-122"/>
+              <a:ea typeface="微软雅黑" panose="020B0503020204020204" pitchFamily="34" charset="-122"/>
             </a:endParaRPr>
           </a:p>
         </p:txBody>
@@ -5556,7 +7235,7 @@
 </p:sld>
 </file>
 
-<file path=ppt/slides/slide13.xml><?xml version="1.0" encoding="utf-8"?>
+<file path=ppt/slides/slide14.xml><?xml version="1.0" encoding="utf-8"?>
 <p:sld xmlns:a="http://schemas.openxmlformats.org/drawingml/2006/main" xmlns:r="http://schemas.openxmlformats.org/officeDocument/2006/relationships" xmlns:p="http://schemas.openxmlformats.org/presentationml/2006/main">
   <p:cSld>
     <p:spTree>
@@ -5638,6 +7317,324 @@
         <p:cNvPr id="1" name="">
           <a:extLst>
             <a:ext uri="{FF2B5EF4-FFF2-40B4-BE49-F238E27FC236}">
+              <a16:creationId xmlns:a16="http://schemas.microsoft.com/office/drawing/2014/main" id="{A5BE92A6-1D07-1AED-EDF3-833BF736CDF9}"/>
+            </a:ext>
+          </a:extLst>
+        </p:cNvPr>
+        <p:cNvGrpSpPr/>
+        <p:nvPr/>
+      </p:nvGrpSpPr>
+      <p:grpSpPr>
+        <a:xfrm>
+          <a:off x="0" y="0"/>
+          <a:ext cx="0" cy="0"/>
+          <a:chOff x="0" y="0"/>
+          <a:chExt cx="0" cy="0"/>
+        </a:xfrm>
+      </p:grpSpPr>
+      <p:sp>
+        <p:nvSpPr>
+          <p:cNvPr id="2" name="文本框 1">
+            <a:extLst>
+              <a:ext uri="{FF2B5EF4-FFF2-40B4-BE49-F238E27FC236}">
+                <a16:creationId xmlns:a16="http://schemas.microsoft.com/office/drawing/2014/main" id="{1AB5E8BA-C9AF-EE0B-EEC2-6FA312A6A7E8}"/>
+              </a:ext>
+            </a:extLst>
+          </p:cNvPr>
+          <p:cNvSpPr txBox="1"/>
+          <p:nvPr/>
+        </p:nvSpPr>
+        <p:spPr>
+          <a:xfrm>
+            <a:off x="744125" y="1301558"/>
+            <a:ext cx="10732958" cy="1712135"/>
+          </a:xfrm>
+          <a:prstGeom prst="rect">
+            <a:avLst/>
+          </a:prstGeom>
+          <a:noFill/>
+        </p:spPr>
+        <p:txBody>
+          <a:bodyPr wrap="square">
+            <a:spAutoFit/>
+          </a:bodyPr>
+          <a:lstStyle/>
+          <a:p>
+            <a:pPr marL="285750" indent="-285750">
+              <a:lnSpc>
+                <a:spcPct val="150000"/>
+              </a:lnSpc>
+              <a:buFont typeface="Arial" panose="020B0604020202020204" pitchFamily="34" charset="0"/>
+              <a:buChar char="•"/>
+            </a:pPr>
+            <a:r>
+              <a:rPr lang="zh-CN" altLang="en-US" b="0" i="0" dirty="0">
+                <a:solidFill>
+                  <a:srgbClr val="1F2328"/>
+                </a:solidFill>
+                <a:effectLst/>
+                <a:latin typeface="微软雅黑" panose="020B0503020204020204" pitchFamily="34" charset="-122"/>
+                <a:ea typeface="微软雅黑" panose="020B0503020204020204" pitchFamily="34" charset="-122"/>
+              </a:rPr>
+              <a:t>啥是</a:t>
+            </a:r>
+            <a:r>
+              <a:rPr lang="en-US" altLang="zh-CN" b="0" i="0" dirty="0">
+                <a:solidFill>
+                  <a:srgbClr val="1F2328"/>
+                </a:solidFill>
+                <a:effectLst/>
+                <a:latin typeface="微软雅黑" panose="020B0503020204020204" pitchFamily="34" charset="-122"/>
+                <a:ea typeface="微软雅黑" panose="020B0503020204020204" pitchFamily="34" charset="-122"/>
+              </a:rPr>
+              <a:t>CFG</a:t>
+            </a:r>
+          </a:p>
+          <a:p>
+            <a:pPr marL="285750" indent="-285750">
+              <a:lnSpc>
+                <a:spcPct val="150000"/>
+              </a:lnSpc>
+              <a:buFont typeface="Arial" panose="020B0604020202020204" pitchFamily="34" charset="0"/>
+              <a:buChar char="•"/>
+            </a:pPr>
+            <a:r>
+              <a:rPr lang="zh-CN" altLang="en-US" dirty="0">
+                <a:solidFill>
+                  <a:srgbClr val="1F2328"/>
+                </a:solidFill>
+                <a:latin typeface="微软雅黑" panose="020B0503020204020204" pitchFamily="34" charset="-122"/>
+                <a:ea typeface="微软雅黑" panose="020B0503020204020204" pitchFamily="34" charset="-122"/>
+              </a:rPr>
+              <a:t>怎么获得一个</a:t>
+            </a:r>
+            <a:r>
+              <a:rPr lang="en-US" altLang="zh-CN" dirty="0">
+                <a:solidFill>
+                  <a:srgbClr val="1F2328"/>
+                </a:solidFill>
+                <a:latin typeface="微软雅黑" panose="020B0503020204020204" pitchFamily="34" charset="-122"/>
+                <a:ea typeface="微软雅黑" panose="020B0503020204020204" pitchFamily="34" charset="-122"/>
+              </a:rPr>
+              <a:t>C</a:t>
+            </a:r>
+            <a:r>
+              <a:rPr lang="zh-CN" altLang="en-US" dirty="0">
+                <a:solidFill>
+                  <a:srgbClr val="1F2328"/>
+                </a:solidFill>
+                <a:latin typeface="微软雅黑" panose="020B0503020204020204" pitchFamily="34" charset="-122"/>
+                <a:ea typeface="微软雅黑" panose="020B0503020204020204" pitchFamily="34" charset="-122"/>
+              </a:rPr>
+              <a:t>语言程序的</a:t>
+            </a:r>
+            <a:r>
+              <a:rPr lang="en-US" altLang="zh-CN" dirty="0">
+                <a:solidFill>
+                  <a:srgbClr val="1F2328"/>
+                </a:solidFill>
+                <a:latin typeface="微软雅黑" panose="020B0503020204020204" pitchFamily="34" charset="-122"/>
+                <a:ea typeface="微软雅黑" panose="020B0503020204020204" pitchFamily="34" charset="-122"/>
+              </a:rPr>
+              <a:t>CFG</a:t>
+            </a:r>
+          </a:p>
+          <a:p>
+            <a:pPr marL="285750" indent="-285750">
+              <a:lnSpc>
+                <a:spcPct val="150000"/>
+              </a:lnSpc>
+              <a:buFont typeface="Arial" panose="020B0604020202020204" pitchFamily="34" charset="0"/>
+              <a:buChar char="•"/>
+            </a:pPr>
+            <a:r>
+              <a:rPr lang="zh-CN" altLang="en-US" dirty="0">
+                <a:latin typeface="微软雅黑" panose="020B0503020204020204" pitchFamily="34" charset="-122"/>
+                <a:ea typeface="微软雅黑" panose="020B0503020204020204" pitchFamily="34" charset="-122"/>
+              </a:rPr>
+              <a:t>怎么获得</a:t>
+            </a:r>
+            <a:r>
+              <a:rPr lang="en-US" altLang="zh-CN" dirty="0" err="1">
+                <a:latin typeface="微软雅黑" panose="020B0503020204020204" pitchFamily="34" charset="-122"/>
+                <a:ea typeface="微软雅黑" panose="020B0503020204020204" pitchFamily="34" charset="-122"/>
+              </a:rPr>
+              <a:t>linux</a:t>
+            </a:r>
+            <a:r>
+              <a:rPr lang="zh-CN" altLang="en-US" dirty="0">
+                <a:latin typeface="微软雅黑" panose="020B0503020204020204" pitchFamily="34" charset="-122"/>
+                <a:ea typeface="微软雅黑" panose="020B0503020204020204" pitchFamily="34" charset="-122"/>
+              </a:rPr>
+              <a:t>内核的</a:t>
+            </a:r>
+            <a:r>
+              <a:rPr lang="en-US" altLang="zh-CN" dirty="0">
+                <a:latin typeface="微软雅黑" panose="020B0503020204020204" pitchFamily="34" charset="-122"/>
+                <a:ea typeface="微软雅黑" panose="020B0503020204020204" pitchFamily="34" charset="-122"/>
+              </a:rPr>
+              <a:t>CFG</a:t>
+            </a:r>
+          </a:p>
+          <a:p>
+            <a:pPr marL="285750" indent="-285750">
+              <a:lnSpc>
+                <a:spcPct val="150000"/>
+              </a:lnSpc>
+              <a:buFont typeface="Arial" panose="020B0604020202020204" pitchFamily="34" charset="0"/>
+              <a:buChar char="•"/>
+            </a:pPr>
+            <a:r>
+              <a:rPr lang="zh-CN" altLang="en-US" dirty="0">
+                <a:latin typeface="微软雅黑" panose="020B0503020204020204" pitchFamily="34" charset="-122"/>
+                <a:ea typeface="微软雅黑" panose="020B0503020204020204" pitchFamily="34" charset="-122"/>
+              </a:rPr>
+              <a:t>以</a:t>
+            </a:r>
+            <a:r>
+              <a:rPr lang="en-US" altLang="zh-CN" dirty="0" err="1">
+                <a:latin typeface="微软雅黑" panose="020B0503020204020204" pitchFamily="34" charset="-122"/>
+                <a:ea typeface="微软雅黑" panose="020B0503020204020204" pitchFamily="34" charset="-122"/>
+              </a:rPr>
+              <a:t>linux</a:t>
+            </a:r>
+            <a:r>
+              <a:rPr lang="en-US" altLang="zh-CN" dirty="0">
+                <a:latin typeface="微软雅黑" panose="020B0503020204020204" pitchFamily="34" charset="-122"/>
+                <a:ea typeface="微软雅黑" panose="020B0503020204020204" pitchFamily="34" charset="-122"/>
+              </a:rPr>
+              <a:t>/mm/</a:t>
+            </a:r>
+            <a:r>
+              <a:rPr lang="en-US" altLang="zh-CN" dirty="0" err="1">
+                <a:latin typeface="微软雅黑" panose="020B0503020204020204" pitchFamily="34" charset="-122"/>
+                <a:ea typeface="微软雅黑" panose="020B0503020204020204" pitchFamily="34" charset="-122"/>
+              </a:rPr>
+              <a:t>mmzone.c</a:t>
+            </a:r>
+            <a:r>
+              <a:rPr lang="zh-CN" altLang="en-US" dirty="0">
+                <a:latin typeface="微软雅黑" panose="020B0503020204020204" pitchFamily="34" charset="-122"/>
+                <a:ea typeface="微软雅黑" panose="020B0503020204020204" pitchFamily="34" charset="-122"/>
+              </a:rPr>
+              <a:t>为例分析</a:t>
+            </a:r>
+            <a:r>
+              <a:rPr lang="en-US" altLang="zh-CN" dirty="0">
+                <a:latin typeface="微软雅黑" panose="020B0503020204020204" pitchFamily="34" charset="-122"/>
+                <a:ea typeface="微软雅黑" panose="020B0503020204020204" pitchFamily="34" charset="-122"/>
+              </a:rPr>
+              <a:t>CFG</a:t>
+            </a:r>
+            <a:endParaRPr lang="zh-CN" altLang="en-US" dirty="0">
+              <a:latin typeface="微软雅黑" panose="020B0503020204020204" pitchFamily="34" charset="-122"/>
+              <a:ea typeface="微软雅黑" panose="020B0503020204020204" pitchFamily="34" charset="-122"/>
+            </a:endParaRPr>
+          </a:p>
+        </p:txBody>
+      </p:sp>
+      <p:sp>
+        <p:nvSpPr>
+          <p:cNvPr id="3" name="文本框 2">
+            <a:extLst>
+              <a:ext uri="{FF2B5EF4-FFF2-40B4-BE49-F238E27FC236}">
+                <a16:creationId xmlns:a16="http://schemas.microsoft.com/office/drawing/2014/main" id="{9D318C41-25A5-4848-569B-1F3D7EE4A737}"/>
+              </a:ext>
+            </a:extLst>
+          </p:cNvPr>
+          <p:cNvSpPr txBox="1"/>
+          <p:nvPr/>
+        </p:nvSpPr>
+        <p:spPr>
+          <a:xfrm>
+            <a:off x="744125" y="310974"/>
+            <a:ext cx="8024954" cy="584775"/>
+          </a:xfrm>
+          <a:prstGeom prst="rect">
+            <a:avLst/>
+          </a:prstGeom>
+          <a:noFill/>
+        </p:spPr>
+        <p:txBody>
+          <a:bodyPr wrap="none" rtlCol="0">
+            <a:spAutoFit/>
+          </a:bodyPr>
+          <a:lstStyle/>
+          <a:p>
+            <a:r>
+              <a:rPr lang="en-US" altLang="zh-CN" sz="3200" b="1" dirty="0">
+                <a:solidFill>
+                  <a:srgbClr val="C00000"/>
+                </a:solidFill>
+                <a:latin typeface="黑体" panose="02010609060101010101" pitchFamily="49" charset="-122"/>
+                <a:ea typeface="黑体" panose="02010609060101010101" pitchFamily="49" charset="-122"/>
+              </a:rPr>
+              <a:t>LLVM</a:t>
+            </a:r>
+            <a:r>
+              <a:rPr lang="zh-CN" altLang="en-US" sz="3200" b="1" dirty="0">
+                <a:solidFill>
+                  <a:srgbClr val="C00000"/>
+                </a:solidFill>
+                <a:latin typeface="黑体" panose="02010609060101010101" pitchFamily="49" charset="-122"/>
+                <a:ea typeface="黑体" panose="02010609060101010101" pitchFamily="49" charset="-122"/>
+              </a:rPr>
+              <a:t>编译</a:t>
+            </a:r>
+            <a:r>
+              <a:rPr lang="en-US" altLang="zh-CN" sz="3200" b="1" dirty="0">
+                <a:solidFill>
+                  <a:srgbClr val="C00000"/>
+                </a:solidFill>
+                <a:latin typeface="黑体" panose="02010609060101010101" pitchFamily="49" charset="-122"/>
+                <a:ea typeface="黑体" panose="02010609060101010101" pitchFamily="49" charset="-122"/>
+              </a:rPr>
+              <a:t>linux-5.4</a:t>
+            </a:r>
+            <a:r>
+              <a:rPr lang="zh-CN" altLang="en-US" sz="3200" b="1" dirty="0">
+                <a:solidFill>
+                  <a:srgbClr val="C00000"/>
+                </a:solidFill>
+                <a:latin typeface="黑体" panose="02010609060101010101" pitchFamily="49" charset="-122"/>
+                <a:ea typeface="黑体" panose="02010609060101010101" pitchFamily="49" charset="-122"/>
+              </a:rPr>
+              <a:t>内核，并获取、分析</a:t>
+            </a:r>
+            <a:r>
+              <a:rPr lang="en-US" altLang="zh-CN" sz="3200" b="1" dirty="0">
+                <a:solidFill>
+                  <a:srgbClr val="C00000"/>
+                </a:solidFill>
+                <a:latin typeface="黑体" panose="02010609060101010101" pitchFamily="49" charset="-122"/>
+                <a:ea typeface="黑体" panose="02010609060101010101" pitchFamily="49" charset="-122"/>
+              </a:rPr>
+              <a:t>CFG</a:t>
+            </a:r>
+          </a:p>
+        </p:txBody>
+      </p:sp>
+    </p:spTree>
+    <p:extLst>
+      <p:ext uri="{BB962C8B-B14F-4D97-AF65-F5344CB8AC3E}">
+        <p14:creationId xmlns:p14="http://schemas.microsoft.com/office/powerpoint/2010/main" val="3857422898"/>
+      </p:ext>
+    </p:extLst>
+  </p:cSld>
+  <p:clrMapOvr>
+    <a:masterClrMapping/>
+  </p:clrMapOvr>
+</p:sld>
+</file>
+
+<file path=ppt/slides/slide3.xml><?xml version="1.0" encoding="utf-8"?>
+<p:sld xmlns:a="http://schemas.openxmlformats.org/drawingml/2006/main" xmlns:r="http://schemas.openxmlformats.org/officeDocument/2006/relationships" xmlns:p="http://schemas.openxmlformats.org/presentationml/2006/main">
+  <p:cSld>
+    <p:spTree>
+      <p:nvGrpSpPr>
+        <p:cNvPr id="1" name="">
+          <a:extLst>
+            <a:ext uri="{FF2B5EF4-FFF2-40B4-BE49-F238E27FC236}">
               <a16:creationId xmlns:a16="http://schemas.microsoft.com/office/drawing/2014/main" id="{5480DC74-5905-92C4-B4CF-2AE6A707F87D}"/>
             </a:ext>
           </a:extLst>
@@ -5683,12 +7680,18 @@
           <a:p>
             <a:r>
               <a:rPr lang="en-US" altLang="zh-CN" sz="3200" b="1" dirty="0">
+                <a:solidFill>
+                  <a:srgbClr val="C00000"/>
+                </a:solidFill>
                 <a:latin typeface="黑体" panose="02010609060101010101" pitchFamily="49" charset="-122"/>
                 <a:ea typeface="黑体" panose="02010609060101010101" pitchFamily="49" charset="-122"/>
               </a:rPr>
               <a:t>Control Flow Graph</a:t>
             </a:r>
             <a:endParaRPr lang="zh-CN" altLang="en-US" sz="3200" b="1" dirty="0">
+              <a:solidFill>
+                <a:srgbClr val="C00000"/>
+              </a:solidFill>
               <a:latin typeface="黑体" panose="02010609060101010101" pitchFamily="49" charset="-122"/>
               <a:ea typeface="黑体" panose="02010609060101010101" pitchFamily="49" charset="-122"/>
             </a:endParaRPr>
@@ -5753,8 +7756,8 @@
         </p:blipFill>
         <p:spPr>
           <a:xfrm>
-            <a:off x="3904628" y="2746328"/>
-            <a:ext cx="7887750" cy="3327947"/>
+            <a:off x="3409950" y="1727831"/>
+            <a:ext cx="6458572" cy="2724958"/>
           </a:xfrm>
           <a:prstGeom prst="rect">
             <a:avLst/>
@@ -5775,7 +7778,7 @@
         </p:nvSpPr>
         <p:spPr>
           <a:xfrm>
-            <a:off x="6814070" y="1385663"/>
+            <a:off x="7118870" y="749124"/>
             <a:ext cx="4774550" cy="870751"/>
           </a:xfrm>
           <a:prstGeom prst="rect">
@@ -5802,8 +7805,8 @@
                   <a:srgbClr val="1F2328"/>
                 </a:solidFill>
                 <a:effectLst/>
-                <a:latin typeface="Times New Roman" panose="02020603050405020304" pitchFamily="18" charset="0"/>
-                <a:ea typeface="宋体" panose="02010600030101010101" pitchFamily="2" charset="-122"/>
+                <a:latin typeface="微软雅黑" panose="020B0503020204020204" pitchFamily="34" charset="-122"/>
+                <a:ea typeface="微软雅黑" panose="020B0503020204020204" pitchFamily="34" charset="-122"/>
                 <a:cs typeface="Times New Roman" panose="02020603050405020304" pitchFamily="18" charset="0"/>
               </a:rPr>
               <a:t>1</a:t>
@@ -5814,8 +7817,8 @@
                   <a:srgbClr val="1F2328"/>
                 </a:solidFill>
                 <a:effectLst/>
-                <a:latin typeface="Times New Roman" panose="02020603050405020304" pitchFamily="18" charset="0"/>
-                <a:ea typeface="宋体" panose="02010600030101010101" pitchFamily="2" charset="-122"/>
+                <a:latin typeface="微软雅黑" panose="020B0503020204020204" pitchFamily="34" charset="-122"/>
+                <a:ea typeface="微软雅黑" panose="020B0503020204020204" pitchFamily="34" charset="-122"/>
                 <a:cs typeface="Times New Roman" panose="02020603050405020304" pitchFamily="18" charset="0"/>
               </a:rPr>
               <a:t>个</a:t>
@@ -5826,8 +7829,8 @@
                   <a:srgbClr val="1F2328"/>
                 </a:solidFill>
                 <a:effectLst/>
-                <a:latin typeface="Times New Roman" panose="02020603050405020304" pitchFamily="18" charset="0"/>
-                <a:ea typeface="宋体" panose="02010600030101010101" pitchFamily="2" charset="-122"/>
+                <a:latin typeface="微软雅黑" panose="020B0503020204020204" pitchFamily="34" charset="-122"/>
+                <a:ea typeface="微软雅黑" panose="020B0503020204020204" pitchFamily="34" charset="-122"/>
                 <a:cs typeface="Times New Roman" panose="02020603050405020304" pitchFamily="18" charset="0"/>
               </a:rPr>
               <a:t>CFG</a:t>
@@ -5838,8 +7841,8 @@
                   <a:srgbClr val="1F2328"/>
                 </a:solidFill>
                 <a:effectLst/>
-                <a:latin typeface="Times New Roman" panose="02020603050405020304" pitchFamily="18" charset="0"/>
-                <a:ea typeface="宋体" panose="02010600030101010101" pitchFamily="2" charset="-122"/>
+                <a:latin typeface="微软雅黑" panose="020B0503020204020204" pitchFamily="34" charset="-122"/>
+                <a:ea typeface="微软雅黑" panose="020B0503020204020204" pitchFamily="34" charset="-122"/>
                 <a:cs typeface="Times New Roman" panose="02020603050405020304" pitchFamily="18" charset="0"/>
               </a:rPr>
               <a:t>一般是对应</a:t>
@@ -5850,8 +7853,8 @@
                   <a:srgbClr val="1F2328"/>
                 </a:solidFill>
                 <a:effectLst/>
-                <a:latin typeface="Times New Roman" panose="02020603050405020304" pitchFamily="18" charset="0"/>
-                <a:ea typeface="宋体" panose="02010600030101010101" pitchFamily="2" charset="-122"/>
+                <a:latin typeface="微软雅黑" panose="020B0503020204020204" pitchFamily="34" charset="-122"/>
+                <a:ea typeface="微软雅黑" panose="020B0503020204020204" pitchFamily="34" charset="-122"/>
                 <a:cs typeface="Times New Roman" panose="02020603050405020304" pitchFamily="18" charset="0"/>
               </a:rPr>
               <a:t>1</a:t>
@@ -5861,8 +7864,8 @@
                 <a:solidFill>
                   <a:srgbClr val="1F2328"/>
                 </a:solidFill>
-                <a:latin typeface="Times New Roman" panose="02020603050405020304" pitchFamily="18" charset="0"/>
-                <a:ea typeface="宋体" panose="02010600030101010101" pitchFamily="2" charset="-122"/>
+                <a:latin typeface="微软雅黑" panose="020B0503020204020204" pitchFamily="34" charset="-122"/>
+                <a:ea typeface="微软雅黑" panose="020B0503020204020204" pitchFamily="34" charset="-122"/>
                 <a:cs typeface="Times New Roman" panose="02020603050405020304" pitchFamily="18" charset="0"/>
               </a:rPr>
               <a:t>个</a:t>
@@ -5873,8 +7876,8 @@
                   <a:srgbClr val="1F2328"/>
                 </a:solidFill>
                 <a:effectLst/>
-                <a:latin typeface="Times New Roman" panose="02020603050405020304" pitchFamily="18" charset="0"/>
-                <a:ea typeface="宋体" panose="02010600030101010101" pitchFamily="2" charset="-122"/>
+                <a:latin typeface="微软雅黑" panose="020B0503020204020204" pitchFamily="34" charset="-122"/>
+                <a:ea typeface="微软雅黑" panose="020B0503020204020204" pitchFamily="34" charset="-122"/>
                 <a:cs typeface="Times New Roman" panose="02020603050405020304" pitchFamily="18" charset="0"/>
               </a:rPr>
               <a:t>Function</a:t>
@@ -5890,16 +7893,16 @@
             </a:pPr>
             <a:r>
               <a:rPr lang="en-US" altLang="zh-CN" dirty="0">
-                <a:latin typeface="Times New Roman" panose="02020603050405020304" pitchFamily="18" charset="0"/>
-                <a:ea typeface="宋体" panose="02010600030101010101" pitchFamily="2" charset="-122"/>
+                <a:latin typeface="微软雅黑" panose="020B0503020204020204" pitchFamily="34" charset="-122"/>
+                <a:ea typeface="微软雅黑" panose="020B0503020204020204" pitchFamily="34" charset="-122"/>
                 <a:cs typeface="Times New Roman" panose="02020603050405020304" pitchFamily="18" charset="0"/>
               </a:rPr>
               <a:t>CFG</a:t>
             </a:r>
             <a:r>
               <a:rPr lang="zh-CN" altLang="en-US" dirty="0">
-                <a:latin typeface="Times New Roman" panose="02020603050405020304" pitchFamily="18" charset="0"/>
-                <a:ea typeface="宋体" panose="02010600030101010101" pitchFamily="2" charset="-122"/>
+                <a:latin typeface="微软雅黑" panose="020B0503020204020204" pitchFamily="34" charset="-122"/>
+                <a:ea typeface="微软雅黑" panose="020B0503020204020204" pitchFamily="34" charset="-122"/>
                 <a:cs typeface="Times New Roman" panose="02020603050405020304" pitchFamily="18" charset="0"/>
               </a:rPr>
               <a:t>基本单位是基本块而不是某一条语句</a:t>
@@ -5907,6 +7910,42 @@
           </a:p>
         </p:txBody>
       </p:sp>
+      <p:pic>
+        <p:nvPicPr>
+          <p:cNvPr id="5" name="图片 4">
+            <a:extLst>
+              <a:ext uri="{FF2B5EF4-FFF2-40B4-BE49-F238E27FC236}">
+                <a16:creationId xmlns:a16="http://schemas.microsoft.com/office/drawing/2014/main" id="{218D3CF2-0248-F82A-03DD-A37228E86D32}"/>
+              </a:ext>
+            </a:extLst>
+          </p:cNvPr>
+          <p:cNvPicPr>
+            <a:picLocks noChangeAspect="1"/>
+          </p:cNvPicPr>
+          <p:nvPr/>
+        </p:nvPicPr>
+        <p:blipFill>
+          <a:blip r:embed="rId4">
+            <a:extLst>
+              <a:ext uri="{28A0092B-C50C-407E-A947-70E740481C1C}">
+                <a14:useLocalDpi xmlns:a14="http://schemas.microsoft.com/office/drawing/2010/main" val="0"/>
+              </a:ext>
+            </a:extLst>
+          </a:blip>
+          <a:stretch>
+            <a:fillRect/>
+          </a:stretch>
+        </p:blipFill>
+        <p:spPr>
+          <a:xfrm>
+            <a:off x="8045320" y="3842004"/>
+            <a:ext cx="3848100" cy="2742324"/>
+          </a:xfrm>
+          <a:prstGeom prst="rect">
+            <a:avLst/>
+          </a:prstGeom>
+        </p:spPr>
+      </p:pic>
     </p:spTree>
     <p:extLst>
       <p:ext uri="{BB962C8B-B14F-4D97-AF65-F5344CB8AC3E}">
@@ -5920,7 +7959,7 @@
 </p:sld>
 </file>
 
-<file path=ppt/slides/slide3.xml><?xml version="1.0" encoding="utf-8"?>
+<file path=ppt/slides/slide4.xml><?xml version="1.0" encoding="utf-8"?>
 <p:sld xmlns:a="http://schemas.openxmlformats.org/drawingml/2006/main" xmlns:r="http://schemas.openxmlformats.org/officeDocument/2006/relationships" xmlns:p="http://schemas.openxmlformats.org/presentationml/2006/main">
   <p:cSld>
     <p:spTree>
@@ -7044,6 +9083,9 @@
           <a:p>
             <a:r>
               <a:rPr lang="en-US" altLang="zh-CN" sz="3200" b="1" dirty="0">
+                <a:solidFill>
+                  <a:srgbClr val="C00000"/>
+                </a:solidFill>
                 <a:latin typeface="黑体" panose="02010609060101010101" pitchFamily="49" charset="-122"/>
                 <a:ea typeface="黑体" panose="02010609060101010101" pitchFamily="49" charset="-122"/>
               </a:rPr>
@@ -7051,6 +9093,9 @@
             </a:r>
             <a:r>
               <a:rPr lang="zh-CN" altLang="en-US" sz="3200" b="1" dirty="0">
+                <a:solidFill>
+                  <a:srgbClr val="C00000"/>
+                </a:solidFill>
                 <a:latin typeface="黑体" panose="02010609060101010101" pitchFamily="49" charset="-122"/>
                 <a:ea typeface="黑体" panose="02010609060101010101" pitchFamily="49" charset="-122"/>
               </a:rPr>
@@ -7058,6 +9103,9 @@
             </a:r>
             <a:r>
               <a:rPr lang="en-US" altLang="zh-CN" sz="3200" b="1" dirty="0">
+                <a:solidFill>
+                  <a:srgbClr val="C00000"/>
+                </a:solidFill>
                 <a:latin typeface="黑体" panose="02010609060101010101" pitchFamily="49" charset="-122"/>
                 <a:ea typeface="黑体" panose="02010609060101010101" pitchFamily="49" charset="-122"/>
               </a:rPr>
@@ -7065,6 +9113,9 @@
             </a:r>
             <a:r>
               <a:rPr lang="zh-CN" altLang="en-US" sz="3200" b="1" dirty="0">
+                <a:solidFill>
+                  <a:srgbClr val="C00000"/>
+                </a:solidFill>
                 <a:latin typeface="黑体" panose="02010609060101010101" pitchFamily="49" charset="-122"/>
                 <a:ea typeface="黑体" panose="02010609060101010101" pitchFamily="49" charset="-122"/>
               </a:rPr>
@@ -7072,6 +9123,9 @@
             </a:r>
             <a:r>
               <a:rPr lang="en-US" altLang="zh-CN" sz="3200" b="1" dirty="0">
+                <a:solidFill>
+                  <a:srgbClr val="C00000"/>
+                </a:solidFill>
                 <a:latin typeface="黑体" panose="02010609060101010101" pitchFamily="49" charset="-122"/>
                 <a:ea typeface="黑体" panose="02010609060101010101" pitchFamily="49" charset="-122"/>
               </a:rPr>
@@ -7093,7 +9147,7 @@
 </p:sld>
 </file>
 
-<file path=ppt/slides/slide4.xml><?xml version="1.0" encoding="utf-8"?>
+<file path=ppt/slides/slide5.xml><?xml version="1.0" encoding="utf-8"?>
 <p:sld xmlns:a="http://schemas.openxmlformats.org/drawingml/2006/main" xmlns:r="http://schemas.openxmlformats.org/officeDocument/2006/relationships" xmlns:p="http://schemas.openxmlformats.org/presentationml/2006/main">
   <p:cSld>
     <p:spTree>
@@ -7131,7 +9185,7 @@
         <p:spPr>
           <a:xfrm>
             <a:off x="744125" y="310974"/>
-            <a:ext cx="5134739" cy="584775"/>
+            <a:ext cx="5958682" cy="584775"/>
           </a:xfrm>
           <a:prstGeom prst="rect">
             <a:avLst/>
@@ -7146,6 +9200,9 @@
           <a:p>
             <a:r>
               <a:rPr lang="zh-CN" altLang="en-US" sz="3200" b="1" dirty="0">
+                <a:solidFill>
+                  <a:srgbClr val="C00000"/>
+                </a:solidFill>
                 <a:latin typeface="黑体" panose="02010609060101010101" pitchFamily="49" charset="-122"/>
                 <a:ea typeface="黑体" panose="02010609060101010101" pitchFamily="49" charset="-122"/>
               </a:rPr>
@@ -7153,6 +9210,9 @@
             </a:r>
             <a:r>
               <a:rPr lang="en-US" altLang="zh-CN" sz="3200" b="1" dirty="0">
+                <a:solidFill>
+                  <a:srgbClr val="C00000"/>
+                </a:solidFill>
                 <a:latin typeface="黑体" panose="02010609060101010101" pitchFamily="49" charset="-122"/>
                 <a:ea typeface="黑体" panose="02010609060101010101" pitchFamily="49" charset="-122"/>
               </a:rPr>
@@ -7160,6 +9220,9 @@
             </a:r>
             <a:r>
               <a:rPr lang="zh-CN" altLang="en-US" sz="3200" b="1" dirty="0">
+                <a:solidFill>
+                  <a:srgbClr val="C00000"/>
+                </a:solidFill>
                 <a:latin typeface="黑体" panose="02010609060101010101" pitchFamily="49" charset="-122"/>
                 <a:ea typeface="黑体" panose="02010609060101010101" pitchFamily="49" charset="-122"/>
               </a:rPr>
@@ -7167,15 +9230,24 @@
             </a:r>
             <a:r>
               <a:rPr lang="en-US" altLang="zh-CN" sz="3200" b="1" dirty="0">
+                <a:solidFill>
+                  <a:srgbClr val="C00000"/>
+                </a:solidFill>
                 <a:latin typeface="黑体" panose="02010609060101010101" pitchFamily="49" charset="-122"/>
                 <a:ea typeface="黑体" panose="02010609060101010101" pitchFamily="49" charset="-122"/>
               </a:rPr>
               <a:t>CFG</a:t>
             </a:r>
-            <a:endParaRPr lang="zh-CN" altLang="en-US" sz="3200" b="1" dirty="0">
-              <a:latin typeface="黑体" panose="02010609060101010101" pitchFamily="49" charset="-122"/>
-              <a:ea typeface="黑体" panose="02010609060101010101" pitchFamily="49" charset="-122"/>
-            </a:endParaRPr>
+            <a:r>
+              <a:rPr lang="zh-CN" altLang="en-US" sz="3200" b="1" dirty="0">
+                <a:solidFill>
+                  <a:srgbClr val="C00000"/>
+                </a:solidFill>
+                <a:latin typeface="黑体" panose="02010609060101010101" pitchFamily="49" charset="-122"/>
+                <a:ea typeface="黑体" panose="02010609060101010101" pitchFamily="49" charset="-122"/>
+              </a:rPr>
+              <a:t>行吗</a:t>
+            </a:r>
           </a:p>
         </p:txBody>
       </p:sp>
@@ -7216,11 +9288,11 @@
             </a:pPr>
             <a:r>
               <a:rPr lang="zh-CN" altLang="en-US" sz="2400" b="1" dirty="0">
-                <a:latin typeface="-apple-system"/>
+                <a:latin typeface="微软雅黑" panose="020B0503020204020204" pitchFamily="34" charset="-122"/>
+                <a:ea typeface="微软雅黑" panose="020B0503020204020204" pitchFamily="34" charset="-122"/>
               </a:rPr>
               <a:t>问题</a:t>
             </a:r>
-            <a:endParaRPr lang="zh-CN" altLang="en-US" sz="2400" b="1" dirty="0"/>
           </a:p>
         </p:txBody>
       </p:sp>
@@ -7264,8 +9336,8 @@
                 <a:solidFill>
                   <a:srgbClr val="1F2328"/>
                 </a:solidFill>
-                <a:latin typeface="Times New Roman" panose="02020603050405020304" pitchFamily="18" charset="0"/>
-                <a:ea typeface="宋体" panose="02010600030101010101" pitchFamily="2" charset="-122"/>
+                <a:latin typeface="微软雅黑" panose="020B0503020204020204" pitchFamily="34" charset="-122"/>
+                <a:ea typeface="微软雅黑" panose="020B0503020204020204" pitchFamily="34" charset="-122"/>
                 <a:cs typeface="Times New Roman" panose="02020603050405020304" pitchFamily="18" charset="0"/>
               </a:rPr>
               <a:t>C</a:t>
@@ -7275,8 +9347,8 @@
                 <a:solidFill>
                   <a:srgbClr val="1F2328"/>
                 </a:solidFill>
-                <a:latin typeface="Times New Roman" panose="02020603050405020304" pitchFamily="18" charset="0"/>
-                <a:ea typeface="宋体" panose="02010600030101010101" pitchFamily="2" charset="-122"/>
+                <a:latin typeface="微软雅黑" panose="020B0503020204020204" pitchFamily="34" charset="-122"/>
+                <a:ea typeface="微软雅黑" panose="020B0503020204020204" pitchFamily="34" charset="-122"/>
                 <a:cs typeface="Times New Roman" panose="02020603050405020304" pitchFamily="18" charset="0"/>
               </a:rPr>
               <a:t>语言文件多，不可能一个一个去操作</a:t>
@@ -7285,8 +9357,8 @@
               <a:solidFill>
                 <a:srgbClr val="1F2328"/>
               </a:solidFill>
-              <a:latin typeface="Times New Roman" panose="02020603050405020304" pitchFamily="18" charset="0"/>
-              <a:ea typeface="宋体" panose="02010600030101010101" pitchFamily="2" charset="-122"/>
+              <a:latin typeface="微软雅黑" panose="020B0503020204020204" pitchFamily="34" charset="-122"/>
+              <a:ea typeface="微软雅黑" panose="020B0503020204020204" pitchFamily="34" charset="-122"/>
               <a:cs typeface="Times New Roman" panose="02020603050405020304" pitchFamily="18" charset="0"/>
             </a:endParaRPr>
           </a:p>
@@ -7300,40 +9372,40 @@
             </a:pPr>
             <a:r>
               <a:rPr lang="zh-CN" altLang="en-US" dirty="0">
-                <a:latin typeface="Times New Roman" panose="02020603050405020304" pitchFamily="18" charset="0"/>
-                <a:ea typeface="宋体" panose="02010600030101010101" pitchFamily="2" charset="-122"/>
+                <a:latin typeface="微软雅黑" panose="020B0503020204020204" pitchFamily="34" charset="-122"/>
+                <a:ea typeface="微软雅黑" panose="020B0503020204020204" pitchFamily="34" charset="-122"/>
                 <a:cs typeface="Times New Roman" panose="02020603050405020304" pitchFamily="18" charset="0"/>
               </a:rPr>
               <a:t>用</a:t>
             </a:r>
             <a:r>
               <a:rPr lang="en-US" altLang="zh-CN" dirty="0">
-                <a:latin typeface="Times New Roman" panose="02020603050405020304" pitchFamily="18" charset="0"/>
-                <a:ea typeface="宋体" panose="02010600030101010101" pitchFamily="2" charset="-122"/>
+                <a:latin typeface="微软雅黑" panose="020B0503020204020204" pitchFamily="34" charset="-122"/>
+                <a:ea typeface="微软雅黑" panose="020B0503020204020204" pitchFamily="34" charset="-122"/>
                 <a:cs typeface="Times New Roman" panose="02020603050405020304" pitchFamily="18" charset="0"/>
               </a:rPr>
               <a:t>make</a:t>
             </a:r>
             <a:r>
               <a:rPr lang="zh-CN" altLang="en-US" dirty="0">
-                <a:latin typeface="Times New Roman" panose="02020603050405020304" pitchFamily="18" charset="0"/>
-                <a:ea typeface="宋体" panose="02010600030101010101" pitchFamily="2" charset="-122"/>
+                <a:latin typeface="微软雅黑" panose="020B0503020204020204" pitchFamily="34" charset="-122"/>
+                <a:ea typeface="微软雅黑" panose="020B0503020204020204" pitchFamily="34" charset="-122"/>
                 <a:cs typeface="Times New Roman" panose="02020603050405020304" pitchFamily="18" charset="0"/>
               </a:rPr>
               <a:t>构建，修改</a:t>
             </a:r>
             <a:r>
               <a:rPr lang="en-US" altLang="zh-CN" dirty="0" err="1">
-                <a:latin typeface="Times New Roman" panose="02020603050405020304" pitchFamily="18" charset="0"/>
-                <a:ea typeface="宋体" panose="02010600030101010101" pitchFamily="2" charset="-122"/>
+                <a:latin typeface="微软雅黑" panose="020B0503020204020204" pitchFamily="34" charset="-122"/>
+                <a:ea typeface="微软雅黑" panose="020B0503020204020204" pitchFamily="34" charset="-122"/>
                 <a:cs typeface="Times New Roman" panose="02020603050405020304" pitchFamily="18" charset="0"/>
               </a:rPr>
               <a:t>makefile</a:t>
             </a:r>
             <a:r>
               <a:rPr lang="zh-CN" altLang="en-US" dirty="0">
-                <a:latin typeface="Times New Roman" panose="02020603050405020304" pitchFamily="18" charset="0"/>
-                <a:ea typeface="宋体" panose="02010600030101010101" pitchFamily="2" charset="-122"/>
+                <a:latin typeface="微软雅黑" panose="020B0503020204020204" pitchFamily="34" charset="-122"/>
+                <a:ea typeface="微软雅黑" panose="020B0503020204020204" pitchFamily="34" charset="-122"/>
                 <a:cs typeface="Times New Roman" panose="02020603050405020304" pitchFamily="18" charset="0"/>
               </a:rPr>
               <a:t>很麻烦</a:t>
@@ -7354,7 +9426,7 @@
 </p:sld>
 </file>
 
-<file path=ppt/slides/slide5.xml><?xml version="1.0" encoding="utf-8"?>
+<file path=ppt/slides/slide6.xml><?xml version="1.0" encoding="utf-8"?>
 <p:sld xmlns:a="http://schemas.openxmlformats.org/drawingml/2006/main" xmlns:r="http://schemas.openxmlformats.org/officeDocument/2006/relationships" xmlns:p="http://schemas.openxmlformats.org/presentationml/2006/main">
   <p:cSld>
     <p:spTree>
@@ -7445,7 +9517,8 @@
                 <a:solidFill>
                   <a:srgbClr val="1F2328"/>
                 </a:solidFill>
-                <a:latin typeface="-apple-system"/>
+                <a:latin typeface="微软雅黑" panose="020B0503020204020204" pitchFamily="34" charset="-122"/>
+                <a:ea typeface="微软雅黑" panose="020B0503020204020204" pitchFamily="34" charset="-122"/>
               </a:rPr>
               <a:t>功能：把</a:t>
             </a:r>
@@ -7455,7 +9528,8 @@
                   <a:srgbClr val="1F2328"/>
                 </a:solidFill>
                 <a:effectLst/>
-                <a:latin typeface="-apple-system"/>
+                <a:latin typeface="微软雅黑" panose="020B0503020204020204" pitchFamily="34" charset="-122"/>
+                <a:ea typeface="微软雅黑" panose="020B0503020204020204" pitchFamily="34" charset="-122"/>
               </a:rPr>
               <a:t>C/C++</a:t>
             </a:r>
@@ -7465,7 +9539,8 @@
                   <a:srgbClr val="1F2328"/>
                 </a:solidFill>
                 <a:effectLst/>
-                <a:latin typeface="-apple-system"/>
+                <a:latin typeface="微软雅黑" panose="020B0503020204020204" pitchFamily="34" charset="-122"/>
+                <a:ea typeface="微软雅黑" panose="020B0503020204020204" pitchFamily="34" charset="-122"/>
               </a:rPr>
               <a:t>源文件包构建成</a:t>
             </a:r>
@@ -7475,7 +9550,8 @@
                   <a:srgbClr val="1F2328"/>
                 </a:solidFill>
                 <a:effectLst/>
-                <a:latin typeface="-apple-system"/>
+                <a:latin typeface="微软雅黑" panose="020B0503020204020204" pitchFamily="34" charset="-122"/>
+                <a:ea typeface="微软雅黑" panose="020B0503020204020204" pitchFamily="34" charset="-122"/>
               </a:rPr>
               <a:t>whole-program</a:t>
             </a:r>
@@ -7485,7 +9561,8 @@
                   <a:srgbClr val="1F2328"/>
                 </a:solidFill>
                 <a:effectLst/>
-                <a:latin typeface="-apple-system"/>
+                <a:latin typeface="微软雅黑" panose="020B0503020204020204" pitchFamily="34" charset="-122"/>
+                <a:ea typeface="微软雅黑" panose="020B0503020204020204" pitchFamily="34" charset="-122"/>
               </a:rPr>
               <a:t>的</a:t>
             </a:r>
@@ -7494,7 +9571,8 @@
                 <a:solidFill>
                   <a:srgbClr val="1F2328"/>
                 </a:solidFill>
-                <a:latin typeface="-apple-system"/>
+                <a:latin typeface="微软雅黑" panose="020B0503020204020204" pitchFamily="34" charset="-122"/>
+                <a:ea typeface="微软雅黑" panose="020B0503020204020204" pitchFamily="34" charset="-122"/>
               </a:rPr>
               <a:t>LLVM </a:t>
             </a:r>
@@ -7503,7 +9581,8 @@
                 <a:solidFill>
                   <a:srgbClr val="1F2328"/>
                 </a:solidFill>
-                <a:latin typeface="-apple-system"/>
+                <a:latin typeface="微软雅黑" panose="020B0503020204020204" pitchFamily="34" charset="-122"/>
+                <a:ea typeface="微软雅黑" panose="020B0503020204020204" pitchFamily="34" charset="-122"/>
               </a:rPr>
               <a:t>bitcode</a:t>
             </a:r>
@@ -7512,11 +9591,15 @@
                 <a:solidFill>
                   <a:srgbClr val="1F2328"/>
                 </a:solidFill>
-                <a:latin typeface="-apple-system"/>
+                <a:latin typeface="微软雅黑" panose="020B0503020204020204" pitchFamily="34" charset="-122"/>
+                <a:ea typeface="微软雅黑" panose="020B0503020204020204" pitchFamily="34" charset="-122"/>
               </a:rPr>
               <a:t>文件</a:t>
             </a:r>
-            <a:endParaRPr lang="zh-CN" altLang="en-US" dirty="0"/>
+            <a:endParaRPr lang="zh-CN" altLang="en-US" dirty="0">
+              <a:latin typeface="微软雅黑" panose="020B0503020204020204" pitchFamily="34" charset="-122"/>
+              <a:ea typeface="微软雅黑" panose="020B0503020204020204" pitchFamily="34" charset="-122"/>
+            </a:endParaRPr>
           </a:p>
         </p:txBody>
       </p:sp>
@@ -7561,7 +9644,8 @@
                   <a:srgbClr val="1F2328"/>
                 </a:solidFill>
                 <a:effectLst/>
-                <a:latin typeface="-apple-system"/>
+                <a:latin typeface="微软雅黑" panose="020B0503020204020204" pitchFamily="34" charset="-122"/>
+                <a:ea typeface="微软雅黑" panose="020B0503020204020204" pitchFamily="34" charset="-122"/>
               </a:rPr>
               <a:t>步骤</a:t>
             </a:r>
@@ -7571,7 +9655,8 @@
                   <a:srgbClr val="1F2328"/>
                 </a:solidFill>
                 <a:effectLst/>
-                <a:latin typeface="-apple-system"/>
+                <a:latin typeface="微软雅黑" panose="020B0503020204020204" pitchFamily="34" charset="-122"/>
+                <a:ea typeface="微软雅黑" panose="020B0503020204020204" pitchFamily="34" charset="-122"/>
               </a:rPr>
               <a:t>1</a:t>
             </a:r>
@@ -7581,7 +9666,8 @@
                   <a:srgbClr val="1F2328"/>
                 </a:solidFill>
                 <a:effectLst/>
-                <a:latin typeface="-apple-system"/>
+                <a:latin typeface="微软雅黑" panose="020B0503020204020204" pitchFamily="34" charset="-122"/>
+                <a:ea typeface="微软雅黑" panose="020B0503020204020204" pitchFamily="34" charset="-122"/>
               </a:rPr>
               <a:t>：调用</a:t>
             </a:r>
@@ -7591,7 +9677,8 @@
                   <a:srgbClr val="1F2328"/>
                 </a:solidFill>
                 <a:effectLst/>
-                <a:latin typeface="-apple-system"/>
+                <a:latin typeface="微软雅黑" panose="020B0503020204020204" pitchFamily="34" charset="-122"/>
+                <a:ea typeface="微软雅黑" panose="020B0503020204020204" pitchFamily="34" charset="-122"/>
               </a:rPr>
               <a:t>LLVM</a:t>
             </a:r>
@@ -7601,7 +9688,8 @@
                   <a:srgbClr val="1F2328"/>
                 </a:solidFill>
                 <a:effectLst/>
-                <a:latin typeface="-apple-system"/>
+                <a:latin typeface="微软雅黑" panose="020B0503020204020204" pitchFamily="34" charset="-122"/>
+                <a:ea typeface="微软雅黑" panose="020B0503020204020204" pitchFamily="34" charset="-122"/>
               </a:rPr>
               <a:t>编译器，生成目标文件</a:t>
             </a:r>
@@ -7611,7 +9699,8 @@
                   <a:srgbClr val="1F2328"/>
                 </a:solidFill>
                 <a:effectLst/>
-                <a:latin typeface="-apple-system"/>
+                <a:latin typeface="微软雅黑" panose="020B0503020204020204" pitchFamily="34" charset="-122"/>
+                <a:ea typeface="微软雅黑" panose="020B0503020204020204" pitchFamily="34" charset="-122"/>
               </a:rPr>
               <a:t>(.o)</a:t>
             </a:r>
@@ -7630,7 +9719,8 @@
                   <a:srgbClr val="1F2328"/>
                 </a:solidFill>
                 <a:effectLst/>
-                <a:latin typeface="-apple-system"/>
+                <a:latin typeface="微软雅黑" panose="020B0503020204020204" pitchFamily="34" charset="-122"/>
+                <a:ea typeface="微软雅黑" panose="020B0503020204020204" pitchFamily="34" charset="-122"/>
               </a:rPr>
               <a:t>步骤</a:t>
             </a:r>
@@ -7640,7 +9730,8 @@
                   <a:srgbClr val="1F2328"/>
                 </a:solidFill>
                 <a:effectLst/>
-                <a:latin typeface="-apple-system"/>
+                <a:latin typeface="微软雅黑" panose="020B0503020204020204" pitchFamily="34" charset="-122"/>
+                <a:ea typeface="微软雅黑" panose="020B0503020204020204" pitchFamily="34" charset="-122"/>
               </a:rPr>
               <a:t>2</a:t>
             </a:r>
@@ -7650,7 +9741,8 @@
                   <a:srgbClr val="1F2328"/>
                 </a:solidFill>
                 <a:effectLst/>
-                <a:latin typeface="-apple-system"/>
+                <a:latin typeface="微软雅黑" panose="020B0503020204020204" pitchFamily="34" charset="-122"/>
+                <a:ea typeface="微软雅黑" panose="020B0503020204020204" pitchFamily="34" charset="-122"/>
               </a:rPr>
               <a:t>：对于每一个目标文件，使用</a:t>
             </a:r>
@@ -7660,7 +9752,8 @@
                   <a:srgbClr val="1F2328"/>
                 </a:solidFill>
                 <a:effectLst/>
-                <a:latin typeface="-apple-system"/>
+                <a:latin typeface="微软雅黑" panose="020B0503020204020204" pitchFamily="34" charset="-122"/>
+                <a:ea typeface="微软雅黑" panose="020B0503020204020204" pitchFamily="34" charset="-122"/>
               </a:rPr>
               <a:t>wllvm</a:t>
             </a:r>
@@ -7670,7 +9763,8 @@
                   <a:srgbClr val="1F2328"/>
                 </a:solidFill>
                 <a:effectLst/>
-                <a:latin typeface="-apple-system"/>
+                <a:latin typeface="微软雅黑" panose="020B0503020204020204" pitchFamily="34" charset="-122"/>
+                <a:ea typeface="微软雅黑" panose="020B0503020204020204" pitchFamily="34" charset="-122"/>
               </a:rPr>
               <a:t>生成</a:t>
             </a:r>
@@ -7680,7 +9774,8 @@
                   <a:srgbClr val="1F2328"/>
                 </a:solidFill>
                 <a:effectLst/>
-                <a:latin typeface="-apple-system"/>
+                <a:latin typeface="微软雅黑" panose="020B0503020204020204" pitchFamily="34" charset="-122"/>
+                <a:ea typeface="微软雅黑" panose="020B0503020204020204" pitchFamily="34" charset="-122"/>
               </a:rPr>
               <a:t>LLVM </a:t>
             </a:r>
@@ -7690,7 +9785,8 @@
                   <a:srgbClr val="1F2328"/>
                 </a:solidFill>
                 <a:effectLst/>
-                <a:latin typeface="-apple-system"/>
+                <a:latin typeface="微软雅黑" panose="020B0503020204020204" pitchFamily="34" charset="-122"/>
+                <a:ea typeface="微软雅黑" panose="020B0503020204020204" pitchFamily="34" charset="-122"/>
               </a:rPr>
               <a:t>bitcode</a:t>
             </a:r>
@@ -7700,7 +9796,8 @@
                   <a:srgbClr val="1F2328"/>
                 </a:solidFill>
                 <a:effectLst/>
-                <a:latin typeface="-apple-system"/>
+                <a:latin typeface="微软雅黑" panose="020B0503020204020204" pitchFamily="34" charset="-122"/>
+                <a:ea typeface="微软雅黑" panose="020B0503020204020204" pitchFamily="34" charset="-122"/>
               </a:rPr>
               <a:t>文件</a:t>
             </a:r>
@@ -7710,7 +9807,8 @@
                   <a:srgbClr val="1F2328"/>
                 </a:solidFill>
                 <a:effectLst/>
-                <a:latin typeface="-apple-system"/>
+                <a:latin typeface="微软雅黑" panose="020B0503020204020204" pitchFamily="34" charset="-122"/>
+                <a:ea typeface="微软雅黑" panose="020B0503020204020204" pitchFamily="34" charset="-122"/>
               </a:rPr>
               <a:t>(</a:t>
             </a:r>
@@ -7719,7 +9817,8 @@
                 <a:solidFill>
                   <a:srgbClr val="1F2328"/>
                 </a:solidFill>
-                <a:latin typeface="-apple-system"/>
+                <a:latin typeface="微软雅黑" panose="020B0503020204020204" pitchFamily="34" charset="-122"/>
+                <a:ea typeface="微软雅黑" panose="020B0503020204020204" pitchFamily="34" charset="-122"/>
               </a:rPr>
               <a:t>.</a:t>
             </a:r>
@@ -7728,7 +9827,8 @@
                 <a:solidFill>
                   <a:srgbClr val="1F2328"/>
                 </a:solidFill>
-                <a:latin typeface="-apple-system"/>
+                <a:latin typeface="微软雅黑" panose="020B0503020204020204" pitchFamily="34" charset="-122"/>
+                <a:ea typeface="微软雅黑" panose="020B0503020204020204" pitchFamily="34" charset="-122"/>
               </a:rPr>
               <a:t>bc</a:t>
             </a:r>
@@ -7738,7 +9838,8 @@
                   <a:srgbClr val="1F2328"/>
                 </a:solidFill>
                 <a:effectLst/>
-                <a:latin typeface="-apple-system"/>
+                <a:latin typeface="微软雅黑" panose="020B0503020204020204" pitchFamily="34" charset="-122"/>
+                <a:ea typeface="微软雅黑" panose="020B0503020204020204" pitchFamily="34" charset="-122"/>
               </a:rPr>
               <a:t>) </a:t>
             </a:r>
@@ -7756,7 +9857,8 @@
                 <a:solidFill>
                   <a:srgbClr val="1F2328"/>
                 </a:solidFill>
-                <a:latin typeface="-apple-system"/>
+                <a:latin typeface="微软雅黑" panose="020B0503020204020204" pitchFamily="34" charset="-122"/>
+                <a:ea typeface="微软雅黑" panose="020B0503020204020204" pitchFamily="34" charset="-122"/>
               </a:rPr>
               <a:t>与此同时，把</a:t>
             </a:r>
@@ -7765,7 +9867,8 @@
                 <a:solidFill>
                   <a:srgbClr val="1F2328"/>
                 </a:solidFill>
-                <a:latin typeface="-apple-system"/>
+                <a:latin typeface="微软雅黑" panose="020B0503020204020204" pitchFamily="34" charset="-122"/>
+                <a:ea typeface="微软雅黑" panose="020B0503020204020204" pitchFamily="34" charset="-122"/>
               </a:rPr>
               <a:t>.</a:t>
             </a:r>
@@ -7774,7 +9877,8 @@
                 <a:solidFill>
                   <a:srgbClr val="1F2328"/>
                 </a:solidFill>
-                <a:latin typeface="-apple-system"/>
+                <a:latin typeface="微软雅黑" panose="020B0503020204020204" pitchFamily="34" charset="-122"/>
+                <a:ea typeface="微软雅黑" panose="020B0503020204020204" pitchFamily="34" charset="-122"/>
               </a:rPr>
               <a:t>bc</a:t>
             </a:r>
@@ -7783,7 +9887,8 @@
                 <a:solidFill>
                   <a:srgbClr val="1F2328"/>
                 </a:solidFill>
-                <a:latin typeface="-apple-system"/>
+                <a:latin typeface="微软雅黑" panose="020B0503020204020204" pitchFamily="34" charset="-122"/>
+                <a:ea typeface="微软雅黑" panose="020B0503020204020204" pitchFamily="34" charset="-122"/>
               </a:rPr>
               <a:t>文件的位置存储在</a:t>
             </a:r>
@@ -7792,7 +9897,8 @@
                 <a:solidFill>
                   <a:srgbClr val="1F2328"/>
                 </a:solidFill>
-                <a:latin typeface="-apple-system"/>
+                <a:latin typeface="微软雅黑" panose="020B0503020204020204" pitchFamily="34" charset="-122"/>
+                <a:ea typeface="微软雅黑" panose="020B0503020204020204" pitchFamily="34" charset="-122"/>
               </a:rPr>
               <a:t>.o</a:t>
             </a:r>
@@ -7801,7 +9907,8 @@
                 <a:solidFill>
                   <a:srgbClr val="1F2328"/>
                 </a:solidFill>
-                <a:latin typeface="-apple-system"/>
+                <a:latin typeface="微软雅黑" panose="020B0503020204020204" pitchFamily="34" charset="-122"/>
+                <a:ea typeface="微软雅黑" panose="020B0503020204020204" pitchFamily="34" charset="-122"/>
               </a:rPr>
               <a:t>文件的特定区域</a:t>
             </a:r>
@@ -7809,7 +9916,8 @@
               <a:solidFill>
                 <a:srgbClr val="1F2328"/>
               </a:solidFill>
-              <a:latin typeface="-apple-system"/>
+              <a:latin typeface="微软雅黑" panose="020B0503020204020204" pitchFamily="34" charset="-122"/>
+              <a:ea typeface="微软雅黑" panose="020B0503020204020204" pitchFamily="34" charset="-122"/>
             </a:endParaRPr>
           </a:p>
           <a:p>
@@ -7826,7 +9934,8 @@
                   <a:srgbClr val="1F2328"/>
                 </a:solidFill>
                 <a:effectLst/>
-                <a:latin typeface="-apple-system"/>
+                <a:latin typeface="微软雅黑" panose="020B0503020204020204" pitchFamily="34" charset="-122"/>
+                <a:ea typeface="微软雅黑" panose="020B0503020204020204" pitchFamily="34" charset="-122"/>
               </a:rPr>
               <a:t>当</a:t>
             </a:r>
@@ -7836,7 +9945,8 @@
                   <a:srgbClr val="1F2328"/>
                 </a:solidFill>
                 <a:effectLst/>
-                <a:latin typeface="-apple-system"/>
+                <a:latin typeface="微软雅黑" panose="020B0503020204020204" pitchFamily="34" charset="-122"/>
+                <a:ea typeface="微软雅黑" panose="020B0503020204020204" pitchFamily="34" charset="-122"/>
               </a:rPr>
               <a:t>.o</a:t>
             </a:r>
@@ -7846,7 +9956,8 @@
                   <a:srgbClr val="1F2328"/>
                 </a:solidFill>
                 <a:effectLst/>
-                <a:latin typeface="-apple-system"/>
+                <a:latin typeface="微软雅黑" panose="020B0503020204020204" pitchFamily="34" charset="-122"/>
+                <a:ea typeface="微软雅黑" panose="020B0503020204020204" pitchFamily="34" charset="-122"/>
               </a:rPr>
               <a:t>文件被连接在一起时，这些特定区域也会合并</a:t>
             </a:r>
@@ -7855,7 +9966,8 @@
                 <a:srgbClr val="1F2328"/>
               </a:solidFill>
               <a:effectLst/>
-              <a:latin typeface="-apple-system"/>
+              <a:latin typeface="微软雅黑" panose="020B0503020204020204" pitchFamily="34" charset="-122"/>
+              <a:ea typeface="微软雅黑" panose="020B0503020204020204" pitchFamily="34" charset="-122"/>
             </a:endParaRPr>
           </a:p>
           <a:p>
@@ -7871,7 +9983,8 @@
                 <a:solidFill>
                   <a:srgbClr val="1F2328"/>
                 </a:solidFill>
-                <a:latin typeface="-apple-system"/>
+                <a:latin typeface="微软雅黑" panose="020B0503020204020204" pitchFamily="34" charset="-122"/>
+                <a:ea typeface="微软雅黑" panose="020B0503020204020204" pitchFamily="34" charset="-122"/>
               </a:rPr>
               <a:t>步骤</a:t>
             </a:r>
@@ -7880,7 +9993,8 @@
                 <a:solidFill>
                   <a:srgbClr val="1F2328"/>
                 </a:solidFill>
-                <a:latin typeface="-apple-system"/>
+                <a:latin typeface="微软雅黑" panose="020B0503020204020204" pitchFamily="34" charset="-122"/>
+                <a:ea typeface="微软雅黑" panose="020B0503020204020204" pitchFamily="34" charset="-122"/>
               </a:rPr>
               <a:t>3</a:t>
             </a:r>
@@ -7889,7 +10003,8 @@
                 <a:solidFill>
                   <a:srgbClr val="1F2328"/>
                 </a:solidFill>
-                <a:latin typeface="-apple-system"/>
+                <a:latin typeface="微软雅黑" panose="020B0503020204020204" pitchFamily="34" charset="-122"/>
+                <a:ea typeface="微软雅黑" panose="020B0503020204020204" pitchFamily="34" charset="-122"/>
               </a:rPr>
               <a:t>：使用</a:t>
             </a:r>
@@ -7898,7 +10013,8 @@
                 <a:solidFill>
                   <a:srgbClr val="1F2328"/>
                 </a:solidFill>
-                <a:latin typeface="-apple-system"/>
+                <a:latin typeface="微软雅黑" panose="020B0503020204020204" pitchFamily="34" charset="-122"/>
+                <a:ea typeface="微软雅黑" panose="020B0503020204020204" pitchFamily="34" charset="-122"/>
               </a:rPr>
               <a:t>wllvm</a:t>
             </a:r>
@@ -7907,7 +10023,8 @@
                 <a:solidFill>
                   <a:srgbClr val="1F2328"/>
                 </a:solidFill>
-                <a:latin typeface="-apple-system"/>
+                <a:latin typeface="微软雅黑" panose="020B0503020204020204" pitchFamily="34" charset="-122"/>
+                <a:ea typeface="微软雅黑" panose="020B0503020204020204" pitchFamily="34" charset="-122"/>
               </a:rPr>
               <a:t>将合并后的</a:t>
             </a:r>
@@ -7916,7 +10033,8 @@
                 <a:solidFill>
                   <a:srgbClr val="1F2328"/>
                 </a:solidFill>
-                <a:latin typeface="-apple-system"/>
+                <a:latin typeface="微软雅黑" panose="020B0503020204020204" pitchFamily="34" charset="-122"/>
+                <a:ea typeface="微软雅黑" panose="020B0503020204020204" pitchFamily="34" charset="-122"/>
               </a:rPr>
               <a:t>.o</a:t>
             </a:r>
@@ -7925,7 +10043,8 @@
                 <a:solidFill>
                   <a:srgbClr val="1F2328"/>
                 </a:solidFill>
-                <a:latin typeface="-apple-system"/>
+                <a:latin typeface="微软雅黑" panose="020B0503020204020204" pitchFamily="34" charset="-122"/>
+                <a:ea typeface="微软雅黑" panose="020B0503020204020204" pitchFamily="34" charset="-122"/>
               </a:rPr>
               <a:t>转换成</a:t>
             </a:r>
@@ -7934,7 +10053,8 @@
                 <a:solidFill>
                   <a:srgbClr val="1F2328"/>
                 </a:solidFill>
-                <a:latin typeface="-apple-system"/>
+                <a:latin typeface="微软雅黑" panose="020B0503020204020204" pitchFamily="34" charset="-122"/>
+                <a:ea typeface="微软雅黑" panose="020B0503020204020204" pitchFamily="34" charset="-122"/>
               </a:rPr>
               <a:t>.</a:t>
             </a:r>
@@ -7943,11 +10063,15 @@
                 <a:solidFill>
                   <a:srgbClr val="1F2328"/>
                 </a:solidFill>
-                <a:latin typeface="-apple-system"/>
+                <a:latin typeface="微软雅黑" panose="020B0503020204020204" pitchFamily="34" charset="-122"/>
+                <a:ea typeface="微软雅黑" panose="020B0503020204020204" pitchFamily="34" charset="-122"/>
               </a:rPr>
               <a:t>bc</a:t>
             </a:r>
-            <a:endParaRPr lang="zh-CN" altLang="en-US" dirty="0"/>
+            <a:endParaRPr lang="zh-CN" altLang="en-US" dirty="0">
+              <a:latin typeface="微软雅黑" panose="020B0503020204020204" pitchFamily="34" charset="-122"/>
+              <a:ea typeface="微软雅黑" panose="020B0503020204020204" pitchFamily="34" charset="-122"/>
+            </a:endParaRPr>
           </a:p>
         </p:txBody>
       </p:sp>
@@ -7981,12 +10105,18 @@
           <a:p>
             <a:r>
               <a:rPr lang="en-US" altLang="zh-CN" sz="3200" b="1" dirty="0">
+                <a:solidFill>
+                  <a:srgbClr val="C00000"/>
+                </a:solidFill>
                 <a:latin typeface="黑体" panose="02010609060101010101" pitchFamily="49" charset="-122"/>
                 <a:ea typeface="黑体" panose="02010609060101010101" pitchFamily="49" charset="-122"/>
               </a:rPr>
               <a:t>WLLVM</a:t>
             </a:r>
             <a:endParaRPr lang="zh-CN" altLang="en-US" sz="3200" b="1" dirty="0">
+              <a:solidFill>
+                <a:srgbClr val="C00000"/>
+              </a:solidFill>
               <a:latin typeface="黑体" panose="02010609060101010101" pitchFamily="49" charset="-122"/>
               <a:ea typeface="黑体" panose="02010609060101010101" pitchFamily="49" charset="-122"/>
             </a:endParaRPr>
@@ -8006,7 +10136,7 @@
 </p:sld>
 </file>
 
-<file path=ppt/slides/slide6.xml><?xml version="1.0" encoding="utf-8"?>
+<file path=ppt/slides/slide7.xml><?xml version="1.0" encoding="utf-8"?>
 <p:sld xmlns:a="http://schemas.openxmlformats.org/drawingml/2006/main" xmlns:r="http://schemas.openxmlformats.org/officeDocument/2006/relationships" xmlns:p="http://schemas.openxmlformats.org/presentationml/2006/main">
   <p:cSld>
     <p:spTree>
@@ -8414,6 +10544,9 @@
           <a:p>
             <a:r>
               <a:rPr lang="en-US" altLang="zh-CN" sz="3200" b="1" dirty="0">
+                <a:solidFill>
+                  <a:srgbClr val="C00000"/>
+                </a:solidFill>
                 <a:latin typeface="黑体" panose="02010609060101010101" pitchFamily="49" charset="-122"/>
                 <a:ea typeface="黑体" panose="02010609060101010101" pitchFamily="49" charset="-122"/>
               </a:rPr>
@@ -8421,6 +10554,9 @@
             </a:r>
             <a:r>
               <a:rPr lang="zh-CN" altLang="en-US" sz="3200" b="1" dirty="0">
+                <a:solidFill>
+                  <a:srgbClr val="C00000"/>
+                </a:solidFill>
                 <a:latin typeface="黑体" panose="02010609060101010101" pitchFamily="49" charset="-122"/>
                 <a:ea typeface="黑体" panose="02010609060101010101" pitchFamily="49" charset="-122"/>
               </a:rPr>
@@ -8428,12 +10564,18 @@
             </a:r>
             <a:r>
               <a:rPr lang="en-US" altLang="zh-CN" sz="3200" b="1" dirty="0">
+                <a:solidFill>
+                  <a:srgbClr val="C00000"/>
+                </a:solidFill>
                 <a:latin typeface="黑体" panose="02010609060101010101" pitchFamily="49" charset="-122"/>
                 <a:ea typeface="黑体" panose="02010609060101010101" pitchFamily="49" charset="-122"/>
               </a:rPr>
               <a:t>Linux-5.4</a:t>
             </a:r>
             <a:endParaRPr lang="zh-CN" altLang="en-US" sz="3200" b="1" dirty="0">
+              <a:solidFill>
+                <a:srgbClr val="C00000"/>
+              </a:solidFill>
               <a:latin typeface="黑体" panose="02010609060101010101" pitchFamily="49" charset="-122"/>
               <a:ea typeface="黑体" panose="02010609060101010101" pitchFamily="49" charset="-122"/>
             </a:endParaRPr>
@@ -8483,7 +10625,7 @@
 </p:sld>
 </file>
 
-<file path=ppt/slides/slide7.xml><?xml version="1.0" encoding="utf-8"?>
+<file path=ppt/slides/slide8.xml><?xml version="1.0" encoding="utf-8"?>
 <p:sld xmlns:a="http://schemas.openxmlformats.org/drawingml/2006/main" xmlns:r="http://schemas.openxmlformats.org/officeDocument/2006/relationships" xmlns:p="http://schemas.openxmlformats.org/presentationml/2006/main">
   <p:cSld>
     <p:spTree>
@@ -8536,6 +10678,9 @@
           <a:p>
             <a:r>
               <a:rPr lang="zh-CN" altLang="en-US" sz="3200" b="1" dirty="0">
+                <a:solidFill>
+                  <a:srgbClr val="C00000"/>
+                </a:solidFill>
                 <a:latin typeface="黑体" panose="02010609060101010101" pitchFamily="49" charset="-122"/>
                 <a:ea typeface="黑体" panose="02010609060101010101" pitchFamily="49" charset="-122"/>
               </a:rPr>
@@ -8543,6 +10688,9 @@
             </a:r>
             <a:r>
               <a:rPr lang="en-US" altLang="zh-CN" sz="3200" b="1" dirty="0">
+                <a:solidFill>
+                  <a:srgbClr val="C00000"/>
+                </a:solidFill>
                 <a:latin typeface="黑体" panose="02010609060101010101" pitchFamily="49" charset="-122"/>
                 <a:ea typeface="黑体" panose="02010609060101010101" pitchFamily="49" charset="-122"/>
               </a:rPr>
@@ -8550,6 +10698,9 @@
             </a:r>
             <a:r>
               <a:rPr lang="en-US" altLang="zh-CN" sz="3200" b="1" dirty="0" err="1">
+                <a:solidFill>
+                  <a:srgbClr val="C00000"/>
+                </a:solidFill>
                 <a:latin typeface="黑体" panose="02010609060101010101" pitchFamily="49" charset="-122"/>
                 <a:ea typeface="黑体" panose="02010609060101010101" pitchFamily="49" charset="-122"/>
               </a:rPr>
@@ -8557,6 +10708,9 @@
             </a:r>
             <a:r>
               <a:rPr lang="zh-CN" altLang="en-US" sz="3200" b="1" dirty="0">
+                <a:solidFill>
+                  <a:srgbClr val="C00000"/>
+                </a:solidFill>
                 <a:latin typeface="黑体" panose="02010609060101010101" pitchFamily="49" charset="-122"/>
                 <a:ea typeface="黑体" panose="02010609060101010101" pitchFamily="49" charset="-122"/>
               </a:rPr>
@@ -8564,6 +10718,9 @@
             </a:r>
             <a:r>
               <a:rPr lang="en-US" altLang="zh-CN" sz="3200" b="1" dirty="0" err="1">
+                <a:solidFill>
+                  <a:srgbClr val="C00000"/>
+                </a:solidFill>
                 <a:latin typeface="黑体" panose="02010609060101010101" pitchFamily="49" charset="-122"/>
                 <a:ea typeface="黑体" panose="02010609060101010101" pitchFamily="49" charset="-122"/>
               </a:rPr>
@@ -8571,6 +10728,9 @@
             </a:r>
             <a:r>
               <a:rPr lang="zh-CN" altLang="en-US" sz="3200" b="1" dirty="0">
+                <a:solidFill>
+                  <a:srgbClr val="C00000"/>
+                </a:solidFill>
                 <a:latin typeface="黑体" panose="02010609060101010101" pitchFamily="49" charset="-122"/>
                 <a:ea typeface="黑体" panose="02010609060101010101" pitchFamily="49" charset="-122"/>
               </a:rPr>
@@ -8658,7 +10818,7 @@
 </p:sld>
 </file>
 
-<file path=ppt/slides/slide8.xml><?xml version="1.0" encoding="utf-8"?>
+<file path=ppt/slides/slide9.xml><?xml version="1.0" encoding="utf-8"?>
 <p:sld xmlns:a="http://schemas.openxmlformats.org/drawingml/2006/main" xmlns:r="http://schemas.openxmlformats.org/officeDocument/2006/relationships" xmlns:p="http://schemas.openxmlformats.org/presentationml/2006/main">
   <p:cSld>
     <p:spTree>
@@ -10724,1584 +12884,6 @@
 </p:sld>
 </file>
 
-<file path=ppt/slides/slide9.xml><?xml version="1.0" encoding="utf-8"?>
-<p:sld xmlns:a="http://schemas.openxmlformats.org/drawingml/2006/main" xmlns:r="http://schemas.openxmlformats.org/officeDocument/2006/relationships" xmlns:p="http://schemas.openxmlformats.org/presentationml/2006/main">
-  <p:cSld>
-    <p:spTree>
-      <p:nvGrpSpPr>
-        <p:cNvPr id="1" name="">
-          <a:extLst>
-            <a:ext uri="{FF2B5EF4-FFF2-40B4-BE49-F238E27FC236}">
-              <a16:creationId xmlns:a16="http://schemas.microsoft.com/office/drawing/2014/main" id="{2DAD449C-3793-DF79-E39A-D2E98624D385}"/>
-            </a:ext>
-          </a:extLst>
-        </p:cNvPr>
-        <p:cNvGrpSpPr/>
-        <p:nvPr/>
-      </p:nvGrpSpPr>
-      <p:grpSpPr>
-        <a:xfrm>
-          <a:off x="0" y="0"/>
-          <a:ext cx="0" cy="0"/>
-          <a:chOff x="0" y="0"/>
-          <a:chExt cx="0" cy="0"/>
-        </a:xfrm>
-      </p:grpSpPr>
-      <p:sp>
-        <p:nvSpPr>
-          <p:cNvPr id="2" name="文本框 1">
-            <a:extLst>
-              <a:ext uri="{FF2B5EF4-FFF2-40B4-BE49-F238E27FC236}">
-                <a16:creationId xmlns:a16="http://schemas.microsoft.com/office/drawing/2014/main" id="{9EC3D06F-59AB-A686-A9D4-BE7082989D94}"/>
-              </a:ext>
-            </a:extLst>
-          </p:cNvPr>
-          <p:cNvSpPr txBox="1"/>
-          <p:nvPr/>
-        </p:nvSpPr>
-        <p:spPr>
-          <a:xfrm>
-            <a:off x="744125" y="310974"/>
-            <a:ext cx="1008609" cy="584775"/>
-          </a:xfrm>
-          <a:prstGeom prst="rect">
-            <a:avLst/>
-          </a:prstGeom>
-          <a:noFill/>
-        </p:spPr>
-        <p:txBody>
-          <a:bodyPr wrap="none" rtlCol="0">
-            <a:spAutoFit/>
-          </a:bodyPr>
-          <a:lstStyle/>
-          <a:p>
-            <a:r>
-              <a:rPr lang="zh-CN" altLang="en-US" sz="3200" b="1" dirty="0">
-                <a:latin typeface="黑体" panose="02010609060101010101" pitchFamily="49" charset="-122"/>
-                <a:ea typeface="黑体" panose="02010609060101010101" pitchFamily="49" charset="-122"/>
-              </a:rPr>
-              <a:t>总结</a:t>
-            </a:r>
-          </a:p>
-        </p:txBody>
-      </p:sp>
-      <p:sp>
-        <p:nvSpPr>
-          <p:cNvPr id="3" name="矩形 2">
-            <a:extLst>
-              <a:ext uri="{FF2B5EF4-FFF2-40B4-BE49-F238E27FC236}">
-                <a16:creationId xmlns:a16="http://schemas.microsoft.com/office/drawing/2014/main" id="{ECE9352A-153B-68F7-FFA3-71704E1B2C3F}"/>
-              </a:ext>
-            </a:extLst>
-          </p:cNvPr>
-          <p:cNvSpPr/>
-          <p:nvPr/>
-        </p:nvSpPr>
-        <p:spPr>
-          <a:xfrm>
-            <a:off x="3192689" y="5261759"/>
-            <a:ext cx="1350405" cy="533401"/>
-          </a:xfrm>
-          <a:prstGeom prst="rect">
-            <a:avLst/>
-          </a:prstGeom>
-          <a:solidFill>
-            <a:schemeClr val="accent1"/>
-          </a:solidFill>
-          <a:ln>
-            <a:noFill/>
-          </a:ln>
-        </p:spPr>
-        <p:style>
-          <a:lnRef idx="2">
-            <a:schemeClr val="accent1">
-              <a:shade val="15000"/>
-            </a:schemeClr>
-          </a:lnRef>
-          <a:fillRef idx="1">
-            <a:schemeClr val="accent1"/>
-          </a:fillRef>
-          <a:effectRef idx="0">
-            <a:schemeClr val="accent1"/>
-          </a:effectRef>
-          <a:fontRef idx="minor">
-            <a:schemeClr val="lt1"/>
-          </a:fontRef>
-        </p:style>
-        <p:txBody>
-          <a:bodyPr rtlCol="0" anchor="ctr"/>
-          <a:lstStyle/>
-          <a:p>
-            <a:pPr algn="ctr"/>
-            <a:r>
-              <a:rPr lang="zh-CN" altLang="en-US" dirty="0">
-                <a:latin typeface="Times New Roman" panose="02020603050405020304" pitchFamily="18" charset="0"/>
-                <a:ea typeface="宋体" panose="02010600030101010101" pitchFamily="2" charset="-122"/>
-                <a:cs typeface="Times New Roman" panose="02020603050405020304" pitchFamily="18" charset="0"/>
-              </a:rPr>
-              <a:t>预处理</a:t>
-            </a:r>
-          </a:p>
-        </p:txBody>
-      </p:sp>
-      <p:sp>
-        <p:nvSpPr>
-          <p:cNvPr id="4" name="矩形 3">
-            <a:extLst>
-              <a:ext uri="{FF2B5EF4-FFF2-40B4-BE49-F238E27FC236}">
-                <a16:creationId xmlns:a16="http://schemas.microsoft.com/office/drawing/2014/main" id="{89528B78-E830-23A7-A3C9-BE46402BF774}"/>
-              </a:ext>
-            </a:extLst>
-          </p:cNvPr>
-          <p:cNvSpPr/>
-          <p:nvPr/>
-        </p:nvSpPr>
-        <p:spPr>
-          <a:xfrm>
-            <a:off x="4795941" y="5259611"/>
-            <a:ext cx="1350405" cy="533401"/>
-          </a:xfrm>
-          <a:prstGeom prst="rect">
-            <a:avLst/>
-          </a:prstGeom>
-          <a:solidFill>
-            <a:schemeClr val="accent1"/>
-          </a:solidFill>
-          <a:ln>
-            <a:noFill/>
-          </a:ln>
-        </p:spPr>
-        <p:style>
-          <a:lnRef idx="2">
-            <a:schemeClr val="accent1">
-              <a:shade val="15000"/>
-            </a:schemeClr>
-          </a:lnRef>
-          <a:fillRef idx="1">
-            <a:schemeClr val="accent1"/>
-          </a:fillRef>
-          <a:effectRef idx="0">
-            <a:schemeClr val="accent1"/>
-          </a:effectRef>
-          <a:fontRef idx="minor">
-            <a:schemeClr val="lt1"/>
-          </a:fontRef>
-        </p:style>
-        <p:txBody>
-          <a:bodyPr rtlCol="0" anchor="ctr"/>
-          <a:lstStyle/>
-          <a:p>
-            <a:pPr algn="ctr"/>
-            <a:r>
-              <a:rPr lang="zh-CN" altLang="en-US" dirty="0">
-                <a:latin typeface="Times New Roman" panose="02020603050405020304" pitchFamily="18" charset="0"/>
-                <a:ea typeface="宋体" panose="02010600030101010101" pitchFamily="2" charset="-122"/>
-                <a:cs typeface="Times New Roman" panose="02020603050405020304" pitchFamily="18" charset="0"/>
-              </a:rPr>
-              <a:t>词法分析</a:t>
-            </a:r>
-          </a:p>
-        </p:txBody>
-      </p:sp>
-      <p:sp>
-        <p:nvSpPr>
-          <p:cNvPr id="6" name="矩形 5">
-            <a:extLst>
-              <a:ext uri="{FF2B5EF4-FFF2-40B4-BE49-F238E27FC236}">
-                <a16:creationId xmlns:a16="http://schemas.microsoft.com/office/drawing/2014/main" id="{07C2FCC2-95B6-7FEC-ACC3-8618310F3C59}"/>
-              </a:ext>
-            </a:extLst>
-          </p:cNvPr>
-          <p:cNvSpPr/>
-          <p:nvPr/>
-        </p:nvSpPr>
-        <p:spPr>
-          <a:xfrm>
-            <a:off x="6399193" y="5259611"/>
-            <a:ext cx="1350405" cy="533401"/>
-          </a:xfrm>
-          <a:prstGeom prst="rect">
-            <a:avLst/>
-          </a:prstGeom>
-          <a:solidFill>
-            <a:schemeClr val="accent1"/>
-          </a:solidFill>
-          <a:ln>
-            <a:noFill/>
-          </a:ln>
-        </p:spPr>
-        <p:style>
-          <a:lnRef idx="2">
-            <a:schemeClr val="accent1">
-              <a:shade val="15000"/>
-            </a:schemeClr>
-          </a:lnRef>
-          <a:fillRef idx="1">
-            <a:schemeClr val="accent1"/>
-          </a:fillRef>
-          <a:effectRef idx="0">
-            <a:schemeClr val="accent1"/>
-          </a:effectRef>
-          <a:fontRef idx="minor">
-            <a:schemeClr val="lt1"/>
-          </a:fontRef>
-        </p:style>
-        <p:txBody>
-          <a:bodyPr rtlCol="0" anchor="ctr"/>
-          <a:lstStyle/>
-          <a:p>
-            <a:pPr algn="ctr"/>
-            <a:r>
-              <a:rPr lang="zh-CN" altLang="en-US" dirty="0">
-                <a:latin typeface="Times New Roman" panose="02020603050405020304" pitchFamily="18" charset="0"/>
-                <a:ea typeface="宋体" panose="02010600030101010101" pitchFamily="2" charset="-122"/>
-                <a:cs typeface="Times New Roman" panose="02020603050405020304" pitchFamily="18" charset="0"/>
-              </a:rPr>
-              <a:t>语法分析</a:t>
-            </a:r>
-          </a:p>
-        </p:txBody>
-      </p:sp>
-      <p:sp>
-        <p:nvSpPr>
-          <p:cNvPr id="7" name="矩形 6">
-            <a:extLst>
-              <a:ext uri="{FF2B5EF4-FFF2-40B4-BE49-F238E27FC236}">
-                <a16:creationId xmlns:a16="http://schemas.microsoft.com/office/drawing/2014/main" id="{DB49D7CA-458B-CEEF-E7E2-86E0F5803CEF}"/>
-              </a:ext>
-            </a:extLst>
-          </p:cNvPr>
-          <p:cNvSpPr/>
-          <p:nvPr/>
-        </p:nvSpPr>
-        <p:spPr>
-          <a:xfrm>
-            <a:off x="8002445" y="5259610"/>
-            <a:ext cx="1350405" cy="533401"/>
-          </a:xfrm>
-          <a:prstGeom prst="rect">
-            <a:avLst/>
-          </a:prstGeom>
-          <a:solidFill>
-            <a:schemeClr val="accent1"/>
-          </a:solidFill>
-          <a:ln>
-            <a:noFill/>
-          </a:ln>
-        </p:spPr>
-        <p:style>
-          <a:lnRef idx="2">
-            <a:schemeClr val="accent1">
-              <a:shade val="15000"/>
-            </a:schemeClr>
-          </a:lnRef>
-          <a:fillRef idx="1">
-            <a:schemeClr val="accent1"/>
-          </a:fillRef>
-          <a:effectRef idx="0">
-            <a:schemeClr val="accent1"/>
-          </a:effectRef>
-          <a:fontRef idx="minor">
-            <a:schemeClr val="lt1"/>
-          </a:fontRef>
-        </p:style>
-        <p:txBody>
-          <a:bodyPr rtlCol="0" anchor="ctr"/>
-          <a:lstStyle/>
-          <a:p>
-            <a:pPr algn="ctr"/>
-            <a:r>
-              <a:rPr lang="zh-CN" altLang="en-US" dirty="0">
-                <a:latin typeface="Times New Roman" panose="02020603050405020304" pitchFamily="18" charset="0"/>
-                <a:ea typeface="宋体" panose="02010600030101010101" pitchFamily="2" charset="-122"/>
-                <a:cs typeface="Times New Roman" panose="02020603050405020304" pitchFamily="18" charset="0"/>
-              </a:rPr>
-              <a:t>语义分析</a:t>
-            </a:r>
-          </a:p>
-        </p:txBody>
-      </p:sp>
-      <p:sp>
-        <p:nvSpPr>
-          <p:cNvPr id="9" name="文本框 8">
-            <a:extLst>
-              <a:ext uri="{FF2B5EF4-FFF2-40B4-BE49-F238E27FC236}">
-                <a16:creationId xmlns:a16="http://schemas.microsoft.com/office/drawing/2014/main" id="{4954CCAB-5B68-679B-AD1C-8031D039F45B}"/>
-              </a:ext>
-            </a:extLst>
-          </p:cNvPr>
-          <p:cNvSpPr txBox="1"/>
-          <p:nvPr/>
-        </p:nvSpPr>
-        <p:spPr>
-          <a:xfrm>
-            <a:off x="1011337" y="1383237"/>
-            <a:ext cx="10732958" cy="2543132"/>
-          </a:xfrm>
-          <a:prstGeom prst="rect">
-            <a:avLst/>
-          </a:prstGeom>
-          <a:noFill/>
-        </p:spPr>
-        <p:txBody>
-          <a:bodyPr wrap="square">
-            <a:spAutoFit/>
-          </a:bodyPr>
-          <a:lstStyle/>
-          <a:p>
-            <a:pPr marL="285750" indent="-285750">
-              <a:lnSpc>
-                <a:spcPct val="150000"/>
-              </a:lnSpc>
-              <a:buFont typeface="Arial" panose="020B0604020202020204" pitchFamily="34" charset="0"/>
-              <a:buChar char="•"/>
-            </a:pPr>
-            <a:r>
-              <a:rPr lang="zh-CN" altLang="en-US" dirty="0">
-                <a:solidFill>
-                  <a:schemeClr val="accent6"/>
-                </a:solidFill>
-                <a:latin typeface="-apple-system"/>
-              </a:rPr>
-              <a:t>表达式语句</a:t>
-            </a:r>
-            <a:r>
-              <a:rPr lang="en-US" altLang="zh-CN" dirty="0">
-                <a:solidFill>
-                  <a:schemeClr val="accent6"/>
-                </a:solidFill>
-                <a:latin typeface="-apple-system"/>
-              </a:rPr>
-              <a:t>(a=</a:t>
-            </a:r>
-            <a:r>
-              <a:rPr lang="en-US" altLang="zh-CN" dirty="0" err="1">
-                <a:solidFill>
-                  <a:schemeClr val="accent6"/>
-                </a:solidFill>
-                <a:latin typeface="-apple-system"/>
-              </a:rPr>
-              <a:t>b+c</a:t>
-            </a:r>
-            <a:r>
-              <a:rPr lang="en-US" altLang="zh-CN" dirty="0">
-                <a:solidFill>
-                  <a:schemeClr val="accent6"/>
-                </a:solidFill>
-                <a:latin typeface="-apple-system"/>
-              </a:rPr>
-              <a:t>)</a:t>
-            </a:r>
-            <a:endParaRPr lang="en-US" altLang="zh-CN" b="0" i="0" dirty="0">
-              <a:solidFill>
-                <a:schemeClr val="accent6"/>
-              </a:solidFill>
-              <a:effectLst/>
-              <a:latin typeface="-apple-system"/>
-            </a:endParaRPr>
-          </a:p>
-          <a:p>
-            <a:pPr marL="285750" indent="-285750">
-              <a:lnSpc>
-                <a:spcPct val="150000"/>
-              </a:lnSpc>
-              <a:buFont typeface="Arial" panose="020B0604020202020204" pitchFamily="34" charset="0"/>
-              <a:buChar char="•"/>
-            </a:pPr>
-            <a:r>
-              <a:rPr lang="zh-CN" altLang="en-US" dirty="0">
-                <a:solidFill>
-                  <a:schemeClr val="accent6"/>
-                </a:solidFill>
-                <a:latin typeface="-apple-system"/>
-              </a:rPr>
-              <a:t>选择语句</a:t>
-            </a:r>
-            <a:r>
-              <a:rPr lang="en-US" altLang="zh-CN" dirty="0">
-                <a:solidFill>
-                  <a:schemeClr val="accent6"/>
-                </a:solidFill>
-                <a:latin typeface="-apple-system"/>
-              </a:rPr>
-              <a:t>(if, if-else, switch-case)</a:t>
-            </a:r>
-          </a:p>
-          <a:p>
-            <a:pPr marL="285750" indent="-285750">
-              <a:lnSpc>
-                <a:spcPct val="150000"/>
-              </a:lnSpc>
-              <a:buFont typeface="Arial" panose="020B0604020202020204" pitchFamily="34" charset="0"/>
-              <a:buChar char="•"/>
-            </a:pPr>
-            <a:r>
-              <a:rPr lang="zh-CN" altLang="en-US" dirty="0">
-                <a:solidFill>
-                  <a:schemeClr val="accent6"/>
-                </a:solidFill>
-                <a:latin typeface="-apple-system"/>
-              </a:rPr>
-              <a:t>循环语句</a:t>
-            </a:r>
-            <a:r>
-              <a:rPr lang="en-US" altLang="zh-CN" dirty="0">
-                <a:solidFill>
-                  <a:schemeClr val="accent6"/>
-                </a:solidFill>
-                <a:latin typeface="-apple-system"/>
-              </a:rPr>
-              <a:t>(for, while, do-while)</a:t>
-            </a:r>
-          </a:p>
-          <a:p>
-            <a:pPr marL="285750" indent="-285750">
-              <a:lnSpc>
-                <a:spcPct val="150000"/>
-              </a:lnSpc>
-              <a:buFont typeface="Arial" panose="020B0604020202020204" pitchFamily="34" charset="0"/>
-              <a:buChar char="•"/>
-            </a:pPr>
-            <a:r>
-              <a:rPr lang="zh-CN" altLang="en-US" b="0" i="0" dirty="0">
-                <a:solidFill>
-                  <a:schemeClr val="accent6"/>
-                </a:solidFill>
-                <a:effectLst/>
-                <a:latin typeface="-apple-system"/>
-              </a:rPr>
-              <a:t>跳转语句</a:t>
-            </a:r>
-            <a:r>
-              <a:rPr lang="en-US" altLang="zh-CN" b="0" i="0" dirty="0">
-                <a:solidFill>
-                  <a:schemeClr val="accent6"/>
-                </a:solidFill>
-                <a:effectLst/>
-                <a:latin typeface="-apple-system"/>
-              </a:rPr>
-              <a:t>(break, continue, return, </a:t>
-            </a:r>
-            <a:r>
-              <a:rPr lang="en-US" altLang="zh-CN" b="0" i="0" dirty="0" err="1">
-                <a:solidFill>
-                  <a:schemeClr val="accent6"/>
-                </a:solidFill>
-                <a:effectLst/>
-                <a:latin typeface="-apple-system"/>
-              </a:rPr>
-              <a:t>goto</a:t>
-            </a:r>
-            <a:r>
-              <a:rPr lang="en-US" altLang="zh-CN" b="0" i="0" dirty="0">
-                <a:solidFill>
-                  <a:schemeClr val="accent6"/>
-                </a:solidFill>
-                <a:effectLst/>
-                <a:latin typeface="-apple-system"/>
-              </a:rPr>
-              <a:t>)</a:t>
-            </a:r>
-          </a:p>
-          <a:p>
-            <a:pPr marL="285750" indent="-285750">
-              <a:lnSpc>
-                <a:spcPct val="150000"/>
-              </a:lnSpc>
-              <a:buFont typeface="Arial" panose="020B0604020202020204" pitchFamily="34" charset="0"/>
-              <a:buChar char="•"/>
-            </a:pPr>
-            <a:r>
-              <a:rPr lang="zh-CN" altLang="en-US" dirty="0">
-                <a:solidFill>
-                  <a:srgbClr val="1F2328"/>
-                </a:solidFill>
-                <a:latin typeface="-apple-system"/>
-              </a:rPr>
-              <a:t>声明语句</a:t>
-            </a:r>
-            <a:r>
-              <a:rPr lang="en-US" altLang="zh-CN" dirty="0">
-                <a:solidFill>
-                  <a:srgbClr val="1F2328"/>
-                </a:solidFill>
-                <a:latin typeface="-apple-system"/>
-              </a:rPr>
-              <a:t>(int a, void function)</a:t>
-            </a:r>
-          </a:p>
-          <a:p>
-            <a:pPr marL="285750" indent="-285750">
-              <a:lnSpc>
-                <a:spcPct val="150000"/>
-              </a:lnSpc>
-              <a:buFont typeface="Arial" panose="020B0604020202020204" pitchFamily="34" charset="0"/>
-              <a:buChar char="•"/>
-            </a:pPr>
-            <a:r>
-              <a:rPr lang="zh-CN" altLang="en-US" b="0" i="0" dirty="0">
-                <a:solidFill>
-                  <a:schemeClr val="accent2"/>
-                </a:solidFill>
-                <a:effectLst/>
-                <a:latin typeface="-apple-system"/>
-              </a:rPr>
-              <a:t>预处理指令</a:t>
-            </a:r>
-            <a:r>
-              <a:rPr lang="en-US" altLang="zh-CN" b="0" i="0" dirty="0">
-                <a:solidFill>
-                  <a:schemeClr val="accent2"/>
-                </a:solidFill>
-                <a:effectLst/>
-                <a:latin typeface="-apple-system"/>
-              </a:rPr>
-              <a:t>(#define, #include)</a:t>
-            </a:r>
-            <a:endParaRPr lang="zh-CN" altLang="en-US" dirty="0">
-              <a:solidFill>
-                <a:schemeClr val="accent2"/>
-              </a:solidFill>
-            </a:endParaRPr>
-          </a:p>
-        </p:txBody>
-      </p:sp>
-      <p:sp>
-        <p:nvSpPr>
-          <p:cNvPr id="13" name="椭圆 12">
-            <a:extLst>
-              <a:ext uri="{FF2B5EF4-FFF2-40B4-BE49-F238E27FC236}">
-                <a16:creationId xmlns:a16="http://schemas.microsoft.com/office/drawing/2014/main" id="{E39B5FCC-C7D9-0149-31C1-9F3D8486769B}"/>
-              </a:ext>
-            </a:extLst>
-          </p:cNvPr>
-          <p:cNvSpPr/>
-          <p:nvPr/>
-        </p:nvSpPr>
-        <p:spPr>
-          <a:xfrm>
-            <a:off x="10028052" y="5259609"/>
-            <a:ext cx="1476189" cy="533401"/>
-          </a:xfrm>
-          <a:prstGeom prst="ellipse">
-            <a:avLst/>
-          </a:prstGeom>
-          <a:solidFill>
-            <a:schemeClr val="accent1"/>
-          </a:solidFill>
-          <a:ln>
-            <a:noFill/>
-          </a:ln>
-        </p:spPr>
-        <p:style>
-          <a:lnRef idx="2">
-            <a:schemeClr val="accent1">
-              <a:shade val="15000"/>
-            </a:schemeClr>
-          </a:lnRef>
-          <a:fillRef idx="1">
-            <a:schemeClr val="accent1"/>
-          </a:fillRef>
-          <a:effectRef idx="0">
-            <a:schemeClr val="accent1"/>
-          </a:effectRef>
-          <a:fontRef idx="minor">
-            <a:schemeClr val="lt1"/>
-          </a:fontRef>
-        </p:style>
-        <p:txBody>
-          <a:bodyPr rtlCol="0" anchor="ctr"/>
-          <a:lstStyle/>
-          <a:p>
-            <a:pPr algn="ctr"/>
-            <a:r>
-              <a:rPr lang="en-US" altLang="zh-CN" dirty="0"/>
-              <a:t>LLVM IR</a:t>
-            </a:r>
-            <a:endParaRPr lang="zh-CN" altLang="en-US" dirty="0"/>
-          </a:p>
-        </p:txBody>
-      </p:sp>
-      <p:sp>
-        <p:nvSpPr>
-          <p:cNvPr id="14" name="椭圆 13">
-            <a:extLst>
-              <a:ext uri="{FF2B5EF4-FFF2-40B4-BE49-F238E27FC236}">
-                <a16:creationId xmlns:a16="http://schemas.microsoft.com/office/drawing/2014/main" id="{ECFF1242-C7CF-C888-56A0-6D31859DC592}"/>
-              </a:ext>
-            </a:extLst>
-          </p:cNvPr>
-          <p:cNvSpPr/>
-          <p:nvPr/>
-        </p:nvSpPr>
-        <p:spPr>
-          <a:xfrm>
-            <a:off x="758729" y="5259610"/>
-            <a:ext cx="1758758" cy="533401"/>
-          </a:xfrm>
-          <a:prstGeom prst="ellipse">
-            <a:avLst/>
-          </a:prstGeom>
-          <a:solidFill>
-            <a:schemeClr val="accent1"/>
-          </a:solidFill>
-          <a:ln>
-            <a:noFill/>
-          </a:ln>
-        </p:spPr>
-        <p:style>
-          <a:lnRef idx="2">
-            <a:schemeClr val="accent1">
-              <a:shade val="15000"/>
-            </a:schemeClr>
-          </a:lnRef>
-          <a:fillRef idx="1">
-            <a:schemeClr val="accent1"/>
-          </a:fillRef>
-          <a:effectRef idx="0">
-            <a:schemeClr val="accent1"/>
-          </a:effectRef>
-          <a:fontRef idx="minor">
-            <a:schemeClr val="lt1"/>
-          </a:fontRef>
-        </p:style>
-        <p:txBody>
-          <a:bodyPr rtlCol="0" anchor="ctr"/>
-          <a:lstStyle/>
-          <a:p>
-            <a:pPr algn="ctr"/>
-            <a:r>
-              <a:rPr lang="en-US" altLang="zh-CN" dirty="0"/>
-              <a:t>C</a:t>
-            </a:r>
-            <a:r>
-              <a:rPr lang="zh-CN" altLang="en-US" dirty="0"/>
-              <a:t>语言程序</a:t>
-            </a:r>
-          </a:p>
-        </p:txBody>
-      </p:sp>
-      <p:cxnSp>
-        <p:nvCxnSpPr>
-          <p:cNvPr id="16" name="直接箭头连接符 15">
-            <a:extLst>
-              <a:ext uri="{FF2B5EF4-FFF2-40B4-BE49-F238E27FC236}">
-                <a16:creationId xmlns:a16="http://schemas.microsoft.com/office/drawing/2014/main" id="{180A437F-7EC6-B494-8599-E4DDF3906166}"/>
-              </a:ext>
-            </a:extLst>
-          </p:cNvPr>
-          <p:cNvCxnSpPr>
-            <a:stCxn id="3" idx="3"/>
-            <a:endCxn id="4" idx="1"/>
-          </p:cNvCxnSpPr>
-          <p:nvPr/>
-        </p:nvCxnSpPr>
-        <p:spPr>
-          <a:xfrm flipV="1">
-            <a:off x="4543094" y="5526312"/>
-            <a:ext cx="252847" cy="2148"/>
-          </a:xfrm>
-          <a:prstGeom prst="straightConnector1">
-            <a:avLst/>
-          </a:prstGeom>
-          <a:ln w="12700">
-            <a:tailEnd type="triangle"/>
-          </a:ln>
-        </p:spPr>
-        <p:style>
-          <a:lnRef idx="1">
-            <a:schemeClr val="accent1"/>
-          </a:lnRef>
-          <a:fillRef idx="0">
-            <a:schemeClr val="accent1"/>
-          </a:fillRef>
-          <a:effectRef idx="0">
-            <a:schemeClr val="accent1"/>
-          </a:effectRef>
-          <a:fontRef idx="minor">
-            <a:schemeClr val="tx1"/>
-          </a:fontRef>
-        </p:style>
-      </p:cxnSp>
-      <p:cxnSp>
-        <p:nvCxnSpPr>
-          <p:cNvPr id="17" name="直接箭头连接符 16">
-            <a:extLst>
-              <a:ext uri="{FF2B5EF4-FFF2-40B4-BE49-F238E27FC236}">
-                <a16:creationId xmlns:a16="http://schemas.microsoft.com/office/drawing/2014/main" id="{A5F4FB2E-9DE2-B73E-FDA3-4F836A3BEE69}"/>
-              </a:ext>
-            </a:extLst>
-          </p:cNvPr>
-          <p:cNvCxnSpPr>
-            <a:cxnSpLocks/>
-            <a:stCxn id="4" idx="3"/>
-            <a:endCxn id="6" idx="1"/>
-          </p:cNvCxnSpPr>
-          <p:nvPr/>
-        </p:nvCxnSpPr>
-        <p:spPr>
-          <a:xfrm>
-            <a:off x="6146346" y="5526312"/>
-            <a:ext cx="252847" cy="0"/>
-          </a:xfrm>
-          <a:prstGeom prst="straightConnector1">
-            <a:avLst/>
-          </a:prstGeom>
-          <a:ln w="12700">
-            <a:tailEnd type="triangle"/>
-          </a:ln>
-        </p:spPr>
-        <p:style>
-          <a:lnRef idx="1">
-            <a:schemeClr val="accent1"/>
-          </a:lnRef>
-          <a:fillRef idx="0">
-            <a:schemeClr val="accent1"/>
-          </a:fillRef>
-          <a:effectRef idx="0">
-            <a:schemeClr val="accent1"/>
-          </a:effectRef>
-          <a:fontRef idx="minor">
-            <a:schemeClr val="tx1"/>
-          </a:fontRef>
-        </p:style>
-      </p:cxnSp>
-      <p:cxnSp>
-        <p:nvCxnSpPr>
-          <p:cNvPr id="20" name="直接箭头连接符 19">
-            <a:extLst>
-              <a:ext uri="{FF2B5EF4-FFF2-40B4-BE49-F238E27FC236}">
-                <a16:creationId xmlns:a16="http://schemas.microsoft.com/office/drawing/2014/main" id="{A52F7BAD-E1C3-037F-16E8-FD57F482C323}"/>
-              </a:ext>
-            </a:extLst>
-          </p:cNvPr>
-          <p:cNvCxnSpPr>
-            <a:cxnSpLocks/>
-          </p:cNvCxnSpPr>
-          <p:nvPr/>
-        </p:nvCxnSpPr>
-        <p:spPr>
-          <a:xfrm>
-            <a:off x="7749598" y="5526312"/>
-            <a:ext cx="252847" cy="0"/>
-          </a:xfrm>
-          <a:prstGeom prst="straightConnector1">
-            <a:avLst/>
-          </a:prstGeom>
-          <a:ln w="12700">
-            <a:tailEnd type="triangle"/>
-          </a:ln>
-        </p:spPr>
-        <p:style>
-          <a:lnRef idx="1">
-            <a:schemeClr val="accent1"/>
-          </a:lnRef>
-          <a:fillRef idx="0">
-            <a:schemeClr val="accent1"/>
-          </a:fillRef>
-          <a:effectRef idx="0">
-            <a:schemeClr val="accent1"/>
-          </a:effectRef>
-          <a:fontRef idx="minor">
-            <a:schemeClr val="tx1"/>
-          </a:fontRef>
-        </p:style>
-      </p:cxnSp>
-      <p:cxnSp>
-        <p:nvCxnSpPr>
-          <p:cNvPr id="21" name="直接箭头连接符 20">
-            <a:extLst>
-              <a:ext uri="{FF2B5EF4-FFF2-40B4-BE49-F238E27FC236}">
-                <a16:creationId xmlns:a16="http://schemas.microsoft.com/office/drawing/2014/main" id="{6E90A267-464A-2FD0-972C-57861B871DB4}"/>
-              </a:ext>
-            </a:extLst>
-          </p:cNvPr>
-          <p:cNvCxnSpPr>
-            <a:cxnSpLocks/>
-            <a:stCxn id="7" idx="3"/>
-            <a:endCxn id="13" idx="2"/>
-          </p:cNvCxnSpPr>
-          <p:nvPr/>
-        </p:nvCxnSpPr>
-        <p:spPr>
-          <a:xfrm flipV="1">
-            <a:off x="9352850" y="5526310"/>
-            <a:ext cx="675202" cy="1"/>
-          </a:xfrm>
-          <a:prstGeom prst="straightConnector1">
-            <a:avLst/>
-          </a:prstGeom>
-          <a:ln w="12700">
-            <a:tailEnd type="triangle"/>
-          </a:ln>
-        </p:spPr>
-        <p:style>
-          <a:lnRef idx="1">
-            <a:schemeClr val="accent1"/>
-          </a:lnRef>
-          <a:fillRef idx="0">
-            <a:schemeClr val="accent1"/>
-          </a:fillRef>
-          <a:effectRef idx="0">
-            <a:schemeClr val="accent1"/>
-          </a:effectRef>
-          <a:fontRef idx="minor">
-            <a:schemeClr val="tx1"/>
-          </a:fontRef>
-        </p:style>
-      </p:cxnSp>
-      <p:cxnSp>
-        <p:nvCxnSpPr>
-          <p:cNvPr id="24" name="直接箭头连接符 23">
-            <a:extLst>
-              <a:ext uri="{FF2B5EF4-FFF2-40B4-BE49-F238E27FC236}">
-                <a16:creationId xmlns:a16="http://schemas.microsoft.com/office/drawing/2014/main" id="{E7EF60A8-10C8-068A-0728-8EF2172B5635}"/>
-              </a:ext>
-            </a:extLst>
-          </p:cNvPr>
-          <p:cNvCxnSpPr>
-            <a:cxnSpLocks/>
-            <a:stCxn id="14" idx="6"/>
-            <a:endCxn id="3" idx="1"/>
-          </p:cNvCxnSpPr>
-          <p:nvPr/>
-        </p:nvCxnSpPr>
-        <p:spPr>
-          <a:xfrm>
-            <a:off x="2517487" y="5526311"/>
-            <a:ext cx="675202" cy="2149"/>
-          </a:xfrm>
-          <a:prstGeom prst="straightConnector1">
-            <a:avLst/>
-          </a:prstGeom>
-          <a:ln w="12700">
-            <a:tailEnd type="triangle"/>
-          </a:ln>
-        </p:spPr>
-        <p:style>
-          <a:lnRef idx="1">
-            <a:schemeClr val="accent1"/>
-          </a:lnRef>
-          <a:fillRef idx="0">
-            <a:schemeClr val="accent1"/>
-          </a:fillRef>
-          <a:effectRef idx="0">
-            <a:schemeClr val="accent1"/>
-          </a:effectRef>
-          <a:fontRef idx="minor">
-            <a:schemeClr val="tx1"/>
-          </a:fontRef>
-        </p:style>
-      </p:cxnSp>
-      <p:sp>
-        <p:nvSpPr>
-          <p:cNvPr id="27" name="文本框 26">
-            <a:extLst>
-              <a:ext uri="{FF2B5EF4-FFF2-40B4-BE49-F238E27FC236}">
-                <a16:creationId xmlns:a16="http://schemas.microsoft.com/office/drawing/2014/main" id="{29CD040C-9DD7-9EC6-7C09-1818425F25A5}"/>
-              </a:ext>
-            </a:extLst>
-          </p:cNvPr>
-          <p:cNvSpPr txBox="1"/>
-          <p:nvPr/>
-        </p:nvSpPr>
-        <p:spPr>
-          <a:xfrm>
-            <a:off x="744125" y="4251614"/>
-            <a:ext cx="10732958" cy="465448"/>
-          </a:xfrm>
-          <a:prstGeom prst="rect">
-            <a:avLst/>
-          </a:prstGeom>
-          <a:noFill/>
-        </p:spPr>
-        <p:txBody>
-          <a:bodyPr wrap="square">
-            <a:spAutoFit/>
-          </a:bodyPr>
-          <a:lstStyle/>
-          <a:p>
-            <a:pPr marL="285750" indent="-285750">
-              <a:lnSpc>
-                <a:spcPct val="150000"/>
-              </a:lnSpc>
-              <a:buFontTx/>
-              <a:buChar char="−"/>
-            </a:pPr>
-            <a:r>
-              <a:rPr lang="en-US" altLang="zh-CN" dirty="0">
-                <a:solidFill>
-                  <a:srgbClr val="1F2328"/>
-                </a:solidFill>
-                <a:latin typeface="-apple-system"/>
-              </a:rPr>
-              <a:t>LLVM</a:t>
-            </a:r>
-            <a:r>
-              <a:rPr lang="zh-CN" altLang="en-US" dirty="0">
-                <a:solidFill>
-                  <a:srgbClr val="1F2328"/>
-                </a:solidFill>
-                <a:latin typeface="-apple-system"/>
-              </a:rPr>
-              <a:t>前端</a:t>
-            </a:r>
-            <a:endParaRPr lang="zh-CN" altLang="en-US" dirty="0"/>
-          </a:p>
-        </p:txBody>
-      </p:sp>
-      <p:sp>
-        <p:nvSpPr>
-          <p:cNvPr id="28" name="右大括号 27">
-            <a:extLst>
-              <a:ext uri="{FF2B5EF4-FFF2-40B4-BE49-F238E27FC236}">
-                <a16:creationId xmlns:a16="http://schemas.microsoft.com/office/drawing/2014/main" id="{4187D7D0-4417-FAE9-E447-E883F3FD6B14}"/>
-              </a:ext>
-            </a:extLst>
-          </p:cNvPr>
-          <p:cNvSpPr/>
-          <p:nvPr/>
-        </p:nvSpPr>
-        <p:spPr>
-          <a:xfrm rot="16200000">
-            <a:off x="6064943" y="1833778"/>
-            <a:ext cx="463299" cy="6112514"/>
-          </a:xfrm>
-          <a:prstGeom prst="rightBrace">
-            <a:avLst/>
-          </a:prstGeom>
-          <a:ln w="19050"/>
-        </p:spPr>
-        <p:style>
-          <a:lnRef idx="1">
-            <a:schemeClr val="accent1"/>
-          </a:lnRef>
-          <a:fillRef idx="0">
-            <a:schemeClr val="accent1"/>
-          </a:fillRef>
-          <a:effectRef idx="0">
-            <a:schemeClr val="accent1"/>
-          </a:effectRef>
-          <a:fontRef idx="minor">
-            <a:schemeClr val="tx1"/>
-          </a:fontRef>
-        </p:style>
-        <p:txBody>
-          <a:bodyPr rtlCol="0" anchor="ctr"/>
-          <a:lstStyle/>
-          <a:p>
-            <a:pPr algn="ctr"/>
-            <a:endParaRPr lang="zh-CN" altLang="en-US"/>
-          </a:p>
-        </p:txBody>
-      </p:sp>
-      <p:sp>
-        <p:nvSpPr>
-          <p:cNvPr id="30" name="文本框 29">
-            <a:extLst>
-              <a:ext uri="{FF2B5EF4-FFF2-40B4-BE49-F238E27FC236}">
-                <a16:creationId xmlns:a16="http://schemas.microsoft.com/office/drawing/2014/main" id="{78B5561A-36F7-E9C6-7843-E911C1B41A75}"/>
-              </a:ext>
-            </a:extLst>
-          </p:cNvPr>
-          <p:cNvSpPr txBox="1"/>
-          <p:nvPr/>
-        </p:nvSpPr>
-        <p:spPr>
-          <a:xfrm>
-            <a:off x="3256850" y="4251614"/>
-            <a:ext cx="6096000" cy="369332"/>
-          </a:xfrm>
-          <a:prstGeom prst="rect">
-            <a:avLst/>
-          </a:prstGeom>
-          <a:noFill/>
-        </p:spPr>
-        <p:txBody>
-          <a:bodyPr wrap="square">
-            <a:spAutoFit/>
-          </a:bodyPr>
-          <a:lstStyle/>
-          <a:p>
-            <a:pPr algn="ctr"/>
-            <a:r>
-              <a:rPr lang="en-US" altLang="zh-CN" dirty="0">
-                <a:latin typeface="Times New Roman" panose="02020603050405020304" pitchFamily="18" charset="0"/>
-                <a:ea typeface="宋体" panose="02010600030101010101" pitchFamily="2" charset="-122"/>
-                <a:cs typeface="Times New Roman" panose="02020603050405020304" pitchFamily="18" charset="0"/>
-              </a:rPr>
-              <a:t>clang</a:t>
-            </a:r>
-            <a:endParaRPr lang="zh-CN" altLang="en-US" dirty="0">
-              <a:latin typeface="Times New Roman" panose="02020603050405020304" pitchFamily="18" charset="0"/>
-              <a:ea typeface="宋体" panose="02010600030101010101" pitchFamily="2" charset="-122"/>
-              <a:cs typeface="Times New Roman" panose="02020603050405020304" pitchFamily="18" charset="0"/>
-            </a:endParaRPr>
-          </a:p>
-        </p:txBody>
-      </p:sp>
-    </p:spTree>
-    <p:extLst>
-      <p:ext uri="{BB962C8B-B14F-4D97-AF65-F5344CB8AC3E}">
-        <p14:creationId xmlns:p14="http://schemas.microsoft.com/office/powerpoint/2010/main" val="2474167899"/>
-      </p:ext>
-    </p:extLst>
-  </p:cSld>
-  <p:clrMapOvr>
-    <a:masterClrMapping/>
-  </p:clrMapOvr>
-  <p:timing>
-    <p:tnLst>
-      <p:par>
-        <p:cTn id="1" dur="indefinite" restart="never" nodeType="tmRoot">
-          <p:childTnLst>
-            <p:seq concurrent="1" nextAc="seek">
-              <p:cTn id="2" dur="indefinite" nodeType="mainSeq">
-                <p:childTnLst>
-                  <p:par>
-                    <p:cTn id="3" fill="hold">
-                      <p:stCondLst>
-                        <p:cond delay="indefinite"/>
-                      </p:stCondLst>
-                      <p:childTnLst>
-                        <p:par>
-                          <p:cTn id="4" fill="hold">
-                            <p:stCondLst>
-                              <p:cond delay="0"/>
-                            </p:stCondLst>
-                            <p:childTnLst>
-                              <p:par>
-                                <p:cTn id="5" presetID="10" presetClass="entr" presetSubtype="0" fill="hold" grpId="0" nodeType="clickEffect">
-                                  <p:stCondLst>
-                                    <p:cond delay="0"/>
-                                  </p:stCondLst>
-                                  <p:childTnLst>
-                                    <p:set>
-                                      <p:cBhvr>
-                                        <p:cTn id="6" dur="1" fill="hold">
-                                          <p:stCondLst>
-                                            <p:cond delay="0"/>
-                                          </p:stCondLst>
-                                        </p:cTn>
-                                        <p:tgtEl>
-                                          <p:spTgt spid="3"/>
-                                        </p:tgtEl>
-                                        <p:attrNameLst>
-                                          <p:attrName>style.visibility</p:attrName>
-                                        </p:attrNameLst>
-                                      </p:cBhvr>
-                                      <p:to>
-                                        <p:strVal val="visible"/>
-                                      </p:to>
-                                    </p:set>
-                                    <p:animEffect transition="in" filter="fade">
-                                      <p:cBhvr>
-                                        <p:cTn id="7" dur="500"/>
-                                        <p:tgtEl>
-                                          <p:spTgt spid="3"/>
-                                        </p:tgtEl>
-                                      </p:cBhvr>
-                                    </p:animEffect>
-                                  </p:childTnLst>
-                                </p:cTn>
-                              </p:par>
-                              <p:par>
-                                <p:cTn id="8" presetID="10" presetClass="entr" presetSubtype="0" fill="hold" grpId="0" nodeType="withEffect">
-                                  <p:stCondLst>
-                                    <p:cond delay="0"/>
-                                  </p:stCondLst>
-                                  <p:childTnLst>
-                                    <p:set>
-                                      <p:cBhvr>
-                                        <p:cTn id="9" dur="1" fill="hold">
-                                          <p:stCondLst>
-                                            <p:cond delay="0"/>
-                                          </p:stCondLst>
-                                        </p:cTn>
-                                        <p:tgtEl>
-                                          <p:spTgt spid="4"/>
-                                        </p:tgtEl>
-                                        <p:attrNameLst>
-                                          <p:attrName>style.visibility</p:attrName>
-                                        </p:attrNameLst>
-                                      </p:cBhvr>
-                                      <p:to>
-                                        <p:strVal val="visible"/>
-                                      </p:to>
-                                    </p:set>
-                                    <p:animEffect transition="in" filter="fade">
-                                      <p:cBhvr>
-                                        <p:cTn id="10" dur="500"/>
-                                        <p:tgtEl>
-                                          <p:spTgt spid="4"/>
-                                        </p:tgtEl>
-                                      </p:cBhvr>
-                                    </p:animEffect>
-                                  </p:childTnLst>
-                                </p:cTn>
-                              </p:par>
-                              <p:par>
-                                <p:cTn id="11" presetID="10" presetClass="entr" presetSubtype="0" fill="hold" grpId="0" nodeType="withEffect">
-                                  <p:stCondLst>
-                                    <p:cond delay="0"/>
-                                  </p:stCondLst>
-                                  <p:childTnLst>
-                                    <p:set>
-                                      <p:cBhvr>
-                                        <p:cTn id="12" dur="1" fill="hold">
-                                          <p:stCondLst>
-                                            <p:cond delay="0"/>
-                                          </p:stCondLst>
-                                        </p:cTn>
-                                        <p:tgtEl>
-                                          <p:spTgt spid="6"/>
-                                        </p:tgtEl>
-                                        <p:attrNameLst>
-                                          <p:attrName>style.visibility</p:attrName>
-                                        </p:attrNameLst>
-                                      </p:cBhvr>
-                                      <p:to>
-                                        <p:strVal val="visible"/>
-                                      </p:to>
-                                    </p:set>
-                                    <p:animEffect transition="in" filter="fade">
-                                      <p:cBhvr>
-                                        <p:cTn id="13" dur="500"/>
-                                        <p:tgtEl>
-                                          <p:spTgt spid="6"/>
-                                        </p:tgtEl>
-                                      </p:cBhvr>
-                                    </p:animEffect>
-                                  </p:childTnLst>
-                                </p:cTn>
-                              </p:par>
-                              <p:par>
-                                <p:cTn id="14" presetID="10" presetClass="entr" presetSubtype="0" fill="hold" grpId="0" nodeType="withEffect">
-                                  <p:stCondLst>
-                                    <p:cond delay="0"/>
-                                  </p:stCondLst>
-                                  <p:childTnLst>
-                                    <p:set>
-                                      <p:cBhvr>
-                                        <p:cTn id="15" dur="1" fill="hold">
-                                          <p:stCondLst>
-                                            <p:cond delay="0"/>
-                                          </p:stCondLst>
-                                        </p:cTn>
-                                        <p:tgtEl>
-                                          <p:spTgt spid="7"/>
-                                        </p:tgtEl>
-                                        <p:attrNameLst>
-                                          <p:attrName>style.visibility</p:attrName>
-                                        </p:attrNameLst>
-                                      </p:cBhvr>
-                                      <p:to>
-                                        <p:strVal val="visible"/>
-                                      </p:to>
-                                    </p:set>
-                                    <p:animEffect transition="in" filter="fade">
-                                      <p:cBhvr>
-                                        <p:cTn id="16" dur="500"/>
-                                        <p:tgtEl>
-                                          <p:spTgt spid="7"/>
-                                        </p:tgtEl>
-                                      </p:cBhvr>
-                                    </p:animEffect>
-                                  </p:childTnLst>
-                                </p:cTn>
-                              </p:par>
-                              <p:par>
-                                <p:cTn id="17" presetID="10" presetClass="entr" presetSubtype="0" fill="hold" grpId="0" nodeType="withEffect">
-                                  <p:stCondLst>
-                                    <p:cond delay="0"/>
-                                  </p:stCondLst>
-                                  <p:childTnLst>
-                                    <p:set>
-                                      <p:cBhvr>
-                                        <p:cTn id="18" dur="1" fill="hold">
-                                          <p:stCondLst>
-                                            <p:cond delay="0"/>
-                                          </p:stCondLst>
-                                        </p:cTn>
-                                        <p:tgtEl>
-                                          <p:spTgt spid="13"/>
-                                        </p:tgtEl>
-                                        <p:attrNameLst>
-                                          <p:attrName>style.visibility</p:attrName>
-                                        </p:attrNameLst>
-                                      </p:cBhvr>
-                                      <p:to>
-                                        <p:strVal val="visible"/>
-                                      </p:to>
-                                    </p:set>
-                                    <p:animEffect transition="in" filter="fade">
-                                      <p:cBhvr>
-                                        <p:cTn id="19" dur="500"/>
-                                        <p:tgtEl>
-                                          <p:spTgt spid="13"/>
-                                        </p:tgtEl>
-                                      </p:cBhvr>
-                                    </p:animEffect>
-                                  </p:childTnLst>
-                                </p:cTn>
-                              </p:par>
-                              <p:par>
-                                <p:cTn id="20" presetID="10" presetClass="entr" presetSubtype="0" fill="hold" grpId="0" nodeType="withEffect">
-                                  <p:stCondLst>
-                                    <p:cond delay="0"/>
-                                  </p:stCondLst>
-                                  <p:childTnLst>
-                                    <p:set>
-                                      <p:cBhvr>
-                                        <p:cTn id="21" dur="1" fill="hold">
-                                          <p:stCondLst>
-                                            <p:cond delay="0"/>
-                                          </p:stCondLst>
-                                        </p:cTn>
-                                        <p:tgtEl>
-                                          <p:spTgt spid="14"/>
-                                        </p:tgtEl>
-                                        <p:attrNameLst>
-                                          <p:attrName>style.visibility</p:attrName>
-                                        </p:attrNameLst>
-                                      </p:cBhvr>
-                                      <p:to>
-                                        <p:strVal val="visible"/>
-                                      </p:to>
-                                    </p:set>
-                                    <p:animEffect transition="in" filter="fade">
-                                      <p:cBhvr>
-                                        <p:cTn id="22" dur="500"/>
-                                        <p:tgtEl>
-                                          <p:spTgt spid="14"/>
-                                        </p:tgtEl>
-                                      </p:cBhvr>
-                                    </p:animEffect>
-                                  </p:childTnLst>
-                                </p:cTn>
-                              </p:par>
-                              <p:par>
-                                <p:cTn id="23" presetID="10" presetClass="entr" presetSubtype="0" fill="hold" nodeType="withEffect">
-                                  <p:stCondLst>
-                                    <p:cond delay="0"/>
-                                  </p:stCondLst>
-                                  <p:childTnLst>
-                                    <p:set>
-                                      <p:cBhvr>
-                                        <p:cTn id="24" dur="1" fill="hold">
-                                          <p:stCondLst>
-                                            <p:cond delay="0"/>
-                                          </p:stCondLst>
-                                        </p:cTn>
-                                        <p:tgtEl>
-                                          <p:spTgt spid="16"/>
-                                        </p:tgtEl>
-                                        <p:attrNameLst>
-                                          <p:attrName>style.visibility</p:attrName>
-                                        </p:attrNameLst>
-                                      </p:cBhvr>
-                                      <p:to>
-                                        <p:strVal val="visible"/>
-                                      </p:to>
-                                    </p:set>
-                                    <p:animEffect transition="in" filter="fade">
-                                      <p:cBhvr>
-                                        <p:cTn id="25" dur="500"/>
-                                        <p:tgtEl>
-                                          <p:spTgt spid="16"/>
-                                        </p:tgtEl>
-                                      </p:cBhvr>
-                                    </p:animEffect>
-                                  </p:childTnLst>
-                                </p:cTn>
-                              </p:par>
-                              <p:par>
-                                <p:cTn id="26" presetID="10" presetClass="entr" presetSubtype="0" fill="hold" nodeType="withEffect">
-                                  <p:stCondLst>
-                                    <p:cond delay="0"/>
-                                  </p:stCondLst>
-                                  <p:childTnLst>
-                                    <p:set>
-                                      <p:cBhvr>
-                                        <p:cTn id="27" dur="1" fill="hold">
-                                          <p:stCondLst>
-                                            <p:cond delay="0"/>
-                                          </p:stCondLst>
-                                        </p:cTn>
-                                        <p:tgtEl>
-                                          <p:spTgt spid="17"/>
-                                        </p:tgtEl>
-                                        <p:attrNameLst>
-                                          <p:attrName>style.visibility</p:attrName>
-                                        </p:attrNameLst>
-                                      </p:cBhvr>
-                                      <p:to>
-                                        <p:strVal val="visible"/>
-                                      </p:to>
-                                    </p:set>
-                                    <p:animEffect transition="in" filter="fade">
-                                      <p:cBhvr>
-                                        <p:cTn id="28" dur="500"/>
-                                        <p:tgtEl>
-                                          <p:spTgt spid="17"/>
-                                        </p:tgtEl>
-                                      </p:cBhvr>
-                                    </p:animEffect>
-                                  </p:childTnLst>
-                                </p:cTn>
-                              </p:par>
-                              <p:par>
-                                <p:cTn id="29" presetID="10" presetClass="entr" presetSubtype="0" fill="hold" nodeType="withEffect">
-                                  <p:stCondLst>
-                                    <p:cond delay="0"/>
-                                  </p:stCondLst>
-                                  <p:childTnLst>
-                                    <p:set>
-                                      <p:cBhvr>
-                                        <p:cTn id="30" dur="1" fill="hold">
-                                          <p:stCondLst>
-                                            <p:cond delay="0"/>
-                                          </p:stCondLst>
-                                        </p:cTn>
-                                        <p:tgtEl>
-                                          <p:spTgt spid="20"/>
-                                        </p:tgtEl>
-                                        <p:attrNameLst>
-                                          <p:attrName>style.visibility</p:attrName>
-                                        </p:attrNameLst>
-                                      </p:cBhvr>
-                                      <p:to>
-                                        <p:strVal val="visible"/>
-                                      </p:to>
-                                    </p:set>
-                                    <p:animEffect transition="in" filter="fade">
-                                      <p:cBhvr>
-                                        <p:cTn id="31" dur="500"/>
-                                        <p:tgtEl>
-                                          <p:spTgt spid="20"/>
-                                        </p:tgtEl>
-                                      </p:cBhvr>
-                                    </p:animEffect>
-                                  </p:childTnLst>
-                                </p:cTn>
-                              </p:par>
-                              <p:par>
-                                <p:cTn id="32" presetID="10" presetClass="entr" presetSubtype="0" fill="hold" nodeType="withEffect">
-                                  <p:stCondLst>
-                                    <p:cond delay="0"/>
-                                  </p:stCondLst>
-                                  <p:childTnLst>
-                                    <p:set>
-                                      <p:cBhvr>
-                                        <p:cTn id="33" dur="1" fill="hold">
-                                          <p:stCondLst>
-                                            <p:cond delay="0"/>
-                                          </p:stCondLst>
-                                        </p:cTn>
-                                        <p:tgtEl>
-                                          <p:spTgt spid="21"/>
-                                        </p:tgtEl>
-                                        <p:attrNameLst>
-                                          <p:attrName>style.visibility</p:attrName>
-                                        </p:attrNameLst>
-                                      </p:cBhvr>
-                                      <p:to>
-                                        <p:strVal val="visible"/>
-                                      </p:to>
-                                    </p:set>
-                                    <p:animEffect transition="in" filter="fade">
-                                      <p:cBhvr>
-                                        <p:cTn id="34" dur="500"/>
-                                        <p:tgtEl>
-                                          <p:spTgt spid="21"/>
-                                        </p:tgtEl>
-                                      </p:cBhvr>
-                                    </p:animEffect>
-                                  </p:childTnLst>
-                                </p:cTn>
-                              </p:par>
-                              <p:par>
-                                <p:cTn id="35" presetID="10" presetClass="entr" presetSubtype="0" fill="hold" nodeType="withEffect">
-                                  <p:stCondLst>
-                                    <p:cond delay="0"/>
-                                  </p:stCondLst>
-                                  <p:childTnLst>
-                                    <p:set>
-                                      <p:cBhvr>
-                                        <p:cTn id="36" dur="1" fill="hold">
-                                          <p:stCondLst>
-                                            <p:cond delay="0"/>
-                                          </p:stCondLst>
-                                        </p:cTn>
-                                        <p:tgtEl>
-                                          <p:spTgt spid="24"/>
-                                        </p:tgtEl>
-                                        <p:attrNameLst>
-                                          <p:attrName>style.visibility</p:attrName>
-                                        </p:attrNameLst>
-                                      </p:cBhvr>
-                                      <p:to>
-                                        <p:strVal val="visible"/>
-                                      </p:to>
-                                    </p:set>
-                                    <p:animEffect transition="in" filter="fade">
-                                      <p:cBhvr>
-                                        <p:cTn id="37" dur="500"/>
-                                        <p:tgtEl>
-                                          <p:spTgt spid="24"/>
-                                        </p:tgtEl>
-                                      </p:cBhvr>
-                                    </p:animEffect>
-                                  </p:childTnLst>
-                                </p:cTn>
-                              </p:par>
-                              <p:par>
-                                <p:cTn id="38" presetID="10" presetClass="entr" presetSubtype="0" fill="hold" grpId="0" nodeType="withEffect">
-                                  <p:stCondLst>
-                                    <p:cond delay="0"/>
-                                  </p:stCondLst>
-                                  <p:childTnLst>
-                                    <p:set>
-                                      <p:cBhvr>
-                                        <p:cTn id="39" dur="1" fill="hold">
-                                          <p:stCondLst>
-                                            <p:cond delay="0"/>
-                                          </p:stCondLst>
-                                        </p:cTn>
-                                        <p:tgtEl>
-                                          <p:spTgt spid="27"/>
-                                        </p:tgtEl>
-                                        <p:attrNameLst>
-                                          <p:attrName>style.visibility</p:attrName>
-                                        </p:attrNameLst>
-                                      </p:cBhvr>
-                                      <p:to>
-                                        <p:strVal val="visible"/>
-                                      </p:to>
-                                    </p:set>
-                                    <p:animEffect transition="in" filter="fade">
-                                      <p:cBhvr>
-                                        <p:cTn id="40" dur="500"/>
-                                        <p:tgtEl>
-                                          <p:spTgt spid="27"/>
-                                        </p:tgtEl>
-                                      </p:cBhvr>
-                                    </p:animEffect>
-                                  </p:childTnLst>
-                                </p:cTn>
-                              </p:par>
-                              <p:par>
-                                <p:cTn id="41" presetID="10" presetClass="entr" presetSubtype="0" fill="hold" grpId="0" nodeType="withEffect">
-                                  <p:stCondLst>
-                                    <p:cond delay="0"/>
-                                  </p:stCondLst>
-                                  <p:childTnLst>
-                                    <p:set>
-                                      <p:cBhvr>
-                                        <p:cTn id="42" dur="1" fill="hold">
-                                          <p:stCondLst>
-                                            <p:cond delay="0"/>
-                                          </p:stCondLst>
-                                        </p:cTn>
-                                        <p:tgtEl>
-                                          <p:spTgt spid="28"/>
-                                        </p:tgtEl>
-                                        <p:attrNameLst>
-                                          <p:attrName>style.visibility</p:attrName>
-                                        </p:attrNameLst>
-                                      </p:cBhvr>
-                                      <p:to>
-                                        <p:strVal val="visible"/>
-                                      </p:to>
-                                    </p:set>
-                                    <p:animEffect transition="in" filter="fade">
-                                      <p:cBhvr>
-                                        <p:cTn id="43" dur="500"/>
-                                        <p:tgtEl>
-                                          <p:spTgt spid="28"/>
-                                        </p:tgtEl>
-                                      </p:cBhvr>
-                                    </p:animEffect>
-                                  </p:childTnLst>
-                                </p:cTn>
-                              </p:par>
-                              <p:par>
-                                <p:cTn id="44" presetID="10" presetClass="entr" presetSubtype="0" fill="hold" grpId="0" nodeType="withEffect">
-                                  <p:stCondLst>
-                                    <p:cond delay="0"/>
-                                  </p:stCondLst>
-                                  <p:childTnLst>
-                                    <p:set>
-                                      <p:cBhvr>
-                                        <p:cTn id="45" dur="1" fill="hold">
-                                          <p:stCondLst>
-                                            <p:cond delay="0"/>
-                                          </p:stCondLst>
-                                        </p:cTn>
-                                        <p:tgtEl>
-                                          <p:spTgt spid="30"/>
-                                        </p:tgtEl>
-                                        <p:attrNameLst>
-                                          <p:attrName>style.visibility</p:attrName>
-                                        </p:attrNameLst>
-                                      </p:cBhvr>
-                                      <p:to>
-                                        <p:strVal val="visible"/>
-                                      </p:to>
-                                    </p:set>
-                                    <p:animEffect transition="in" filter="fade">
-                                      <p:cBhvr>
-                                        <p:cTn id="46" dur="500"/>
-                                        <p:tgtEl>
-                                          <p:spTgt spid="30"/>
-                                        </p:tgtEl>
-                                      </p:cBhvr>
-                                    </p:animEffect>
-                                  </p:childTnLst>
-                                </p:cTn>
-                              </p:par>
-                            </p:childTnLst>
-                          </p:cTn>
-                        </p:par>
-                      </p:childTnLst>
-                    </p:cTn>
-                  </p:par>
-                </p:childTnLst>
-              </p:cTn>
-              <p:prevCondLst>
-                <p:cond evt="onPrev" delay="0">
-                  <p:tgtEl>
-                    <p:sldTgt/>
-                  </p:tgtEl>
-                </p:cond>
-              </p:prevCondLst>
-              <p:nextCondLst>
-                <p:cond evt="onNext" delay="0">
-                  <p:tgtEl>
-                    <p:sldTgt/>
-                  </p:tgtEl>
-                </p:cond>
-              </p:nextCondLst>
-            </p:seq>
-          </p:childTnLst>
-        </p:cTn>
-      </p:par>
-    </p:tnLst>
-    <p:bldLst>
-      <p:bldP spid="3" grpId="0" animBg="1"/>
-      <p:bldP spid="4" grpId="0" animBg="1"/>
-      <p:bldP spid="6" grpId="0" animBg="1"/>
-      <p:bldP spid="7" grpId="0" animBg="1"/>
-      <p:bldP spid="13" grpId="0" animBg="1"/>
-      <p:bldP spid="14" grpId="0" animBg="1"/>
-      <p:bldP spid="27" grpId="0"/>
-      <p:bldP spid="28" grpId="0" animBg="1"/>
-      <p:bldP spid="30" grpId="0"/>
-    </p:bldLst>
-  </p:timing>
-</p:sld>
-</file>
-
 <file path=ppt/theme/theme1.xml><?xml version="1.0" encoding="utf-8"?>
 <a:theme xmlns:a="http://schemas.openxmlformats.org/drawingml/2006/main" name="Office 主题​​">
   <a:themeElements>
